--- a/documents/界面原型迭代/Online-Consultation-Platform.pptx
+++ b/documents/界面原型迭代/Online-Consultation-Platform.pptx
@@ -8,23 +8,27 @@
     <p:sldId id="256" r:id="rId3"/>
     <p:sldId id="257" r:id="rId4"/>
     <p:sldId id="258" r:id="rId5"/>
-    <p:sldId id="259" r:id="rId6"/>
-    <p:sldId id="270" r:id="rId7"/>
-    <p:sldId id="264" r:id="rId8"/>
-    <p:sldId id="265" r:id="rId9"/>
-    <p:sldId id="260" r:id="rId10"/>
-    <p:sldId id="268" r:id="rId11"/>
-    <p:sldId id="269" r:id="rId12"/>
-    <p:sldId id="263" r:id="rId13"/>
-    <p:sldId id="262" r:id="rId14"/>
-    <p:sldId id="266" r:id="rId15"/>
-    <p:sldId id="267" r:id="rId16"/>
-    <p:sldId id="261" r:id="rId17"/>
+    <p:sldId id="281" r:id="rId6"/>
+    <p:sldId id="283" r:id="rId7"/>
+    <p:sldId id="282" r:id="rId8"/>
+    <p:sldId id="284" r:id="rId9"/>
+    <p:sldId id="259" r:id="rId10"/>
+    <p:sldId id="270" r:id="rId11"/>
+    <p:sldId id="264" r:id="rId12"/>
+    <p:sldId id="265" r:id="rId13"/>
+    <p:sldId id="260" r:id="rId14"/>
+    <p:sldId id="268" r:id="rId15"/>
+    <p:sldId id="269" r:id="rId16"/>
+    <p:sldId id="263" r:id="rId17"/>
+    <p:sldId id="262" r:id="rId18"/>
+    <p:sldId id="266" r:id="rId19"/>
+    <p:sldId id="267" r:id="rId20"/>
+    <p:sldId id="261" r:id="rId21"/>
   </p:sldIdLst>
   <p:sldSz cx="12192000" cy="6858000"/>
   <p:notesSz cx="6858000" cy="9144000"/>
   <p:custDataLst>
-    <p:tags r:id="rId21"/>
+    <p:tags r:id="rId25"/>
   </p:custDataLst>
   <p:defaultTextStyle>
     <a:defPPr>
@@ -12321,8 +12325,8 @@
         </p:nvSpPr>
         <p:spPr>
           <a:xfrm>
-            <a:off x="1179880" y="1978600"/>
-            <a:ext cx="5658350" cy="3782895"/>
+            <a:off x="622900" y="2439165"/>
+            <a:ext cx="3758559" cy="2951898"/>
           </a:xfrm>
           <a:prstGeom prst="rect">
             <a:avLst/>
@@ -12335,7 +12339,7 @@
           </a:bodyPr>
           <a:lstStyle/>
           <a:p>
-            <a:pPr algn="l">
+            <a:pPr>
               <a:lnSpc>
                 <a:spcPct val="150000"/>
               </a:lnSpc>
@@ -12360,7 +12364,7 @@
                 <a:latin typeface="微软雅黑" panose="020B0503020204020204" pitchFamily="34" charset="-122"/>
                 <a:ea typeface="微软雅黑" panose="020B0503020204020204" pitchFamily="34" charset="-122"/>
               </a:rPr>
-              <a:t>、认证专家资源：</a:t>
+              <a:t>、信赖度、真实性问题：</a:t>
             </a:r>
             <a:endParaRPr lang="en-US" altLang="zh-CN" b="1" i="0" u="sng" dirty="0">
               <a:solidFill>
@@ -12386,7 +12390,7 @@
                 <a:latin typeface="微软雅黑" panose="020B0503020204020204" pitchFamily="34" charset="-122"/>
                 <a:ea typeface="微软雅黑" panose="020B0503020204020204" pitchFamily="34" charset="-122"/>
               </a:rPr>
-              <a:t>       平台提供</a:t>
+              <a:t>       提供</a:t>
             </a:r>
             <a:r>
               <a:rPr lang="zh-CN" altLang="en-US" b="1" i="0" dirty="0">
@@ -12397,7 +12401,7 @@
                 <a:latin typeface="微软雅黑" panose="020B0503020204020204" pitchFamily="34" charset="-122"/>
                 <a:ea typeface="微软雅黑" panose="020B0503020204020204" pitchFamily="34" charset="-122"/>
               </a:rPr>
-              <a:t>认证的专家</a:t>
+              <a:t>有保障的权威</a:t>
             </a:r>
             <a:r>
               <a:rPr lang="zh-CN" altLang="en-US" b="0" i="0" dirty="0">
@@ -12408,7 +12412,44 @@
                 <a:latin typeface="微软雅黑" panose="020B0503020204020204" pitchFamily="34" charset="-122"/>
                 <a:ea typeface="微软雅黑" panose="020B0503020204020204" pitchFamily="34" charset="-122"/>
               </a:rPr>
-              <a:t>进行咨询，确保用户获得高质量的专业服务。</a:t>
+              <a:t>来源，解决用户的咨询需求。</a:t>
+            </a:r>
+            <a:endParaRPr lang="en-US" altLang="zh-CN" b="0" i="0" dirty="0">
+              <a:solidFill>
+                <a:schemeClr val="accent1"/>
+              </a:solidFill>
+              <a:effectLst/>
+              <a:latin typeface="微软雅黑" panose="020B0503020204020204" pitchFamily="34" charset="-122"/>
+              <a:ea typeface="微软雅黑" panose="020B0503020204020204" pitchFamily="34" charset="-122"/>
+            </a:endParaRPr>
+          </a:p>
+          <a:p>
+            <a:pPr>
+              <a:lnSpc>
+                <a:spcPct val="150000"/>
+              </a:lnSpc>
+            </a:pPr>
+            <a:r>
+              <a:rPr lang="en-US" altLang="zh-CN" b="1" i="0" u="sng" dirty="0">
+                <a:solidFill>
+                  <a:srgbClr val="44546A"/>
+                </a:solidFill>
+                <a:effectLst/>
+                <a:latin typeface="微软雅黑" panose="020B0503020204020204" pitchFamily="34" charset="-122"/>
+                <a:ea typeface="微软雅黑" panose="020B0503020204020204" pitchFamily="34" charset="-122"/>
+              </a:rPr>
+              <a:t>2</a:t>
+            </a:r>
+            <a:r>
+              <a:rPr lang="zh-CN" altLang="en-US" b="1" i="0" u="sng" dirty="0">
+                <a:solidFill>
+                  <a:srgbClr val="44546A"/>
+                </a:solidFill>
+                <a:effectLst/>
+                <a:latin typeface="微软雅黑" panose="020B0503020204020204" pitchFamily="34" charset="-122"/>
+                <a:ea typeface="微软雅黑" panose="020B0503020204020204" pitchFamily="34" charset="-122"/>
+              </a:rPr>
+              <a:t>、专业背景问题：</a:t>
             </a:r>
             <a:endParaRPr lang="zh-CN" altLang="en-US" b="0" i="0" dirty="0">
               <a:solidFill>
@@ -12426,18 +12467,18 @@
               </a:lnSpc>
             </a:pPr>
             <a:r>
-              <a:rPr lang="en-US" altLang="zh-CN" b="1" i="0" u="sng" dirty="0">
-                <a:solidFill>
-                  <a:srgbClr val="44546A"/>
+              <a:rPr lang="zh-CN" altLang="en-US" b="0" i="0" dirty="0">
+                <a:solidFill>
+                  <a:schemeClr val="accent1"/>
                 </a:solidFill>
                 <a:effectLst/>
                 <a:latin typeface="微软雅黑" panose="020B0503020204020204" pitchFamily="34" charset="-122"/>
                 <a:ea typeface="微软雅黑" panose="020B0503020204020204" pitchFamily="34" charset="-122"/>
               </a:rPr>
-              <a:t>2</a:t>
-            </a:r>
-            <a:r>
-              <a:rPr lang="zh-CN" altLang="en-US" b="1" i="0" u="sng" dirty="0">
+              <a:t>       提供</a:t>
+            </a:r>
+            <a:r>
+              <a:rPr lang="zh-CN" altLang="en-US" b="1" i="0" dirty="0">
                 <a:solidFill>
                   <a:srgbClr val="44546A"/>
                 </a:solidFill>
@@ -12445,23 +12486,8 @@
                 <a:latin typeface="微软雅黑" panose="020B0503020204020204" pitchFamily="34" charset="-122"/>
                 <a:ea typeface="微软雅黑" panose="020B0503020204020204" pitchFamily="34" charset="-122"/>
               </a:rPr>
-              <a:t>、社区互动氛围：</a:t>
-            </a:r>
-            <a:endParaRPr lang="en-US" altLang="zh-CN" b="1" i="0" u="sng" dirty="0">
-              <a:solidFill>
-                <a:srgbClr val="44546A"/>
-              </a:solidFill>
-              <a:effectLst/>
-              <a:latin typeface="微软雅黑" panose="020B0503020204020204" pitchFamily="34" charset="-122"/>
-              <a:ea typeface="微软雅黑" panose="020B0503020204020204" pitchFamily="34" charset="-122"/>
-            </a:endParaRPr>
-          </a:p>
-          <a:p>
-            <a:pPr algn="l">
-              <a:lnSpc>
-                <a:spcPct val="150000"/>
-              </a:lnSpc>
-            </a:pPr>
+              <a:t>多样化且专业化</a:t>
+            </a:r>
             <a:r>
               <a:rPr lang="zh-CN" altLang="en-US" b="0" i="0" dirty="0">
                 <a:solidFill>
@@ -12471,29 +12497,7 @@
                 <a:latin typeface="微软雅黑" panose="020B0503020204020204" pitchFamily="34" charset="-122"/>
                 <a:ea typeface="微软雅黑" panose="020B0503020204020204" pitchFamily="34" charset="-122"/>
               </a:rPr>
-              <a:t>       用户可在</a:t>
-            </a:r>
-            <a:r>
-              <a:rPr lang="zh-CN" altLang="en-US" b="1" i="0" dirty="0">
-                <a:solidFill>
-                  <a:srgbClr val="44546A"/>
-                </a:solidFill>
-                <a:effectLst/>
-                <a:latin typeface="微软雅黑" panose="020B0503020204020204" pitchFamily="34" charset="-122"/>
-                <a:ea typeface="微软雅黑" panose="020B0503020204020204" pitchFamily="34" charset="-122"/>
-              </a:rPr>
-              <a:t>广场动态</a:t>
-            </a:r>
-            <a:r>
-              <a:rPr lang="zh-CN" altLang="en-US" b="0" i="0" dirty="0">
-                <a:solidFill>
-                  <a:schemeClr val="accent1"/>
-                </a:solidFill>
-                <a:effectLst/>
-                <a:latin typeface="微软雅黑" panose="020B0503020204020204" pitchFamily="34" charset="-122"/>
-                <a:ea typeface="微软雅黑" panose="020B0503020204020204" pitchFamily="34" charset="-122"/>
-              </a:rPr>
-              <a:t>下评论、点赞，促进用户间的互动和交流，增强社区活跃度。</a:t>
+              <a:t>的咨询功能，包括语音咨询、悬赏咨询、智能咨询等，以满足用户不同的需求。</a:t>
             </a:r>
             <a:endParaRPr lang="zh-CN" altLang="en-US" b="0" i="0" dirty="0">
               <a:solidFill>
@@ -12504,6 +12508,64 @@
               <a:ea typeface="微软雅黑" panose="020B0503020204020204" pitchFamily="34" charset="-122"/>
             </a:endParaRPr>
           </a:p>
+        </p:txBody>
+      </p:sp>
+      <p:sp>
+        <p:nvSpPr>
+          <p:cNvPr id="8" name="文本框 7"/>
+          <p:cNvSpPr txBox="1"/>
+          <p:nvPr/>
+        </p:nvSpPr>
+        <p:spPr>
+          <a:xfrm>
+            <a:off x="7854657" y="2412189"/>
+            <a:ext cx="3900196" cy="2951898"/>
+          </a:xfrm>
+          <a:prstGeom prst="rect">
+            <a:avLst/>
+          </a:prstGeom>
+          <a:noFill/>
+        </p:spPr>
+        <p:txBody>
+          <a:bodyPr wrap="square">
+            <a:spAutoFit/>
+          </a:bodyPr>
+          <a:lstStyle/>
+          <a:p>
+            <a:pPr>
+              <a:lnSpc>
+                <a:spcPct val="150000"/>
+              </a:lnSpc>
+            </a:pPr>
+            <a:r>
+              <a:rPr lang="en-US" altLang="zh-CN" b="1" u="sng" dirty="0">
+                <a:solidFill>
+                  <a:srgbClr val="44546A"/>
+                </a:solidFill>
+                <a:latin typeface="微软雅黑" panose="020B0503020204020204" pitchFamily="34" charset="-122"/>
+                <a:ea typeface="微软雅黑" panose="020B0503020204020204" pitchFamily="34" charset="-122"/>
+              </a:rPr>
+              <a:t>1</a:t>
+            </a:r>
+            <a:r>
+              <a:rPr lang="zh-CN" altLang="en-US" b="1" u="sng" dirty="0">
+                <a:solidFill>
+                  <a:srgbClr val="44546A"/>
+                </a:solidFill>
+                <a:latin typeface="微软雅黑" panose="020B0503020204020204" pitchFamily="34" charset="-122"/>
+                <a:ea typeface="微软雅黑" panose="020B0503020204020204" pitchFamily="34" charset="-122"/>
+              </a:rPr>
+              <a:t>、专业知识分享、品牌建设困难：</a:t>
+            </a:r>
+            <a:endParaRPr lang="en-US" altLang="zh-CN" b="0" i="0" dirty="0">
+              <a:solidFill>
+                <a:schemeClr val="accent1"/>
+              </a:solidFill>
+              <a:effectLst/>
+              <a:latin typeface="微软雅黑" panose="020B0503020204020204" pitchFamily="34" charset="-122"/>
+              <a:ea typeface="微软雅黑" panose="020B0503020204020204" pitchFamily="34" charset="-122"/>
+            </a:endParaRPr>
+          </a:p>
           <a:p>
             <a:pPr algn="l">
               <a:lnSpc>
@@ -12511,18 +12573,18 @@
               </a:lnSpc>
             </a:pPr>
             <a:r>
-              <a:rPr lang="en-US" altLang="zh-CN" b="1" i="0" u="sng" dirty="0">
-                <a:solidFill>
-                  <a:srgbClr val="44546A"/>
+              <a:rPr lang="zh-CN" altLang="en-US" b="0" i="0" dirty="0">
+                <a:solidFill>
+                  <a:schemeClr val="accent1"/>
                 </a:solidFill>
                 <a:effectLst/>
                 <a:latin typeface="微软雅黑" panose="020B0503020204020204" pitchFamily="34" charset="-122"/>
                 <a:ea typeface="微软雅黑" panose="020B0503020204020204" pitchFamily="34" charset="-122"/>
               </a:rPr>
-              <a:t>3</a:t>
-            </a:r>
-            <a:r>
-              <a:rPr lang="zh-CN" altLang="en-US" b="1" i="0" u="sng" dirty="0">
+              <a:t>       提供一个传播专业知识、提供专业咨询的平台，让专家能够</a:t>
+            </a:r>
+            <a:r>
+              <a:rPr lang="zh-CN" altLang="en-US" b="1" i="0" dirty="0">
                 <a:solidFill>
                   <a:srgbClr val="44546A"/>
                 </a:solidFill>
@@ -12530,11 +12592,22 @@
                 <a:latin typeface="微软雅黑" panose="020B0503020204020204" pitchFamily="34" charset="-122"/>
                 <a:ea typeface="微软雅黑" panose="020B0503020204020204" pitchFamily="34" charset="-122"/>
               </a:rPr>
-              <a:t>、个性化推荐：</a:t>
-            </a:r>
-            <a:endParaRPr lang="en-US" altLang="zh-CN" b="1" i="0" u="sng" dirty="0">
+              <a:t>分享专业知识</a:t>
+            </a:r>
+            <a:r>
+              <a:rPr lang="zh-CN" altLang="en-US" b="0" i="0" dirty="0">
+                <a:solidFill>
+                  <a:schemeClr val="accent1"/>
+                </a:solidFill>
+                <a:effectLst/>
+                <a:latin typeface="微软雅黑" panose="020B0503020204020204" pitchFamily="34" charset="-122"/>
+                <a:ea typeface="微软雅黑" panose="020B0503020204020204" pitchFamily="34" charset="-122"/>
+              </a:rPr>
+              <a:t>并提供专业咨询服务。</a:t>
+            </a:r>
+            <a:endParaRPr lang="en-US" altLang="zh-CN" b="0" i="0" dirty="0">
               <a:solidFill>
-                <a:srgbClr val="44546A"/>
+                <a:schemeClr val="accent1"/>
               </a:solidFill>
               <a:effectLst/>
               <a:latin typeface="微软雅黑" panose="020B0503020204020204" pitchFamily="34" charset="-122"/>
@@ -12542,6 +12615,41 @@
             </a:endParaRPr>
           </a:p>
           <a:p>
+            <a:pPr>
+              <a:lnSpc>
+                <a:spcPct val="150000"/>
+              </a:lnSpc>
+            </a:pPr>
+            <a:r>
+              <a:rPr lang="en-US" altLang="zh-CN" b="1" u="sng" dirty="0">
+                <a:solidFill>
+                  <a:srgbClr val="44546A"/>
+                </a:solidFill>
+                <a:latin typeface="微软雅黑" panose="020B0503020204020204" pitchFamily="34" charset="-122"/>
+                <a:ea typeface="微软雅黑" panose="020B0503020204020204" pitchFamily="34" charset="-122"/>
+              </a:rPr>
+              <a:t>2</a:t>
+            </a:r>
+            <a:r>
+              <a:rPr lang="zh-CN" altLang="en-US" b="1" u="sng" dirty="0">
+                <a:solidFill>
+                  <a:srgbClr val="44546A"/>
+                </a:solidFill>
+                <a:latin typeface="微软雅黑" panose="020B0503020204020204" pitchFamily="34" charset="-122"/>
+                <a:ea typeface="微软雅黑" panose="020B0503020204020204" pitchFamily="34" charset="-122"/>
+              </a:rPr>
+              <a:t>、信息噪音问题：</a:t>
+            </a:r>
+            <a:endParaRPr lang="zh-CN" altLang="en-US" b="0" i="0" dirty="0">
+              <a:solidFill>
+                <a:schemeClr val="accent1"/>
+              </a:solidFill>
+              <a:effectLst/>
+              <a:latin typeface="微软雅黑" panose="020B0503020204020204" pitchFamily="34" charset="-122"/>
+              <a:ea typeface="微软雅黑" panose="020B0503020204020204" pitchFamily="34" charset="-122"/>
+            </a:endParaRPr>
+          </a:p>
+          <a:p>
             <a:pPr algn="l">
               <a:lnSpc>
                 <a:spcPct val="150000"/>
@@ -12556,7 +12664,7 @@
                 <a:latin typeface="微软雅黑" panose="020B0503020204020204" pitchFamily="34" charset="-122"/>
                 <a:ea typeface="微软雅黑" panose="020B0503020204020204" pitchFamily="34" charset="-122"/>
               </a:rPr>
-              <a:t>       可选的智能推荐功能利用机器学习分析用户的喜好，为用户提供</a:t>
+              <a:t>       审核入驻专家的资料，确保平台提供可靠的专业服务、</a:t>
             </a:r>
             <a:r>
               <a:rPr lang="zh-CN" altLang="en-US" b="1" i="0" dirty="0">
@@ -12567,7 +12675,7 @@
                 <a:latin typeface="微软雅黑" panose="020B0503020204020204" pitchFamily="34" charset="-122"/>
                 <a:ea typeface="微软雅黑" panose="020B0503020204020204" pitchFamily="34" charset="-122"/>
               </a:rPr>
-              <a:t>个性化的专家推荐</a:t>
+              <a:t>减少信息噪音</a:t>
             </a:r>
             <a:r>
               <a:rPr lang="zh-CN" altLang="en-US" b="0" i="0" dirty="0">
@@ -12578,7 +12686,7 @@
                 <a:latin typeface="微软雅黑" panose="020B0503020204020204" pitchFamily="34" charset="-122"/>
                 <a:ea typeface="微软雅黑" panose="020B0503020204020204" pitchFamily="34" charset="-122"/>
               </a:rPr>
-              <a:t>，提高用户体验。</a:t>
+              <a:t>。</a:t>
             </a:r>
             <a:endParaRPr lang="zh-CN" altLang="en-US" b="0" i="0" dirty="0">
               <a:solidFill>
@@ -12599,7 +12707,7 @@
         </p:nvSpPr>
         <p:spPr>
           <a:xfrm>
-            <a:off x="2544144" y="1096505"/>
+            <a:off x="1685732" y="1156078"/>
             <a:ext cx="2730761" cy="646331"/>
           </a:xfrm>
           <a:prstGeom prst="rect">
@@ -12625,7 +12733,7 @@
                 <a:latin typeface="微软雅黑" panose="020B0503020204020204" pitchFamily="34" charset="-122"/>
                 <a:ea typeface="微软雅黑" panose="020B0503020204020204" pitchFamily="34" charset="-122"/>
               </a:rPr>
-              <a:t>相对优点</a:t>
+              <a:t>用户需求</a:t>
             </a:r>
             <a:endParaRPr lang="zh-CN" altLang="en-US" sz="3600" b="1" dirty="0">
               <a:solidFill>
@@ -12648,7 +12756,7 @@
         </p:nvCxnSpPr>
         <p:spPr>
           <a:xfrm>
-            <a:off x="2208247" y="1792334"/>
+            <a:off x="1293848" y="1909814"/>
             <a:ext cx="3601616" cy="0"/>
           </a:xfrm>
           <a:prstGeom prst="line">
@@ -12683,7 +12791,91 @@
         </p:nvSpPr>
         <p:spPr>
           <a:xfrm>
-            <a:off x="8547437" y="4788738"/>
+            <a:off x="7613785" y="1156078"/>
+            <a:ext cx="2730761" cy="646331"/>
+          </a:xfrm>
+          <a:prstGeom prst="rect">
+            <a:avLst/>
+          </a:prstGeom>
+          <a:noFill/>
+        </p:spPr>
+        <p:txBody>
+          <a:bodyPr wrap="square">
+            <a:spAutoFit/>
+          </a:bodyPr>
+          <a:lstStyle/>
+          <a:p>
+            <a:pPr algn="ctr"/>
+            <a:r>
+              <a:rPr lang="zh-CN" altLang="en-US" sz="3600" b="1" dirty="0">
+                <a:solidFill>
+                  <a:schemeClr val="accent2">
+                    <a:lumMod val="60000"/>
+                    <a:lumOff val="40000"/>
+                  </a:schemeClr>
+                </a:solidFill>
+                <a:latin typeface="微软雅黑" panose="020B0503020204020204" pitchFamily="34" charset="-122"/>
+                <a:ea typeface="微软雅黑" panose="020B0503020204020204" pitchFamily="34" charset="-122"/>
+              </a:rPr>
+              <a:t>专家需求</a:t>
+            </a:r>
+            <a:endParaRPr lang="zh-CN" altLang="en-US" sz="3600" b="1" dirty="0">
+              <a:solidFill>
+                <a:schemeClr val="accent2">
+                  <a:lumMod val="60000"/>
+                  <a:lumOff val="40000"/>
+                </a:schemeClr>
+              </a:solidFill>
+              <a:latin typeface="微软雅黑" panose="020B0503020204020204" pitchFamily="34" charset="-122"/>
+              <a:ea typeface="微软雅黑" panose="020B0503020204020204" pitchFamily="34" charset="-122"/>
+            </a:endParaRPr>
+          </a:p>
+        </p:txBody>
+      </p:sp>
+      <p:cxnSp>
+        <p:nvCxnSpPr>
+          <p:cNvPr id="13" name="直接连接符 12"/>
+          <p:cNvCxnSpPr/>
+          <p:nvPr/>
+        </p:nvCxnSpPr>
+        <p:spPr>
+          <a:xfrm>
+            <a:off x="7240562" y="1909814"/>
+            <a:ext cx="3601616" cy="0"/>
+          </a:xfrm>
+          <a:prstGeom prst="line">
+            <a:avLst/>
+          </a:prstGeom>
+          <a:ln w="28575">
+            <a:solidFill>
+              <a:srgbClr val="9DC3E6"/>
+            </a:solidFill>
+          </a:ln>
+        </p:spPr>
+        <p:style>
+          <a:lnRef idx="1">
+            <a:schemeClr val="accent1"/>
+          </a:lnRef>
+          <a:fillRef idx="0">
+            <a:schemeClr val="accent1"/>
+          </a:fillRef>
+          <a:effectRef idx="0">
+            <a:schemeClr val="accent1"/>
+          </a:effectRef>
+          <a:fontRef idx="minor">
+            <a:schemeClr val="tx1"/>
+          </a:fontRef>
+        </p:style>
+      </p:cxnSp>
+      <p:sp>
+        <p:nvSpPr>
+          <p:cNvPr id="18" name="文本框 17"/>
+          <p:cNvSpPr txBox="1"/>
+          <p:nvPr/>
+        </p:nvSpPr>
+        <p:spPr>
+          <a:xfrm>
+            <a:off x="5165821" y="4862086"/>
             <a:ext cx="1904474" cy="369332"/>
           </a:xfrm>
           <a:prstGeom prst="rect">
@@ -12706,7 +12898,7 @@
                 <a:latin typeface="微软雅黑" panose="020B0503020204020204" pitchFamily="34" charset="-122"/>
                 <a:ea typeface="微软雅黑" panose="020B0503020204020204" pitchFamily="34" charset="-122"/>
               </a:rPr>
-              <a:t>专家详情页面</a:t>
+              <a:t>聊天咨询界面</a:t>
             </a:r>
             <a:endParaRPr lang="zh-CN" altLang="en-US" b="1" dirty="0">
               <a:solidFill>
@@ -12715,6 +12907,52 @@
               <a:latin typeface="微软雅黑" panose="020B0503020204020204" pitchFamily="34" charset="-122"/>
               <a:ea typeface="微软雅黑" panose="020B0503020204020204" pitchFamily="34" charset="-122"/>
             </a:endParaRPr>
+          </a:p>
+        </p:txBody>
+      </p:sp>
+      <p:sp>
+        <p:nvSpPr>
+          <p:cNvPr id="19" name="加号 18"/>
+          <p:cNvSpPr/>
+          <p:nvPr/>
+        </p:nvSpPr>
+        <p:spPr>
+          <a:xfrm>
+            <a:off x="5875458" y="1303559"/>
+            <a:ext cx="410557" cy="410557"/>
+          </a:xfrm>
+          <a:prstGeom prst="mathPlus">
+            <a:avLst/>
+          </a:prstGeom>
+          <a:solidFill>
+            <a:srgbClr val="44546A"/>
+          </a:solidFill>
+          <a:ln>
+            <a:noFill/>
+          </a:ln>
+        </p:spPr>
+        <p:style>
+          <a:lnRef idx="2">
+            <a:schemeClr val="accent1">
+              <a:shade val="50000"/>
+            </a:schemeClr>
+          </a:lnRef>
+          <a:fillRef idx="1">
+            <a:schemeClr val="accent1"/>
+          </a:fillRef>
+          <a:effectRef idx="0">
+            <a:schemeClr val="accent1"/>
+          </a:effectRef>
+          <a:fontRef idx="minor">
+            <a:schemeClr val="lt1"/>
+          </a:fontRef>
+        </p:style>
+        <p:txBody>
+          <a:bodyPr rtlCol="0" anchor="ctr"/>
+          <a:lstStyle/>
+          <a:p>
+            <a:pPr algn="ctr"/>
+            <a:endParaRPr lang="zh-CN" altLang="en-US"/>
           </a:p>
         </p:txBody>
       </p:sp>
@@ -12734,8 +12972,8 @@
         </p:blipFill>
         <p:spPr>
           <a:xfrm>
-            <a:off x="7458710" y="2627630"/>
-            <a:ext cx="4296410" cy="2070100"/>
+            <a:off x="4462145" y="3199765"/>
+            <a:ext cx="3312795" cy="1597025"/>
           </a:xfrm>
           <a:prstGeom prst="rect">
             <a:avLst/>
@@ -12922,8 +13160,8 @@
         </p:nvSpPr>
         <p:spPr>
           <a:xfrm>
-            <a:off x="3048000" y="3105834"/>
-            <a:ext cx="6096000" cy="646331"/>
+            <a:off x="6034017" y="1883568"/>
+            <a:ext cx="5243370" cy="4198393"/>
           </a:xfrm>
           <a:prstGeom prst="rect">
             <a:avLst/>
@@ -12936,6 +13174,275 @@
           </a:bodyPr>
           <a:lstStyle/>
           <a:p>
+            <a:pPr>
+              <a:lnSpc>
+                <a:spcPct val="150000"/>
+              </a:lnSpc>
+            </a:pPr>
+            <a:r>
+              <a:rPr lang="en-US" altLang="zh-CN" b="1" u="sng" dirty="0">
+                <a:solidFill>
+                  <a:srgbClr val="44546A"/>
+                </a:solidFill>
+                <a:latin typeface="微软雅黑" panose="020B0503020204020204" pitchFamily="34" charset="-122"/>
+                <a:ea typeface="微软雅黑" panose="020B0503020204020204" pitchFamily="34" charset="-122"/>
+              </a:rPr>
+              <a:t>1</a:t>
+            </a:r>
+            <a:r>
+              <a:rPr lang="zh-CN" altLang="en-US" b="1" u="sng" dirty="0">
+                <a:solidFill>
+                  <a:srgbClr val="44546A"/>
+                </a:solidFill>
+                <a:latin typeface="微软雅黑" panose="020B0503020204020204" pitchFamily="34" charset="-122"/>
+                <a:ea typeface="微软雅黑" panose="020B0503020204020204" pitchFamily="34" charset="-122"/>
+              </a:rPr>
+              <a:t>、多领域专业性填补：</a:t>
+            </a:r>
+            <a:endParaRPr lang="en-US" altLang="zh-CN" b="1" u="sng" dirty="0">
+              <a:solidFill>
+                <a:srgbClr val="44546A"/>
+              </a:solidFill>
+              <a:latin typeface="微软雅黑" panose="020B0503020204020204" pitchFamily="34" charset="-122"/>
+              <a:ea typeface="微软雅黑" panose="020B0503020204020204" pitchFamily="34" charset="-122"/>
+            </a:endParaRPr>
+          </a:p>
+          <a:p>
+            <a:pPr algn="l">
+              <a:lnSpc>
+                <a:spcPct val="150000"/>
+              </a:lnSpc>
+            </a:pPr>
+            <a:r>
+              <a:rPr lang="zh-CN" altLang="en-US" b="0" i="0" dirty="0">
+                <a:solidFill>
+                  <a:schemeClr val="accent1"/>
+                </a:solidFill>
+                <a:effectLst/>
+                <a:latin typeface="微软雅黑" panose="020B0503020204020204" pitchFamily="34" charset="-122"/>
+                <a:ea typeface="微软雅黑" panose="020B0503020204020204" pitchFamily="34" charset="-122"/>
+              </a:rPr>
+              <a:t>       成为一个</a:t>
+            </a:r>
+            <a:r>
+              <a:rPr lang="zh-CN" altLang="en-US" b="1" i="0" dirty="0">
+                <a:solidFill>
+                  <a:srgbClr val="44546A"/>
+                </a:solidFill>
+                <a:effectLst/>
+                <a:latin typeface="微软雅黑" panose="020B0503020204020204" pitchFamily="34" charset="-122"/>
+                <a:ea typeface="微软雅黑" panose="020B0503020204020204" pitchFamily="34" charset="-122"/>
+              </a:rPr>
+              <a:t>多领域、强专业性</a:t>
+            </a:r>
+            <a:r>
+              <a:rPr lang="zh-CN" altLang="en-US" b="0" i="0" dirty="0">
+                <a:solidFill>
+                  <a:schemeClr val="accent1"/>
+                </a:solidFill>
+                <a:effectLst/>
+                <a:latin typeface="微软雅黑" panose="020B0503020204020204" pitchFamily="34" charset="-122"/>
+                <a:ea typeface="微软雅黑" panose="020B0503020204020204" pitchFamily="34" charset="-122"/>
+              </a:rPr>
+              <a:t>的线上咨询平台，填补市场对这类平台的空白。</a:t>
+            </a:r>
+            <a:endParaRPr lang="en-US" altLang="zh-CN" b="0" i="0" dirty="0">
+              <a:solidFill>
+                <a:schemeClr val="accent1"/>
+              </a:solidFill>
+              <a:effectLst/>
+              <a:latin typeface="微软雅黑" panose="020B0503020204020204" pitchFamily="34" charset="-122"/>
+              <a:ea typeface="微软雅黑" panose="020B0503020204020204" pitchFamily="34" charset="-122"/>
+            </a:endParaRPr>
+          </a:p>
+          <a:p>
+            <a:pPr>
+              <a:lnSpc>
+                <a:spcPct val="150000"/>
+              </a:lnSpc>
+            </a:pPr>
+            <a:r>
+              <a:rPr lang="en-US" altLang="zh-CN" b="1" u="sng" dirty="0">
+                <a:solidFill>
+                  <a:srgbClr val="44546A"/>
+                </a:solidFill>
+                <a:latin typeface="微软雅黑" panose="020B0503020204020204" pitchFamily="34" charset="-122"/>
+                <a:ea typeface="微软雅黑" panose="020B0503020204020204" pitchFamily="34" charset="-122"/>
+              </a:rPr>
+              <a:t>2</a:t>
+            </a:r>
+            <a:r>
+              <a:rPr lang="zh-CN" altLang="en-US" b="1" u="sng" dirty="0">
+                <a:solidFill>
+                  <a:srgbClr val="44546A"/>
+                </a:solidFill>
+                <a:latin typeface="微软雅黑" panose="020B0503020204020204" pitchFamily="34" charset="-122"/>
+                <a:ea typeface="微软雅黑" panose="020B0503020204020204" pitchFamily="34" charset="-122"/>
+              </a:rPr>
+              <a:t>、优质咨询体验：</a:t>
+            </a:r>
+            <a:endParaRPr lang="zh-CN" altLang="en-US" b="1" u="sng" dirty="0">
+              <a:solidFill>
+                <a:srgbClr val="44546A"/>
+              </a:solidFill>
+              <a:latin typeface="微软雅黑" panose="020B0503020204020204" pitchFamily="34" charset="-122"/>
+              <a:ea typeface="微软雅黑" panose="020B0503020204020204" pitchFamily="34" charset="-122"/>
+            </a:endParaRPr>
+          </a:p>
+          <a:p>
+            <a:pPr algn="l">
+              <a:lnSpc>
+                <a:spcPct val="150000"/>
+              </a:lnSpc>
+            </a:pPr>
+            <a:r>
+              <a:rPr lang="zh-CN" altLang="en-US" b="0" i="0" dirty="0">
+                <a:solidFill>
+                  <a:schemeClr val="accent1"/>
+                </a:solidFill>
+                <a:effectLst/>
+                <a:latin typeface="微软雅黑" panose="020B0503020204020204" pitchFamily="34" charset="-122"/>
+                <a:ea typeface="微软雅黑" panose="020B0503020204020204" pitchFamily="34" charset="-122"/>
+              </a:rPr>
+              <a:t>      满足用户对专业性咨询的需求，持续优化和创新，提供更</a:t>
+            </a:r>
+            <a:r>
+              <a:rPr lang="zh-CN" altLang="en-US" b="1" i="0" dirty="0">
+                <a:solidFill>
+                  <a:srgbClr val="44546A"/>
+                </a:solidFill>
+                <a:effectLst/>
+                <a:latin typeface="微软雅黑" panose="020B0503020204020204" pitchFamily="34" charset="-122"/>
+                <a:ea typeface="微软雅黑" panose="020B0503020204020204" pitchFamily="34" charset="-122"/>
+              </a:rPr>
+              <a:t>优质的咨询体验</a:t>
+            </a:r>
+            <a:r>
+              <a:rPr lang="zh-CN" altLang="en-US" b="0" i="0" dirty="0">
+                <a:solidFill>
+                  <a:schemeClr val="accent1"/>
+                </a:solidFill>
+                <a:effectLst/>
+                <a:latin typeface="微软雅黑" panose="020B0503020204020204" pitchFamily="34" charset="-122"/>
+                <a:ea typeface="微软雅黑" panose="020B0503020204020204" pitchFamily="34" charset="-122"/>
+              </a:rPr>
+              <a:t>，成为用户信赖的知识分享平台之一。</a:t>
+            </a:r>
+            <a:endParaRPr lang="en-US" altLang="zh-CN" b="0" i="0" dirty="0">
+              <a:solidFill>
+                <a:schemeClr val="accent1"/>
+              </a:solidFill>
+              <a:effectLst/>
+              <a:latin typeface="微软雅黑" panose="020B0503020204020204" pitchFamily="34" charset="-122"/>
+              <a:ea typeface="微软雅黑" panose="020B0503020204020204" pitchFamily="34" charset="-122"/>
+            </a:endParaRPr>
+          </a:p>
+          <a:p>
+            <a:pPr>
+              <a:lnSpc>
+                <a:spcPct val="150000"/>
+              </a:lnSpc>
+            </a:pPr>
+            <a:r>
+              <a:rPr lang="en-US" altLang="zh-CN" b="1" u="sng" dirty="0">
+                <a:solidFill>
+                  <a:srgbClr val="44546A"/>
+                </a:solidFill>
+                <a:latin typeface="微软雅黑" panose="020B0503020204020204" pitchFamily="34" charset="-122"/>
+                <a:ea typeface="微软雅黑" panose="020B0503020204020204" pitchFamily="34" charset="-122"/>
+              </a:rPr>
+              <a:t>3</a:t>
+            </a:r>
+            <a:r>
+              <a:rPr lang="zh-CN" altLang="en-US" b="1" u="sng" dirty="0">
+                <a:solidFill>
+                  <a:srgbClr val="44546A"/>
+                </a:solidFill>
+                <a:latin typeface="微软雅黑" panose="020B0503020204020204" pitchFamily="34" charset="-122"/>
+                <a:ea typeface="微软雅黑" panose="020B0503020204020204" pitchFamily="34" charset="-122"/>
+              </a:rPr>
+              <a:t>、专家合作推广：</a:t>
+            </a:r>
+            <a:endParaRPr lang="zh-CN" altLang="en-US" b="1" u="sng" dirty="0">
+              <a:solidFill>
+                <a:srgbClr val="44546A"/>
+              </a:solidFill>
+              <a:latin typeface="微软雅黑" panose="020B0503020204020204" pitchFamily="34" charset="-122"/>
+              <a:ea typeface="微软雅黑" panose="020B0503020204020204" pitchFamily="34" charset="-122"/>
+            </a:endParaRPr>
+          </a:p>
+          <a:p>
+            <a:pPr algn="l">
+              <a:lnSpc>
+                <a:spcPct val="150000"/>
+              </a:lnSpc>
+            </a:pPr>
+            <a:r>
+              <a:rPr lang="zh-CN" altLang="en-US" b="0" i="0" dirty="0">
+                <a:solidFill>
+                  <a:schemeClr val="accent1"/>
+                </a:solidFill>
+                <a:effectLst/>
+                <a:latin typeface="微软雅黑" panose="020B0503020204020204" pitchFamily="34" charset="-122"/>
+                <a:ea typeface="微软雅黑" panose="020B0503020204020204" pitchFamily="34" charset="-122"/>
+              </a:rPr>
+              <a:t>       与专业领域的专家和机构建立</a:t>
+            </a:r>
+            <a:r>
+              <a:rPr lang="zh-CN" altLang="en-US" b="1" i="0" dirty="0">
+                <a:solidFill>
+                  <a:srgbClr val="44546A"/>
+                </a:solidFill>
+                <a:effectLst/>
+                <a:latin typeface="微软雅黑" panose="020B0503020204020204" pitchFamily="34" charset="-122"/>
+                <a:ea typeface="微软雅黑" panose="020B0503020204020204" pitchFamily="34" charset="-122"/>
+              </a:rPr>
+              <a:t>合作关系</a:t>
+            </a:r>
+            <a:r>
+              <a:rPr lang="zh-CN" altLang="en-US" b="0" i="0" dirty="0">
+                <a:solidFill>
+                  <a:schemeClr val="accent1"/>
+                </a:solidFill>
+                <a:effectLst/>
+                <a:latin typeface="微软雅黑" panose="020B0503020204020204" pitchFamily="34" charset="-122"/>
+                <a:ea typeface="微软雅黑" panose="020B0503020204020204" pitchFamily="34" charset="-122"/>
+              </a:rPr>
+              <a:t>，共同推进知识的传播和分享。</a:t>
+            </a:r>
+            <a:endParaRPr lang="zh-CN" altLang="en-US" b="0" i="0" dirty="0">
+              <a:solidFill>
+                <a:schemeClr val="accent1"/>
+              </a:solidFill>
+              <a:effectLst/>
+              <a:latin typeface="微软雅黑" panose="020B0503020204020204" pitchFamily="34" charset="-122"/>
+              <a:ea typeface="微软雅黑" panose="020B0503020204020204" pitchFamily="34" charset="-122"/>
+            </a:endParaRPr>
+          </a:p>
+        </p:txBody>
+      </p:sp>
+      <p:sp>
+        <p:nvSpPr>
+          <p:cNvPr id="12" name="文本框 11"/>
+          <p:cNvSpPr txBox="1"/>
+          <p:nvPr/>
+        </p:nvSpPr>
+        <p:spPr>
+          <a:xfrm>
+            <a:off x="7209452" y="978322"/>
+            <a:ext cx="2730761" cy="646331"/>
+          </a:xfrm>
+          <a:prstGeom prst="rect">
+            <a:avLst/>
+          </a:prstGeom>
+          <a:noFill/>
+        </p:spPr>
+        <p:txBody>
+          <a:bodyPr wrap="square">
+            <a:spAutoFit/>
+          </a:bodyPr>
+          <a:lstStyle/>
+          <a:p>
             <a:pPr algn="ctr"/>
             <a:r>
               <a:rPr lang="zh-CN" altLang="en-US" sz="3600" b="1" dirty="0">
@@ -12948,7 +13455,7 @@
                 <a:latin typeface="微软雅黑" panose="020B0503020204020204" pitchFamily="34" charset="-122"/>
                 <a:ea typeface="微软雅黑" panose="020B0503020204020204" pitchFamily="34" charset="-122"/>
               </a:rPr>
-              <a:t>四、迭代评估报告</a:t>
+              <a:t>产品目标</a:t>
             </a:r>
             <a:endParaRPr lang="zh-CN" altLang="en-US" sz="3600" b="1" dirty="0">
               <a:solidFill>
@@ -12963,6 +13470,180 @@
           </a:p>
         </p:txBody>
       </p:sp>
+      <p:cxnSp>
+        <p:nvCxnSpPr>
+          <p:cNvPr id="13" name="直接连接符 12"/>
+          <p:cNvCxnSpPr/>
+          <p:nvPr/>
+        </p:nvCxnSpPr>
+        <p:spPr>
+          <a:xfrm>
+            <a:off x="6854894" y="1674151"/>
+            <a:ext cx="3601616" cy="0"/>
+          </a:xfrm>
+          <a:prstGeom prst="line">
+            <a:avLst/>
+          </a:prstGeom>
+          <a:ln w="28575">
+            <a:solidFill>
+              <a:srgbClr val="9DC3E6"/>
+            </a:solidFill>
+          </a:ln>
+        </p:spPr>
+        <p:style>
+          <a:lnRef idx="1">
+            <a:schemeClr val="accent1"/>
+          </a:lnRef>
+          <a:fillRef idx="0">
+            <a:schemeClr val="accent1"/>
+          </a:fillRef>
+          <a:effectRef idx="0">
+            <a:schemeClr val="accent1"/>
+          </a:effectRef>
+          <a:fontRef idx="minor">
+            <a:schemeClr val="tx1"/>
+          </a:fontRef>
+        </p:style>
+      </p:cxnSp>
+      <p:sp>
+        <p:nvSpPr>
+          <p:cNvPr id="14" name="文本框 13"/>
+          <p:cNvSpPr txBox="1"/>
+          <p:nvPr/>
+        </p:nvSpPr>
+        <p:spPr>
+          <a:xfrm>
+            <a:off x="1968632" y="5514655"/>
+            <a:ext cx="1904474" cy="369332"/>
+          </a:xfrm>
+          <a:prstGeom prst="rect">
+            <a:avLst/>
+          </a:prstGeom>
+          <a:noFill/>
+        </p:spPr>
+        <p:txBody>
+          <a:bodyPr wrap="square" rtlCol="0">
+            <a:spAutoFit/>
+          </a:bodyPr>
+          <a:lstStyle/>
+          <a:p>
+            <a:pPr algn="ctr"/>
+            <a:r>
+              <a:rPr lang="zh-CN" altLang="en-US" b="1" dirty="0">
+                <a:solidFill>
+                  <a:srgbClr val="44546A"/>
+                </a:solidFill>
+                <a:latin typeface="微软雅黑" panose="020B0503020204020204" pitchFamily="34" charset="-122"/>
+                <a:ea typeface="微软雅黑" panose="020B0503020204020204" pitchFamily="34" charset="-122"/>
+              </a:rPr>
+              <a:t>产品界面展示</a:t>
+            </a:r>
+            <a:endParaRPr lang="zh-CN" altLang="en-US" b="1" dirty="0">
+              <a:solidFill>
+                <a:srgbClr val="44546A"/>
+              </a:solidFill>
+              <a:latin typeface="微软雅黑" panose="020B0503020204020204" pitchFamily="34" charset="-122"/>
+              <a:ea typeface="微软雅黑" panose="020B0503020204020204" pitchFamily="34" charset="-122"/>
+            </a:endParaRPr>
+          </a:p>
+        </p:txBody>
+      </p:sp>
+      <p:pic>
+        <p:nvPicPr>
+          <p:cNvPr id="16" name="图片 15"/>
+          <p:cNvPicPr>
+            <a:picLocks noChangeAspect="1"/>
+          </p:cNvPicPr>
+          <p:nvPr/>
+        </p:nvPicPr>
+        <p:blipFill>
+          <a:blip r:embed="rId1"/>
+          <a:stretch>
+            <a:fillRect/>
+          </a:stretch>
+        </p:blipFill>
+        <p:spPr>
+          <a:xfrm>
+            <a:off x="907415" y="1569085"/>
+            <a:ext cx="2965450" cy="1934210"/>
+          </a:xfrm>
+          <a:prstGeom prst="rect">
+            <a:avLst/>
+          </a:prstGeom>
+        </p:spPr>
+      </p:pic>
+      <p:pic>
+        <p:nvPicPr>
+          <p:cNvPr id="15" name="图片 14"/>
+          <p:cNvPicPr>
+            <a:picLocks noChangeAspect="1"/>
+          </p:cNvPicPr>
+          <p:nvPr/>
+        </p:nvPicPr>
+        <p:blipFill>
+          <a:blip r:embed="rId2"/>
+          <a:stretch>
+            <a:fillRect/>
+          </a:stretch>
+        </p:blipFill>
+        <p:spPr>
+          <a:xfrm>
+            <a:off x="1431290" y="2223770"/>
+            <a:ext cx="2978785" cy="1934210"/>
+          </a:xfrm>
+          <a:prstGeom prst="rect">
+            <a:avLst/>
+          </a:prstGeom>
+        </p:spPr>
+      </p:pic>
+      <p:pic>
+        <p:nvPicPr>
+          <p:cNvPr id="3" name="图片 2"/>
+          <p:cNvPicPr>
+            <a:picLocks noChangeAspect="1"/>
+          </p:cNvPicPr>
+          <p:nvPr/>
+        </p:nvPicPr>
+        <p:blipFill>
+          <a:blip r:embed="rId3"/>
+          <a:stretch>
+            <a:fillRect/>
+          </a:stretch>
+        </p:blipFill>
+        <p:spPr>
+          <a:xfrm>
+            <a:off x="2068830" y="2800985"/>
+            <a:ext cx="2956560" cy="1925955"/>
+          </a:xfrm>
+          <a:prstGeom prst="rect">
+            <a:avLst/>
+          </a:prstGeom>
+        </p:spPr>
+      </p:pic>
+      <p:pic>
+        <p:nvPicPr>
+          <p:cNvPr id="2" name="图片 1"/>
+          <p:cNvPicPr>
+            <a:picLocks noChangeAspect="1"/>
+          </p:cNvPicPr>
+          <p:nvPr/>
+        </p:nvPicPr>
+        <p:blipFill>
+          <a:blip r:embed="rId4"/>
+          <a:stretch>
+            <a:fillRect/>
+          </a:stretch>
+        </p:blipFill>
+        <p:spPr>
+          <a:xfrm>
+            <a:off x="2837815" y="3415665"/>
+            <a:ext cx="2955925" cy="1940560"/>
+          </a:xfrm>
+          <a:prstGeom prst="rect">
+            <a:avLst/>
+          </a:prstGeom>
+        </p:spPr>
+      </p:pic>
     </p:spTree>
   </p:cSld>
   <p:clrMapOvr>
@@ -13143,6 +13824,1650 @@
         </p:nvSpPr>
         <p:spPr>
           <a:xfrm>
+            <a:off x="3048000" y="3105834"/>
+            <a:ext cx="6096000" cy="646331"/>
+          </a:xfrm>
+          <a:prstGeom prst="rect">
+            <a:avLst/>
+          </a:prstGeom>
+          <a:noFill/>
+        </p:spPr>
+        <p:txBody>
+          <a:bodyPr wrap="square">
+            <a:spAutoFit/>
+          </a:bodyPr>
+          <a:lstStyle/>
+          <a:p>
+            <a:pPr algn="ctr"/>
+            <a:r>
+              <a:rPr lang="zh-CN" altLang="en-US" sz="3600" b="1" dirty="0">
+                <a:solidFill>
+                  <a:schemeClr val="accent2">
+                    <a:lumMod val="60000"/>
+                    <a:lumOff val="40000"/>
+                  </a:schemeClr>
+                </a:solidFill>
+                <a:latin typeface="微软雅黑" panose="020B0503020204020204" pitchFamily="34" charset="-122"/>
+                <a:ea typeface="微软雅黑" panose="020B0503020204020204" pitchFamily="34" charset="-122"/>
+              </a:rPr>
+              <a:t>三、软件功能特性</a:t>
+            </a:r>
+            <a:endParaRPr lang="zh-CN" altLang="en-US" sz="3600" b="1" dirty="0">
+              <a:solidFill>
+                <a:schemeClr val="accent2">
+                  <a:lumMod val="60000"/>
+                  <a:lumOff val="40000"/>
+                </a:schemeClr>
+              </a:solidFill>
+              <a:latin typeface="微软雅黑" panose="020B0503020204020204" pitchFamily="34" charset="-122"/>
+              <a:ea typeface="微软雅黑" panose="020B0503020204020204" pitchFamily="34" charset="-122"/>
+            </a:endParaRPr>
+          </a:p>
+        </p:txBody>
+      </p:sp>
+    </p:spTree>
+  </p:cSld>
+  <p:clrMapOvr>
+    <a:masterClrMapping/>
+  </p:clrMapOvr>
+</p:sld>
+</file>
+
+<file path=ppt/slides/slide13.xml><?xml version="1.0" encoding="utf-8"?>
+<p:sld xmlns:a="http://schemas.openxmlformats.org/drawingml/2006/main" xmlns:r="http://schemas.openxmlformats.org/officeDocument/2006/relationships" xmlns:p="http://schemas.openxmlformats.org/presentationml/2006/main">
+  <p:cSld>
+    <p:spTree>
+      <p:nvGrpSpPr>
+        <p:cNvPr id="1" name=""/>
+        <p:cNvGrpSpPr/>
+        <p:nvPr/>
+      </p:nvGrpSpPr>
+      <p:grpSpPr>
+        <a:xfrm>
+          <a:off x="0" y="0"/>
+          <a:ext cx="0" cy="0"/>
+          <a:chOff x="0" y="0"/>
+          <a:chExt cx="0" cy="0"/>
+        </a:xfrm>
+      </p:grpSpPr>
+      <p:sp>
+        <p:nvSpPr>
+          <p:cNvPr id="4" name="矩形 3"/>
+          <p:cNvSpPr/>
+          <p:nvPr/>
+        </p:nvSpPr>
+        <p:spPr>
+          <a:xfrm>
+            <a:off x="348916" y="258679"/>
+            <a:ext cx="11538284" cy="6304547"/>
+          </a:xfrm>
+          <a:prstGeom prst="rect">
+            <a:avLst/>
+          </a:prstGeom>
+          <a:noFill/>
+          <a:ln w="57150">
+            <a:solidFill>
+              <a:schemeClr val="accent5">
+                <a:lumMod val="60000"/>
+                <a:lumOff val="40000"/>
+              </a:schemeClr>
+            </a:solidFill>
+          </a:ln>
+        </p:spPr>
+        <p:style>
+          <a:lnRef idx="2">
+            <a:schemeClr val="accent1">
+              <a:shade val="50000"/>
+            </a:schemeClr>
+          </a:lnRef>
+          <a:fillRef idx="1">
+            <a:schemeClr val="accent1"/>
+          </a:fillRef>
+          <a:effectRef idx="0">
+            <a:schemeClr val="accent1"/>
+          </a:effectRef>
+          <a:fontRef idx="minor">
+            <a:schemeClr val="lt1"/>
+          </a:fontRef>
+        </p:style>
+        <p:txBody>
+          <a:bodyPr rtlCol="0" anchor="ctr"/>
+          <a:lstStyle/>
+          <a:p>
+            <a:pPr algn="ctr"/>
+            <a:endParaRPr lang="zh-CN" altLang="en-US">
+              <a:ln>
+                <a:solidFill>
+                  <a:srgbClr val="FFFFFF"/>
+                </a:solidFill>
+              </a:ln>
+            </a:endParaRPr>
+          </a:p>
+        </p:txBody>
+      </p:sp>
+      <p:sp>
+        <p:nvSpPr>
+          <p:cNvPr id="5" name="直角三角形 4"/>
+          <p:cNvSpPr/>
+          <p:nvPr/>
+        </p:nvSpPr>
+        <p:spPr>
+          <a:xfrm rot="16200000">
+            <a:off x="11369842" y="6081962"/>
+            <a:ext cx="385011" cy="385011"/>
+          </a:xfrm>
+          <a:prstGeom prst="rtTriangle">
+            <a:avLst/>
+          </a:prstGeom>
+          <a:solidFill>
+            <a:schemeClr val="tx2"/>
+          </a:solidFill>
+          <a:ln>
+            <a:noFill/>
+          </a:ln>
+        </p:spPr>
+        <p:style>
+          <a:lnRef idx="2">
+            <a:schemeClr val="accent1">
+              <a:shade val="50000"/>
+            </a:schemeClr>
+          </a:lnRef>
+          <a:fillRef idx="1">
+            <a:schemeClr val="accent1"/>
+          </a:fillRef>
+          <a:effectRef idx="0">
+            <a:schemeClr val="accent1"/>
+          </a:effectRef>
+          <a:fontRef idx="minor">
+            <a:schemeClr val="lt1"/>
+          </a:fontRef>
+        </p:style>
+        <p:txBody>
+          <a:bodyPr rtlCol="0" anchor="ctr"/>
+          <a:lstStyle/>
+          <a:p>
+            <a:pPr algn="ctr"/>
+            <a:endParaRPr lang="zh-CN" altLang="en-US"/>
+          </a:p>
+        </p:txBody>
+      </p:sp>
+      <p:sp>
+        <p:nvSpPr>
+          <p:cNvPr id="6" name="直角三角形 5"/>
+          <p:cNvSpPr/>
+          <p:nvPr/>
+        </p:nvSpPr>
+        <p:spPr>
+          <a:xfrm rot="5400000">
+            <a:off x="459205" y="356936"/>
+            <a:ext cx="385011" cy="385011"/>
+          </a:xfrm>
+          <a:prstGeom prst="rtTriangle">
+            <a:avLst/>
+          </a:prstGeom>
+          <a:solidFill>
+            <a:schemeClr val="tx2"/>
+          </a:solidFill>
+          <a:ln>
+            <a:noFill/>
+          </a:ln>
+        </p:spPr>
+        <p:style>
+          <a:lnRef idx="2">
+            <a:schemeClr val="accent1">
+              <a:shade val="50000"/>
+            </a:schemeClr>
+          </a:lnRef>
+          <a:fillRef idx="1">
+            <a:schemeClr val="accent1"/>
+          </a:fillRef>
+          <a:effectRef idx="0">
+            <a:schemeClr val="accent1"/>
+          </a:effectRef>
+          <a:fontRef idx="minor">
+            <a:schemeClr val="lt1"/>
+          </a:fontRef>
+        </p:style>
+        <p:txBody>
+          <a:bodyPr rtlCol="0" anchor="ctr"/>
+          <a:lstStyle/>
+          <a:p>
+            <a:pPr algn="ctr"/>
+            <a:endParaRPr lang="zh-CN" altLang="en-US"/>
+          </a:p>
+        </p:txBody>
+      </p:sp>
+      <p:sp>
+        <p:nvSpPr>
+          <p:cNvPr id="8" name="文本框 7"/>
+          <p:cNvSpPr txBox="1"/>
+          <p:nvPr/>
+        </p:nvSpPr>
+        <p:spPr>
+          <a:xfrm>
+            <a:off x="5359533" y="1840532"/>
+            <a:ext cx="6096000" cy="3782895"/>
+          </a:xfrm>
+          <a:prstGeom prst="rect">
+            <a:avLst/>
+          </a:prstGeom>
+          <a:noFill/>
+        </p:spPr>
+        <p:txBody>
+          <a:bodyPr wrap="square">
+            <a:spAutoFit/>
+          </a:bodyPr>
+          <a:lstStyle/>
+          <a:p>
+            <a:pPr algn="l">
+              <a:lnSpc>
+                <a:spcPct val="150000"/>
+              </a:lnSpc>
+            </a:pPr>
+            <a:r>
+              <a:rPr lang="en-US" altLang="zh-CN" b="1" i="0" u="sng" dirty="0">
+                <a:solidFill>
+                  <a:srgbClr val="44546A"/>
+                </a:solidFill>
+                <a:effectLst/>
+                <a:latin typeface="微软雅黑" panose="020B0503020204020204" pitchFamily="34" charset="-122"/>
+                <a:ea typeface="微软雅黑" panose="020B0503020204020204" pitchFamily="34" charset="-122"/>
+              </a:rPr>
+              <a:t>1</a:t>
+            </a:r>
+            <a:r>
+              <a:rPr lang="zh-CN" altLang="en-US" b="1" i="0" u="sng" dirty="0">
+                <a:solidFill>
+                  <a:srgbClr val="44546A"/>
+                </a:solidFill>
+                <a:effectLst/>
+                <a:latin typeface="微软雅黑" panose="020B0503020204020204" pitchFamily="34" charset="-122"/>
+                <a:ea typeface="微软雅黑" panose="020B0503020204020204" pitchFamily="34" charset="-122"/>
+              </a:rPr>
+              <a:t>、提供专业咨询服务：</a:t>
+            </a:r>
+            <a:endParaRPr lang="en-US" altLang="zh-CN" b="1" i="0" u="sng" dirty="0">
+              <a:solidFill>
+                <a:srgbClr val="44546A"/>
+              </a:solidFill>
+              <a:effectLst/>
+              <a:latin typeface="微软雅黑" panose="020B0503020204020204" pitchFamily="34" charset="-122"/>
+              <a:ea typeface="微软雅黑" panose="020B0503020204020204" pitchFamily="34" charset="-122"/>
+            </a:endParaRPr>
+          </a:p>
+          <a:p>
+            <a:pPr algn="l">
+              <a:lnSpc>
+                <a:spcPct val="150000"/>
+              </a:lnSpc>
+            </a:pPr>
+            <a:r>
+              <a:rPr lang="zh-CN" altLang="en-US" b="0" i="0" dirty="0">
+                <a:solidFill>
+                  <a:schemeClr val="accent1"/>
+                </a:solidFill>
+                <a:effectLst/>
+                <a:latin typeface="微软雅黑" panose="020B0503020204020204" pitchFamily="34" charset="-122"/>
+                <a:ea typeface="微软雅黑" panose="020B0503020204020204" pitchFamily="34" charset="-122"/>
+              </a:rPr>
+              <a:t>       平台上认证的专家可提供</a:t>
+            </a:r>
+            <a:r>
+              <a:rPr lang="zh-CN" altLang="en-US" b="1" i="0" dirty="0">
+                <a:solidFill>
+                  <a:srgbClr val="44546A"/>
+                </a:solidFill>
+                <a:effectLst/>
+                <a:latin typeface="微软雅黑" panose="020B0503020204020204" pitchFamily="34" charset="-122"/>
+                <a:ea typeface="微软雅黑" panose="020B0503020204020204" pitchFamily="34" charset="-122"/>
+              </a:rPr>
+              <a:t>可靠的收费咨询</a:t>
+            </a:r>
+            <a:r>
+              <a:rPr lang="zh-CN" altLang="en-US" b="0" i="0" dirty="0">
+                <a:solidFill>
+                  <a:schemeClr val="accent1"/>
+                </a:solidFill>
+                <a:effectLst/>
+                <a:latin typeface="微软雅黑" panose="020B0503020204020204" pitchFamily="34" charset="-122"/>
+                <a:ea typeface="微软雅黑" panose="020B0503020204020204" pitchFamily="34" charset="-122"/>
+              </a:rPr>
+              <a:t>，满足用户在多领域的需求。</a:t>
+            </a:r>
+            <a:endParaRPr lang="zh-CN" altLang="en-US" b="0" i="0" dirty="0">
+              <a:solidFill>
+                <a:schemeClr val="accent1"/>
+              </a:solidFill>
+              <a:effectLst/>
+              <a:latin typeface="微软雅黑" panose="020B0503020204020204" pitchFamily="34" charset="-122"/>
+              <a:ea typeface="微软雅黑" panose="020B0503020204020204" pitchFamily="34" charset="-122"/>
+            </a:endParaRPr>
+          </a:p>
+          <a:p>
+            <a:pPr algn="l">
+              <a:lnSpc>
+                <a:spcPct val="150000"/>
+              </a:lnSpc>
+            </a:pPr>
+            <a:r>
+              <a:rPr lang="en-US" altLang="zh-CN" b="1" i="0" u="sng" dirty="0">
+                <a:solidFill>
+                  <a:srgbClr val="44546A"/>
+                </a:solidFill>
+                <a:effectLst/>
+                <a:latin typeface="微软雅黑" panose="020B0503020204020204" pitchFamily="34" charset="-122"/>
+                <a:ea typeface="微软雅黑" panose="020B0503020204020204" pitchFamily="34" charset="-122"/>
+              </a:rPr>
+              <a:t>2</a:t>
+            </a:r>
+            <a:r>
+              <a:rPr lang="zh-CN" altLang="en-US" b="1" i="0" u="sng" dirty="0">
+                <a:solidFill>
+                  <a:srgbClr val="44546A"/>
+                </a:solidFill>
+                <a:effectLst/>
+                <a:latin typeface="微软雅黑" panose="020B0503020204020204" pitchFamily="34" charset="-122"/>
+                <a:ea typeface="微软雅黑" panose="020B0503020204020204" pitchFamily="34" charset="-122"/>
+              </a:rPr>
+              <a:t>、便于用户交流：</a:t>
+            </a:r>
+            <a:endParaRPr lang="en-US" altLang="zh-CN" b="1" i="0" u="sng" dirty="0">
+              <a:solidFill>
+                <a:srgbClr val="44546A"/>
+              </a:solidFill>
+              <a:effectLst/>
+              <a:latin typeface="微软雅黑" panose="020B0503020204020204" pitchFamily="34" charset="-122"/>
+              <a:ea typeface="微软雅黑" panose="020B0503020204020204" pitchFamily="34" charset="-122"/>
+            </a:endParaRPr>
+          </a:p>
+          <a:p>
+            <a:pPr algn="l">
+              <a:lnSpc>
+                <a:spcPct val="150000"/>
+              </a:lnSpc>
+            </a:pPr>
+            <a:r>
+              <a:rPr lang="zh-CN" altLang="en-US" b="0" i="0" dirty="0">
+                <a:solidFill>
+                  <a:schemeClr val="accent1"/>
+                </a:solidFill>
+                <a:effectLst/>
+                <a:latin typeface="微软雅黑" panose="020B0503020204020204" pitchFamily="34" charset="-122"/>
+                <a:ea typeface="微软雅黑" panose="020B0503020204020204" pitchFamily="34" charset="-122"/>
+              </a:rPr>
+              <a:t>       平台提供</a:t>
+            </a:r>
+            <a:r>
+              <a:rPr lang="zh-CN" altLang="en-US" b="1" i="0" dirty="0">
+                <a:solidFill>
+                  <a:srgbClr val="44546A"/>
+                </a:solidFill>
+                <a:effectLst/>
+                <a:latin typeface="微软雅黑" panose="020B0503020204020204" pitchFamily="34" charset="-122"/>
+                <a:ea typeface="微软雅黑" panose="020B0503020204020204" pitchFamily="34" charset="-122"/>
+              </a:rPr>
+              <a:t>动态功能和私信</a:t>
+            </a:r>
+            <a:r>
+              <a:rPr lang="zh-CN" altLang="en-US" b="0" i="0" dirty="0">
+                <a:solidFill>
+                  <a:schemeClr val="accent1"/>
+                </a:solidFill>
+                <a:effectLst/>
+                <a:latin typeface="微软雅黑" panose="020B0503020204020204" pitchFamily="34" charset="-122"/>
+                <a:ea typeface="微软雅黑" panose="020B0503020204020204" pitchFamily="34" charset="-122"/>
+              </a:rPr>
+              <a:t>交流功能，方便用户之间进行互动和一对一交流。</a:t>
+            </a:r>
+            <a:endParaRPr lang="zh-CN" altLang="en-US" b="0" i="0" dirty="0">
+              <a:solidFill>
+                <a:schemeClr val="accent1"/>
+              </a:solidFill>
+              <a:effectLst/>
+              <a:latin typeface="微软雅黑" panose="020B0503020204020204" pitchFamily="34" charset="-122"/>
+              <a:ea typeface="微软雅黑" panose="020B0503020204020204" pitchFamily="34" charset="-122"/>
+            </a:endParaRPr>
+          </a:p>
+          <a:p>
+            <a:pPr algn="l">
+              <a:lnSpc>
+                <a:spcPct val="150000"/>
+              </a:lnSpc>
+            </a:pPr>
+            <a:r>
+              <a:rPr lang="en-US" altLang="zh-CN" b="1" i="0" u="sng" dirty="0">
+                <a:solidFill>
+                  <a:srgbClr val="44546A"/>
+                </a:solidFill>
+                <a:effectLst/>
+                <a:latin typeface="微软雅黑" panose="020B0503020204020204" pitchFamily="34" charset="-122"/>
+                <a:ea typeface="微软雅黑" panose="020B0503020204020204" pitchFamily="34" charset="-122"/>
+              </a:rPr>
+              <a:t>3</a:t>
+            </a:r>
+            <a:r>
+              <a:rPr lang="zh-CN" altLang="en-US" b="1" i="0" u="sng" dirty="0">
+                <a:solidFill>
+                  <a:srgbClr val="44546A"/>
+                </a:solidFill>
+                <a:effectLst/>
+                <a:latin typeface="微软雅黑" panose="020B0503020204020204" pitchFamily="34" charset="-122"/>
+                <a:ea typeface="微软雅黑" panose="020B0503020204020204" pitchFamily="34" charset="-122"/>
+              </a:rPr>
+              <a:t>、专家知识传播：</a:t>
+            </a:r>
+            <a:endParaRPr lang="en-US" altLang="zh-CN" b="1" i="0" u="sng" dirty="0">
+              <a:solidFill>
+                <a:srgbClr val="44546A"/>
+              </a:solidFill>
+              <a:effectLst/>
+              <a:latin typeface="微软雅黑" panose="020B0503020204020204" pitchFamily="34" charset="-122"/>
+              <a:ea typeface="微软雅黑" panose="020B0503020204020204" pitchFamily="34" charset="-122"/>
+            </a:endParaRPr>
+          </a:p>
+          <a:p>
+            <a:pPr algn="l">
+              <a:lnSpc>
+                <a:spcPct val="150000"/>
+              </a:lnSpc>
+            </a:pPr>
+            <a:r>
+              <a:rPr lang="zh-CN" altLang="en-US" b="0" i="0" dirty="0">
+                <a:solidFill>
+                  <a:schemeClr val="accent1"/>
+                </a:solidFill>
+                <a:effectLst/>
+                <a:latin typeface="微软雅黑" panose="020B0503020204020204" pitchFamily="34" charset="-122"/>
+                <a:ea typeface="微软雅黑" panose="020B0503020204020204" pitchFamily="34" charset="-122"/>
+              </a:rPr>
+              <a:t>       专家可以通过发布动态在平台上</a:t>
+            </a:r>
+            <a:r>
+              <a:rPr lang="zh-CN" altLang="en-US" b="1" i="0" dirty="0">
+                <a:solidFill>
+                  <a:srgbClr val="44546A"/>
+                </a:solidFill>
+                <a:effectLst/>
+                <a:latin typeface="微软雅黑" panose="020B0503020204020204" pitchFamily="34" charset="-122"/>
+                <a:ea typeface="微软雅黑" panose="020B0503020204020204" pitchFamily="34" charset="-122"/>
+              </a:rPr>
+              <a:t>传播专业知识</a:t>
+            </a:r>
+            <a:r>
+              <a:rPr lang="zh-CN" altLang="en-US" b="0" i="0" dirty="0">
+                <a:solidFill>
+                  <a:schemeClr val="accent1"/>
+                </a:solidFill>
+                <a:effectLst/>
+                <a:latin typeface="微软雅黑" panose="020B0503020204020204" pitchFamily="34" charset="-122"/>
+                <a:ea typeface="微软雅黑" panose="020B0503020204020204" pitchFamily="34" charset="-122"/>
+              </a:rPr>
+              <a:t>，并以专家标识进行展示。</a:t>
+            </a:r>
+            <a:endParaRPr lang="en-US" altLang="zh-CN" b="0" i="0" dirty="0">
+              <a:solidFill>
+                <a:schemeClr val="accent1"/>
+              </a:solidFill>
+              <a:effectLst/>
+              <a:latin typeface="微软雅黑" panose="020B0503020204020204" pitchFamily="34" charset="-122"/>
+              <a:ea typeface="微软雅黑" panose="020B0503020204020204" pitchFamily="34" charset="-122"/>
+            </a:endParaRPr>
+          </a:p>
+        </p:txBody>
+      </p:sp>
+      <p:sp>
+        <p:nvSpPr>
+          <p:cNvPr id="10" name="文本框 9"/>
+          <p:cNvSpPr txBox="1"/>
+          <p:nvPr/>
+        </p:nvSpPr>
+        <p:spPr>
+          <a:xfrm>
+            <a:off x="7197012" y="860936"/>
+            <a:ext cx="2730761" cy="646331"/>
+          </a:xfrm>
+          <a:prstGeom prst="rect">
+            <a:avLst/>
+          </a:prstGeom>
+          <a:noFill/>
+        </p:spPr>
+        <p:txBody>
+          <a:bodyPr wrap="square">
+            <a:spAutoFit/>
+          </a:bodyPr>
+          <a:lstStyle/>
+          <a:p>
+            <a:pPr algn="ctr"/>
+            <a:r>
+              <a:rPr lang="zh-CN" altLang="en-US" sz="3600" b="1" dirty="0">
+                <a:solidFill>
+                  <a:schemeClr val="accent2">
+                    <a:lumMod val="60000"/>
+                    <a:lumOff val="40000"/>
+                  </a:schemeClr>
+                </a:solidFill>
+                <a:latin typeface="微软雅黑" panose="020B0503020204020204" pitchFamily="34" charset="-122"/>
+                <a:ea typeface="微软雅黑" panose="020B0503020204020204" pitchFamily="34" charset="-122"/>
+              </a:rPr>
+              <a:t>基本功能</a:t>
+            </a:r>
+            <a:endParaRPr lang="zh-CN" altLang="en-US" sz="3600" b="1" dirty="0">
+              <a:solidFill>
+                <a:schemeClr val="accent2">
+                  <a:lumMod val="60000"/>
+                  <a:lumOff val="40000"/>
+                </a:schemeClr>
+              </a:solidFill>
+              <a:latin typeface="微软雅黑" panose="020B0503020204020204" pitchFamily="34" charset="-122"/>
+              <a:ea typeface="微软雅黑" panose="020B0503020204020204" pitchFamily="34" charset="-122"/>
+            </a:endParaRPr>
+          </a:p>
+        </p:txBody>
+      </p:sp>
+      <p:cxnSp>
+        <p:nvCxnSpPr>
+          <p:cNvPr id="11" name="直接连接符 10"/>
+          <p:cNvCxnSpPr/>
+          <p:nvPr/>
+        </p:nvCxnSpPr>
+        <p:spPr>
+          <a:xfrm>
+            <a:off x="6842454" y="1556765"/>
+            <a:ext cx="3601616" cy="0"/>
+          </a:xfrm>
+          <a:prstGeom prst="line">
+            <a:avLst/>
+          </a:prstGeom>
+          <a:ln w="28575">
+            <a:solidFill>
+              <a:srgbClr val="9DC3E6"/>
+            </a:solidFill>
+          </a:ln>
+        </p:spPr>
+        <p:style>
+          <a:lnRef idx="1">
+            <a:schemeClr val="accent1"/>
+          </a:lnRef>
+          <a:fillRef idx="0">
+            <a:schemeClr val="accent1"/>
+          </a:fillRef>
+          <a:effectRef idx="0">
+            <a:schemeClr val="accent1"/>
+          </a:effectRef>
+          <a:fontRef idx="minor">
+            <a:schemeClr val="tx1"/>
+          </a:fontRef>
+        </p:style>
+      </p:cxnSp>
+      <p:sp>
+        <p:nvSpPr>
+          <p:cNvPr id="12" name="文本框 11"/>
+          <p:cNvSpPr txBox="1"/>
+          <p:nvPr/>
+        </p:nvSpPr>
+        <p:spPr>
+          <a:xfrm>
+            <a:off x="1819342" y="5017022"/>
+            <a:ext cx="1904474" cy="369332"/>
+          </a:xfrm>
+          <a:prstGeom prst="rect">
+            <a:avLst/>
+          </a:prstGeom>
+          <a:noFill/>
+        </p:spPr>
+        <p:txBody>
+          <a:bodyPr wrap="square" rtlCol="0">
+            <a:spAutoFit/>
+          </a:bodyPr>
+          <a:lstStyle/>
+          <a:p>
+            <a:pPr algn="ctr"/>
+            <a:r>
+              <a:rPr lang="zh-CN" altLang="en-US" b="1" dirty="0">
+                <a:solidFill>
+                  <a:srgbClr val="44546A"/>
+                </a:solidFill>
+                <a:latin typeface="微软雅黑" panose="020B0503020204020204" pitchFamily="34" charset="-122"/>
+                <a:ea typeface="微软雅黑" panose="020B0503020204020204" pitchFamily="34" charset="-122"/>
+              </a:rPr>
+              <a:t>热门话题页面</a:t>
+            </a:r>
+            <a:endParaRPr lang="zh-CN" altLang="en-US" b="1" dirty="0">
+              <a:solidFill>
+                <a:srgbClr val="44546A"/>
+              </a:solidFill>
+              <a:latin typeface="微软雅黑" panose="020B0503020204020204" pitchFamily="34" charset="-122"/>
+              <a:ea typeface="微软雅黑" panose="020B0503020204020204" pitchFamily="34" charset="-122"/>
+            </a:endParaRPr>
+          </a:p>
+        </p:txBody>
+      </p:sp>
+      <p:pic>
+        <p:nvPicPr>
+          <p:cNvPr id="2" name="图片 1"/>
+          <p:cNvPicPr>
+            <a:picLocks noChangeAspect="1"/>
+          </p:cNvPicPr>
+          <p:nvPr/>
+        </p:nvPicPr>
+        <p:blipFill>
+          <a:blip r:embed="rId1"/>
+          <a:stretch>
+            <a:fillRect/>
+          </a:stretch>
+        </p:blipFill>
+        <p:spPr>
+          <a:xfrm>
+            <a:off x="556260" y="2517775"/>
+            <a:ext cx="4567555" cy="2205355"/>
+          </a:xfrm>
+          <a:prstGeom prst="rect">
+            <a:avLst/>
+          </a:prstGeom>
+        </p:spPr>
+      </p:pic>
+    </p:spTree>
+  </p:cSld>
+  <p:clrMapOvr>
+    <a:masterClrMapping/>
+  </p:clrMapOvr>
+</p:sld>
+</file>
+
+<file path=ppt/slides/slide14.xml><?xml version="1.0" encoding="utf-8"?>
+<p:sld xmlns:a="http://schemas.openxmlformats.org/drawingml/2006/main" xmlns:r="http://schemas.openxmlformats.org/officeDocument/2006/relationships" xmlns:p="http://schemas.openxmlformats.org/presentationml/2006/main">
+  <p:cSld>
+    <p:spTree>
+      <p:nvGrpSpPr>
+        <p:cNvPr id="1" name=""/>
+        <p:cNvGrpSpPr/>
+        <p:nvPr/>
+      </p:nvGrpSpPr>
+      <p:grpSpPr>
+        <a:xfrm>
+          <a:off x="0" y="0"/>
+          <a:ext cx="0" cy="0"/>
+          <a:chOff x="0" y="0"/>
+          <a:chExt cx="0" cy="0"/>
+        </a:xfrm>
+      </p:grpSpPr>
+      <p:sp>
+        <p:nvSpPr>
+          <p:cNvPr id="4" name="矩形 3"/>
+          <p:cNvSpPr/>
+          <p:nvPr/>
+        </p:nvSpPr>
+        <p:spPr>
+          <a:xfrm>
+            <a:off x="348916" y="258679"/>
+            <a:ext cx="11538284" cy="6304547"/>
+          </a:xfrm>
+          <a:prstGeom prst="rect">
+            <a:avLst/>
+          </a:prstGeom>
+          <a:noFill/>
+          <a:ln w="57150">
+            <a:solidFill>
+              <a:schemeClr val="accent5">
+                <a:lumMod val="60000"/>
+                <a:lumOff val="40000"/>
+              </a:schemeClr>
+            </a:solidFill>
+          </a:ln>
+        </p:spPr>
+        <p:style>
+          <a:lnRef idx="2">
+            <a:schemeClr val="accent1">
+              <a:shade val="50000"/>
+            </a:schemeClr>
+          </a:lnRef>
+          <a:fillRef idx="1">
+            <a:schemeClr val="accent1"/>
+          </a:fillRef>
+          <a:effectRef idx="0">
+            <a:schemeClr val="accent1"/>
+          </a:effectRef>
+          <a:fontRef idx="minor">
+            <a:schemeClr val="lt1"/>
+          </a:fontRef>
+        </p:style>
+        <p:txBody>
+          <a:bodyPr rtlCol="0" anchor="ctr"/>
+          <a:lstStyle/>
+          <a:p>
+            <a:pPr algn="ctr"/>
+            <a:endParaRPr lang="zh-CN" altLang="en-US">
+              <a:ln>
+                <a:solidFill>
+                  <a:srgbClr val="FFFFFF"/>
+                </a:solidFill>
+              </a:ln>
+            </a:endParaRPr>
+          </a:p>
+        </p:txBody>
+      </p:sp>
+      <p:sp>
+        <p:nvSpPr>
+          <p:cNvPr id="5" name="直角三角形 4"/>
+          <p:cNvSpPr/>
+          <p:nvPr/>
+        </p:nvSpPr>
+        <p:spPr>
+          <a:xfrm rot="16200000">
+            <a:off x="11369842" y="6081962"/>
+            <a:ext cx="385011" cy="385011"/>
+          </a:xfrm>
+          <a:prstGeom prst="rtTriangle">
+            <a:avLst/>
+          </a:prstGeom>
+          <a:solidFill>
+            <a:schemeClr val="tx2"/>
+          </a:solidFill>
+          <a:ln>
+            <a:noFill/>
+          </a:ln>
+        </p:spPr>
+        <p:style>
+          <a:lnRef idx="2">
+            <a:schemeClr val="accent1">
+              <a:shade val="50000"/>
+            </a:schemeClr>
+          </a:lnRef>
+          <a:fillRef idx="1">
+            <a:schemeClr val="accent1"/>
+          </a:fillRef>
+          <a:effectRef idx="0">
+            <a:schemeClr val="accent1"/>
+          </a:effectRef>
+          <a:fontRef idx="minor">
+            <a:schemeClr val="lt1"/>
+          </a:fontRef>
+        </p:style>
+        <p:txBody>
+          <a:bodyPr rtlCol="0" anchor="ctr"/>
+          <a:lstStyle/>
+          <a:p>
+            <a:pPr algn="ctr"/>
+            <a:endParaRPr lang="zh-CN" altLang="en-US"/>
+          </a:p>
+        </p:txBody>
+      </p:sp>
+      <p:sp>
+        <p:nvSpPr>
+          <p:cNvPr id="6" name="直角三角形 5"/>
+          <p:cNvSpPr/>
+          <p:nvPr/>
+        </p:nvSpPr>
+        <p:spPr>
+          <a:xfrm rot="5400000">
+            <a:off x="459205" y="356936"/>
+            <a:ext cx="385011" cy="385011"/>
+          </a:xfrm>
+          <a:prstGeom prst="rtTriangle">
+            <a:avLst/>
+          </a:prstGeom>
+          <a:solidFill>
+            <a:schemeClr val="tx2"/>
+          </a:solidFill>
+          <a:ln>
+            <a:noFill/>
+          </a:ln>
+        </p:spPr>
+        <p:style>
+          <a:lnRef idx="2">
+            <a:schemeClr val="accent1">
+              <a:shade val="50000"/>
+            </a:schemeClr>
+          </a:lnRef>
+          <a:fillRef idx="1">
+            <a:schemeClr val="accent1"/>
+          </a:fillRef>
+          <a:effectRef idx="0">
+            <a:schemeClr val="accent1"/>
+          </a:effectRef>
+          <a:fontRef idx="minor">
+            <a:schemeClr val="lt1"/>
+          </a:fontRef>
+        </p:style>
+        <p:txBody>
+          <a:bodyPr rtlCol="0" anchor="ctr"/>
+          <a:lstStyle/>
+          <a:p>
+            <a:pPr algn="ctr"/>
+            <a:endParaRPr lang="zh-CN" altLang="en-US"/>
+          </a:p>
+        </p:txBody>
+      </p:sp>
+      <p:sp>
+        <p:nvSpPr>
+          <p:cNvPr id="7" name="文本框 6"/>
+          <p:cNvSpPr txBox="1"/>
+          <p:nvPr/>
+        </p:nvSpPr>
+        <p:spPr>
+          <a:xfrm>
+            <a:off x="1179880" y="1978600"/>
+            <a:ext cx="5658350" cy="3782895"/>
+          </a:xfrm>
+          <a:prstGeom prst="rect">
+            <a:avLst/>
+          </a:prstGeom>
+          <a:noFill/>
+        </p:spPr>
+        <p:txBody>
+          <a:bodyPr wrap="square">
+            <a:spAutoFit/>
+          </a:bodyPr>
+          <a:lstStyle/>
+          <a:p>
+            <a:pPr algn="l">
+              <a:lnSpc>
+                <a:spcPct val="150000"/>
+              </a:lnSpc>
+            </a:pPr>
+            <a:r>
+              <a:rPr lang="en-US" altLang="zh-CN" b="1" i="0" u="sng" dirty="0">
+                <a:solidFill>
+                  <a:srgbClr val="44546A"/>
+                </a:solidFill>
+                <a:effectLst/>
+                <a:latin typeface="微软雅黑" panose="020B0503020204020204" pitchFamily="34" charset="-122"/>
+                <a:ea typeface="微软雅黑" panose="020B0503020204020204" pitchFamily="34" charset="-122"/>
+              </a:rPr>
+              <a:t>1</a:t>
+            </a:r>
+            <a:r>
+              <a:rPr lang="zh-CN" altLang="en-US" b="1" i="0" u="sng" dirty="0">
+                <a:solidFill>
+                  <a:srgbClr val="44546A"/>
+                </a:solidFill>
+                <a:effectLst/>
+                <a:latin typeface="微软雅黑" panose="020B0503020204020204" pitchFamily="34" charset="-122"/>
+                <a:ea typeface="微软雅黑" panose="020B0503020204020204" pitchFamily="34" charset="-122"/>
+              </a:rPr>
+              <a:t>、认证专家资源：</a:t>
+            </a:r>
+            <a:endParaRPr lang="en-US" altLang="zh-CN" b="1" i="0" u="sng" dirty="0">
+              <a:solidFill>
+                <a:srgbClr val="44546A"/>
+              </a:solidFill>
+              <a:effectLst/>
+              <a:latin typeface="微软雅黑" panose="020B0503020204020204" pitchFamily="34" charset="-122"/>
+              <a:ea typeface="微软雅黑" panose="020B0503020204020204" pitchFamily="34" charset="-122"/>
+            </a:endParaRPr>
+          </a:p>
+          <a:p>
+            <a:pPr algn="l">
+              <a:lnSpc>
+                <a:spcPct val="150000"/>
+              </a:lnSpc>
+            </a:pPr>
+            <a:r>
+              <a:rPr lang="zh-CN" altLang="en-US" b="0" i="0" dirty="0">
+                <a:solidFill>
+                  <a:schemeClr val="accent1"/>
+                </a:solidFill>
+                <a:effectLst/>
+                <a:latin typeface="微软雅黑" panose="020B0503020204020204" pitchFamily="34" charset="-122"/>
+                <a:ea typeface="微软雅黑" panose="020B0503020204020204" pitchFamily="34" charset="-122"/>
+              </a:rPr>
+              <a:t>       平台提供</a:t>
+            </a:r>
+            <a:r>
+              <a:rPr lang="zh-CN" altLang="en-US" b="1" i="0" dirty="0">
+                <a:solidFill>
+                  <a:srgbClr val="44546A"/>
+                </a:solidFill>
+                <a:effectLst/>
+                <a:latin typeface="微软雅黑" panose="020B0503020204020204" pitchFamily="34" charset="-122"/>
+                <a:ea typeface="微软雅黑" panose="020B0503020204020204" pitchFamily="34" charset="-122"/>
+              </a:rPr>
+              <a:t>认证的专家</a:t>
+            </a:r>
+            <a:r>
+              <a:rPr lang="zh-CN" altLang="en-US" b="0" i="0" dirty="0">
+                <a:solidFill>
+                  <a:schemeClr val="accent1"/>
+                </a:solidFill>
+                <a:effectLst/>
+                <a:latin typeface="微软雅黑" panose="020B0503020204020204" pitchFamily="34" charset="-122"/>
+                <a:ea typeface="微软雅黑" panose="020B0503020204020204" pitchFamily="34" charset="-122"/>
+              </a:rPr>
+              <a:t>进行咨询，确保用户获得高质量的专业服务。</a:t>
+            </a:r>
+            <a:endParaRPr lang="zh-CN" altLang="en-US" b="0" i="0" dirty="0">
+              <a:solidFill>
+                <a:schemeClr val="accent1"/>
+              </a:solidFill>
+              <a:effectLst/>
+              <a:latin typeface="微软雅黑" panose="020B0503020204020204" pitchFamily="34" charset="-122"/>
+              <a:ea typeface="微软雅黑" panose="020B0503020204020204" pitchFamily="34" charset="-122"/>
+            </a:endParaRPr>
+          </a:p>
+          <a:p>
+            <a:pPr algn="l">
+              <a:lnSpc>
+                <a:spcPct val="150000"/>
+              </a:lnSpc>
+            </a:pPr>
+            <a:r>
+              <a:rPr lang="en-US" altLang="zh-CN" b="1" i="0" u="sng" dirty="0">
+                <a:solidFill>
+                  <a:srgbClr val="44546A"/>
+                </a:solidFill>
+                <a:effectLst/>
+                <a:latin typeface="微软雅黑" panose="020B0503020204020204" pitchFamily="34" charset="-122"/>
+                <a:ea typeface="微软雅黑" panose="020B0503020204020204" pitchFamily="34" charset="-122"/>
+              </a:rPr>
+              <a:t>2</a:t>
+            </a:r>
+            <a:r>
+              <a:rPr lang="zh-CN" altLang="en-US" b="1" i="0" u="sng" dirty="0">
+                <a:solidFill>
+                  <a:srgbClr val="44546A"/>
+                </a:solidFill>
+                <a:effectLst/>
+                <a:latin typeface="微软雅黑" panose="020B0503020204020204" pitchFamily="34" charset="-122"/>
+                <a:ea typeface="微软雅黑" panose="020B0503020204020204" pitchFamily="34" charset="-122"/>
+              </a:rPr>
+              <a:t>、社区互动氛围：</a:t>
+            </a:r>
+            <a:endParaRPr lang="en-US" altLang="zh-CN" b="1" i="0" u="sng" dirty="0">
+              <a:solidFill>
+                <a:srgbClr val="44546A"/>
+              </a:solidFill>
+              <a:effectLst/>
+              <a:latin typeface="微软雅黑" panose="020B0503020204020204" pitchFamily="34" charset="-122"/>
+              <a:ea typeface="微软雅黑" panose="020B0503020204020204" pitchFamily="34" charset="-122"/>
+            </a:endParaRPr>
+          </a:p>
+          <a:p>
+            <a:pPr algn="l">
+              <a:lnSpc>
+                <a:spcPct val="150000"/>
+              </a:lnSpc>
+            </a:pPr>
+            <a:r>
+              <a:rPr lang="zh-CN" altLang="en-US" b="0" i="0" dirty="0">
+                <a:solidFill>
+                  <a:schemeClr val="accent1"/>
+                </a:solidFill>
+                <a:effectLst/>
+                <a:latin typeface="微软雅黑" panose="020B0503020204020204" pitchFamily="34" charset="-122"/>
+                <a:ea typeface="微软雅黑" panose="020B0503020204020204" pitchFamily="34" charset="-122"/>
+              </a:rPr>
+              <a:t>       用户可在</a:t>
+            </a:r>
+            <a:r>
+              <a:rPr lang="zh-CN" altLang="en-US" b="1" i="0" dirty="0">
+                <a:solidFill>
+                  <a:srgbClr val="44546A"/>
+                </a:solidFill>
+                <a:effectLst/>
+                <a:latin typeface="微软雅黑" panose="020B0503020204020204" pitchFamily="34" charset="-122"/>
+                <a:ea typeface="微软雅黑" panose="020B0503020204020204" pitchFamily="34" charset="-122"/>
+              </a:rPr>
+              <a:t>广场动态</a:t>
+            </a:r>
+            <a:r>
+              <a:rPr lang="zh-CN" altLang="en-US" b="0" i="0" dirty="0">
+                <a:solidFill>
+                  <a:schemeClr val="accent1"/>
+                </a:solidFill>
+                <a:effectLst/>
+                <a:latin typeface="微软雅黑" panose="020B0503020204020204" pitchFamily="34" charset="-122"/>
+                <a:ea typeface="微软雅黑" panose="020B0503020204020204" pitchFamily="34" charset="-122"/>
+              </a:rPr>
+              <a:t>下评论、点赞，促进用户间的互动和交流，增强社区活跃度。</a:t>
+            </a:r>
+            <a:endParaRPr lang="zh-CN" altLang="en-US" b="0" i="0" dirty="0">
+              <a:solidFill>
+                <a:schemeClr val="accent1"/>
+              </a:solidFill>
+              <a:effectLst/>
+              <a:latin typeface="微软雅黑" panose="020B0503020204020204" pitchFamily="34" charset="-122"/>
+              <a:ea typeface="微软雅黑" panose="020B0503020204020204" pitchFamily="34" charset="-122"/>
+            </a:endParaRPr>
+          </a:p>
+          <a:p>
+            <a:pPr algn="l">
+              <a:lnSpc>
+                <a:spcPct val="150000"/>
+              </a:lnSpc>
+            </a:pPr>
+            <a:r>
+              <a:rPr lang="en-US" altLang="zh-CN" b="1" i="0" u="sng" dirty="0">
+                <a:solidFill>
+                  <a:srgbClr val="44546A"/>
+                </a:solidFill>
+                <a:effectLst/>
+                <a:latin typeface="微软雅黑" panose="020B0503020204020204" pitchFamily="34" charset="-122"/>
+                <a:ea typeface="微软雅黑" panose="020B0503020204020204" pitchFamily="34" charset="-122"/>
+              </a:rPr>
+              <a:t>3</a:t>
+            </a:r>
+            <a:r>
+              <a:rPr lang="zh-CN" altLang="en-US" b="1" i="0" u="sng" dirty="0">
+                <a:solidFill>
+                  <a:srgbClr val="44546A"/>
+                </a:solidFill>
+                <a:effectLst/>
+                <a:latin typeface="微软雅黑" panose="020B0503020204020204" pitchFamily="34" charset="-122"/>
+                <a:ea typeface="微软雅黑" panose="020B0503020204020204" pitchFamily="34" charset="-122"/>
+              </a:rPr>
+              <a:t>、个性化推荐：</a:t>
+            </a:r>
+            <a:endParaRPr lang="en-US" altLang="zh-CN" b="1" i="0" u="sng" dirty="0">
+              <a:solidFill>
+                <a:srgbClr val="44546A"/>
+              </a:solidFill>
+              <a:effectLst/>
+              <a:latin typeface="微软雅黑" panose="020B0503020204020204" pitchFamily="34" charset="-122"/>
+              <a:ea typeface="微软雅黑" panose="020B0503020204020204" pitchFamily="34" charset="-122"/>
+            </a:endParaRPr>
+          </a:p>
+          <a:p>
+            <a:pPr algn="l">
+              <a:lnSpc>
+                <a:spcPct val="150000"/>
+              </a:lnSpc>
+            </a:pPr>
+            <a:r>
+              <a:rPr lang="zh-CN" altLang="en-US" b="0" i="0" dirty="0">
+                <a:solidFill>
+                  <a:schemeClr val="accent1"/>
+                </a:solidFill>
+                <a:effectLst/>
+                <a:latin typeface="微软雅黑" panose="020B0503020204020204" pitchFamily="34" charset="-122"/>
+                <a:ea typeface="微软雅黑" panose="020B0503020204020204" pitchFamily="34" charset="-122"/>
+              </a:rPr>
+              <a:t>       可选的智能推荐功能利用机器学习分析用户的喜好，为用户提供</a:t>
+            </a:r>
+            <a:r>
+              <a:rPr lang="zh-CN" altLang="en-US" b="1" i="0" dirty="0">
+                <a:solidFill>
+                  <a:srgbClr val="44546A"/>
+                </a:solidFill>
+                <a:effectLst/>
+                <a:latin typeface="微软雅黑" panose="020B0503020204020204" pitchFamily="34" charset="-122"/>
+                <a:ea typeface="微软雅黑" panose="020B0503020204020204" pitchFamily="34" charset="-122"/>
+              </a:rPr>
+              <a:t>个性化的专家推荐</a:t>
+            </a:r>
+            <a:r>
+              <a:rPr lang="zh-CN" altLang="en-US" b="0" i="0" dirty="0">
+                <a:solidFill>
+                  <a:schemeClr val="accent1"/>
+                </a:solidFill>
+                <a:effectLst/>
+                <a:latin typeface="微软雅黑" panose="020B0503020204020204" pitchFamily="34" charset="-122"/>
+                <a:ea typeface="微软雅黑" panose="020B0503020204020204" pitchFamily="34" charset="-122"/>
+              </a:rPr>
+              <a:t>，提高用户体验。</a:t>
+            </a:r>
+            <a:endParaRPr lang="zh-CN" altLang="en-US" b="0" i="0" dirty="0">
+              <a:solidFill>
+                <a:schemeClr val="accent1"/>
+              </a:solidFill>
+              <a:effectLst/>
+              <a:latin typeface="微软雅黑" panose="020B0503020204020204" pitchFamily="34" charset="-122"/>
+              <a:ea typeface="微软雅黑" panose="020B0503020204020204" pitchFamily="34" charset="-122"/>
+            </a:endParaRPr>
+          </a:p>
+        </p:txBody>
+      </p:sp>
+      <p:sp>
+        <p:nvSpPr>
+          <p:cNvPr id="10" name="文本框 9"/>
+          <p:cNvSpPr txBox="1"/>
+          <p:nvPr/>
+        </p:nvSpPr>
+        <p:spPr>
+          <a:xfrm>
+            <a:off x="2544144" y="1096505"/>
+            <a:ext cx="2730761" cy="646331"/>
+          </a:xfrm>
+          <a:prstGeom prst="rect">
+            <a:avLst/>
+          </a:prstGeom>
+          <a:noFill/>
+        </p:spPr>
+        <p:txBody>
+          <a:bodyPr wrap="square">
+            <a:spAutoFit/>
+          </a:bodyPr>
+          <a:lstStyle/>
+          <a:p>
+            <a:pPr algn="ctr"/>
+            <a:r>
+              <a:rPr lang="zh-CN" altLang="en-US" sz="3600" b="1" dirty="0">
+                <a:solidFill>
+                  <a:schemeClr val="accent2">
+                    <a:lumMod val="60000"/>
+                    <a:lumOff val="40000"/>
+                  </a:schemeClr>
+                </a:solidFill>
+                <a:latin typeface="微软雅黑" panose="020B0503020204020204" pitchFamily="34" charset="-122"/>
+                <a:ea typeface="微软雅黑" panose="020B0503020204020204" pitchFamily="34" charset="-122"/>
+              </a:rPr>
+              <a:t>相对优点</a:t>
+            </a:r>
+            <a:endParaRPr lang="zh-CN" altLang="en-US" sz="3600" b="1" dirty="0">
+              <a:solidFill>
+                <a:schemeClr val="accent2">
+                  <a:lumMod val="60000"/>
+                  <a:lumOff val="40000"/>
+                </a:schemeClr>
+              </a:solidFill>
+              <a:latin typeface="微软雅黑" panose="020B0503020204020204" pitchFamily="34" charset="-122"/>
+              <a:ea typeface="微软雅黑" panose="020B0503020204020204" pitchFamily="34" charset="-122"/>
+            </a:endParaRPr>
+          </a:p>
+        </p:txBody>
+      </p:sp>
+      <p:cxnSp>
+        <p:nvCxnSpPr>
+          <p:cNvPr id="11" name="直接连接符 10"/>
+          <p:cNvCxnSpPr/>
+          <p:nvPr/>
+        </p:nvCxnSpPr>
+        <p:spPr>
+          <a:xfrm>
+            <a:off x="2208247" y="1792334"/>
+            <a:ext cx="3601616" cy="0"/>
+          </a:xfrm>
+          <a:prstGeom prst="line">
+            <a:avLst/>
+          </a:prstGeom>
+          <a:ln w="28575">
+            <a:solidFill>
+              <a:srgbClr val="9DC3E6"/>
+            </a:solidFill>
+          </a:ln>
+        </p:spPr>
+        <p:style>
+          <a:lnRef idx="1">
+            <a:schemeClr val="accent1"/>
+          </a:lnRef>
+          <a:fillRef idx="0">
+            <a:schemeClr val="accent1"/>
+          </a:fillRef>
+          <a:effectRef idx="0">
+            <a:schemeClr val="accent1"/>
+          </a:effectRef>
+          <a:fontRef idx="minor">
+            <a:schemeClr val="tx1"/>
+          </a:fontRef>
+        </p:style>
+      </p:cxnSp>
+      <p:sp>
+        <p:nvSpPr>
+          <p:cNvPr id="12" name="文本框 11"/>
+          <p:cNvSpPr txBox="1"/>
+          <p:nvPr/>
+        </p:nvSpPr>
+        <p:spPr>
+          <a:xfrm>
+            <a:off x="8547437" y="4788738"/>
+            <a:ext cx="1904474" cy="369332"/>
+          </a:xfrm>
+          <a:prstGeom prst="rect">
+            <a:avLst/>
+          </a:prstGeom>
+          <a:noFill/>
+        </p:spPr>
+        <p:txBody>
+          <a:bodyPr wrap="square" rtlCol="0">
+            <a:spAutoFit/>
+          </a:bodyPr>
+          <a:lstStyle/>
+          <a:p>
+            <a:pPr algn="ctr"/>
+            <a:r>
+              <a:rPr lang="zh-CN" altLang="en-US" b="1" dirty="0">
+                <a:solidFill>
+                  <a:srgbClr val="44546A"/>
+                </a:solidFill>
+                <a:latin typeface="微软雅黑" panose="020B0503020204020204" pitchFamily="34" charset="-122"/>
+                <a:ea typeface="微软雅黑" panose="020B0503020204020204" pitchFamily="34" charset="-122"/>
+              </a:rPr>
+              <a:t>专家详情页面</a:t>
+            </a:r>
+            <a:endParaRPr lang="zh-CN" altLang="en-US" b="1" dirty="0">
+              <a:solidFill>
+                <a:srgbClr val="44546A"/>
+              </a:solidFill>
+              <a:latin typeface="微软雅黑" panose="020B0503020204020204" pitchFamily="34" charset="-122"/>
+              <a:ea typeface="微软雅黑" panose="020B0503020204020204" pitchFamily="34" charset="-122"/>
+            </a:endParaRPr>
+          </a:p>
+        </p:txBody>
+      </p:sp>
+      <p:pic>
+        <p:nvPicPr>
+          <p:cNvPr id="2" name="图片 1"/>
+          <p:cNvPicPr>
+            <a:picLocks noChangeAspect="1"/>
+          </p:cNvPicPr>
+          <p:nvPr/>
+        </p:nvPicPr>
+        <p:blipFill>
+          <a:blip r:embed="rId1"/>
+          <a:stretch>
+            <a:fillRect/>
+          </a:stretch>
+        </p:blipFill>
+        <p:spPr>
+          <a:xfrm>
+            <a:off x="7458710" y="2627630"/>
+            <a:ext cx="4296410" cy="2070100"/>
+          </a:xfrm>
+          <a:prstGeom prst="rect">
+            <a:avLst/>
+          </a:prstGeom>
+        </p:spPr>
+      </p:pic>
+    </p:spTree>
+  </p:cSld>
+  <p:clrMapOvr>
+    <a:masterClrMapping/>
+  </p:clrMapOvr>
+</p:sld>
+</file>
+
+<file path=ppt/slides/slide15.xml><?xml version="1.0" encoding="utf-8"?>
+<p:sld xmlns:a="http://schemas.openxmlformats.org/drawingml/2006/main" xmlns:r="http://schemas.openxmlformats.org/officeDocument/2006/relationships" xmlns:p="http://schemas.openxmlformats.org/presentationml/2006/main">
+  <p:cSld>
+    <p:spTree>
+      <p:nvGrpSpPr>
+        <p:cNvPr id="1" name=""/>
+        <p:cNvGrpSpPr/>
+        <p:nvPr/>
+      </p:nvGrpSpPr>
+      <p:grpSpPr>
+        <a:xfrm>
+          <a:off x="0" y="0"/>
+          <a:ext cx="0" cy="0"/>
+          <a:chOff x="0" y="0"/>
+          <a:chExt cx="0" cy="0"/>
+        </a:xfrm>
+      </p:grpSpPr>
+      <p:sp>
+        <p:nvSpPr>
+          <p:cNvPr id="4" name="矩形 3"/>
+          <p:cNvSpPr/>
+          <p:nvPr/>
+        </p:nvSpPr>
+        <p:spPr>
+          <a:xfrm>
+            <a:off x="348916" y="258679"/>
+            <a:ext cx="11538284" cy="6304547"/>
+          </a:xfrm>
+          <a:prstGeom prst="rect">
+            <a:avLst/>
+          </a:prstGeom>
+          <a:noFill/>
+          <a:ln w="57150">
+            <a:solidFill>
+              <a:schemeClr val="accent5">
+                <a:lumMod val="60000"/>
+                <a:lumOff val="40000"/>
+              </a:schemeClr>
+            </a:solidFill>
+          </a:ln>
+        </p:spPr>
+        <p:style>
+          <a:lnRef idx="2">
+            <a:schemeClr val="accent1">
+              <a:shade val="50000"/>
+            </a:schemeClr>
+          </a:lnRef>
+          <a:fillRef idx="1">
+            <a:schemeClr val="accent1"/>
+          </a:fillRef>
+          <a:effectRef idx="0">
+            <a:schemeClr val="accent1"/>
+          </a:effectRef>
+          <a:fontRef idx="minor">
+            <a:schemeClr val="lt1"/>
+          </a:fontRef>
+        </p:style>
+        <p:txBody>
+          <a:bodyPr rtlCol="0" anchor="ctr"/>
+          <a:lstStyle/>
+          <a:p>
+            <a:pPr algn="ctr"/>
+            <a:endParaRPr lang="zh-CN" altLang="en-US">
+              <a:ln>
+                <a:solidFill>
+                  <a:srgbClr val="FFFFFF"/>
+                </a:solidFill>
+              </a:ln>
+            </a:endParaRPr>
+          </a:p>
+        </p:txBody>
+      </p:sp>
+      <p:sp>
+        <p:nvSpPr>
+          <p:cNvPr id="5" name="直角三角形 4"/>
+          <p:cNvSpPr/>
+          <p:nvPr/>
+        </p:nvSpPr>
+        <p:spPr>
+          <a:xfrm rot="16200000">
+            <a:off x="11369842" y="6081962"/>
+            <a:ext cx="385011" cy="385011"/>
+          </a:xfrm>
+          <a:prstGeom prst="rtTriangle">
+            <a:avLst/>
+          </a:prstGeom>
+          <a:solidFill>
+            <a:schemeClr val="tx2"/>
+          </a:solidFill>
+          <a:ln>
+            <a:noFill/>
+          </a:ln>
+        </p:spPr>
+        <p:style>
+          <a:lnRef idx="2">
+            <a:schemeClr val="accent1">
+              <a:shade val="50000"/>
+            </a:schemeClr>
+          </a:lnRef>
+          <a:fillRef idx="1">
+            <a:schemeClr val="accent1"/>
+          </a:fillRef>
+          <a:effectRef idx="0">
+            <a:schemeClr val="accent1"/>
+          </a:effectRef>
+          <a:fontRef idx="minor">
+            <a:schemeClr val="lt1"/>
+          </a:fontRef>
+        </p:style>
+        <p:txBody>
+          <a:bodyPr rtlCol="0" anchor="ctr"/>
+          <a:lstStyle/>
+          <a:p>
+            <a:pPr algn="ctr"/>
+            <a:endParaRPr lang="zh-CN" altLang="en-US"/>
+          </a:p>
+        </p:txBody>
+      </p:sp>
+      <p:sp>
+        <p:nvSpPr>
+          <p:cNvPr id="6" name="直角三角形 5"/>
+          <p:cNvSpPr/>
+          <p:nvPr/>
+        </p:nvSpPr>
+        <p:spPr>
+          <a:xfrm rot="5400000">
+            <a:off x="459205" y="356936"/>
+            <a:ext cx="385011" cy="385011"/>
+          </a:xfrm>
+          <a:prstGeom prst="rtTriangle">
+            <a:avLst/>
+          </a:prstGeom>
+          <a:solidFill>
+            <a:schemeClr val="tx2"/>
+          </a:solidFill>
+          <a:ln>
+            <a:noFill/>
+          </a:ln>
+        </p:spPr>
+        <p:style>
+          <a:lnRef idx="2">
+            <a:schemeClr val="accent1">
+              <a:shade val="50000"/>
+            </a:schemeClr>
+          </a:lnRef>
+          <a:fillRef idx="1">
+            <a:schemeClr val="accent1"/>
+          </a:fillRef>
+          <a:effectRef idx="0">
+            <a:schemeClr val="accent1"/>
+          </a:effectRef>
+          <a:fontRef idx="minor">
+            <a:schemeClr val="lt1"/>
+          </a:fontRef>
+        </p:style>
+        <p:txBody>
+          <a:bodyPr rtlCol="0" anchor="ctr"/>
+          <a:lstStyle/>
+          <a:p>
+            <a:pPr algn="ctr"/>
+            <a:endParaRPr lang="zh-CN" altLang="en-US"/>
+          </a:p>
+        </p:txBody>
+      </p:sp>
+      <p:sp>
+        <p:nvSpPr>
+          <p:cNvPr id="7" name="文本框 6"/>
+          <p:cNvSpPr txBox="1"/>
+          <p:nvPr/>
+        </p:nvSpPr>
+        <p:spPr>
+          <a:xfrm>
+            <a:off x="3048000" y="3105834"/>
+            <a:ext cx="6096000" cy="646331"/>
+          </a:xfrm>
+          <a:prstGeom prst="rect">
+            <a:avLst/>
+          </a:prstGeom>
+          <a:noFill/>
+        </p:spPr>
+        <p:txBody>
+          <a:bodyPr wrap="square">
+            <a:spAutoFit/>
+          </a:bodyPr>
+          <a:lstStyle/>
+          <a:p>
+            <a:pPr algn="ctr"/>
+            <a:r>
+              <a:rPr lang="zh-CN" altLang="en-US" sz="3600" b="1" dirty="0">
+                <a:solidFill>
+                  <a:schemeClr val="accent2">
+                    <a:lumMod val="60000"/>
+                    <a:lumOff val="40000"/>
+                  </a:schemeClr>
+                </a:solidFill>
+                <a:latin typeface="微软雅黑" panose="020B0503020204020204" pitchFamily="34" charset="-122"/>
+                <a:ea typeface="微软雅黑" panose="020B0503020204020204" pitchFamily="34" charset="-122"/>
+              </a:rPr>
+              <a:t>四、迭代评估报告</a:t>
+            </a:r>
+            <a:endParaRPr lang="zh-CN" altLang="en-US" sz="3600" b="1" dirty="0">
+              <a:solidFill>
+                <a:schemeClr val="accent2">
+                  <a:lumMod val="60000"/>
+                  <a:lumOff val="40000"/>
+                </a:schemeClr>
+              </a:solidFill>
+              <a:latin typeface="微软雅黑" panose="020B0503020204020204" pitchFamily="34" charset="-122"/>
+              <a:ea typeface="微软雅黑" panose="020B0503020204020204" pitchFamily="34" charset="-122"/>
+            </a:endParaRPr>
+          </a:p>
+        </p:txBody>
+      </p:sp>
+    </p:spTree>
+  </p:cSld>
+  <p:clrMapOvr>
+    <a:masterClrMapping/>
+  </p:clrMapOvr>
+</p:sld>
+</file>
+
+<file path=ppt/slides/slide16.xml><?xml version="1.0" encoding="utf-8"?>
+<p:sld xmlns:a="http://schemas.openxmlformats.org/drawingml/2006/main" xmlns:r="http://schemas.openxmlformats.org/officeDocument/2006/relationships" xmlns:p="http://schemas.openxmlformats.org/presentationml/2006/main">
+  <p:cSld>
+    <p:spTree>
+      <p:nvGrpSpPr>
+        <p:cNvPr id="1" name=""/>
+        <p:cNvGrpSpPr/>
+        <p:nvPr/>
+      </p:nvGrpSpPr>
+      <p:grpSpPr>
+        <a:xfrm>
+          <a:off x="0" y="0"/>
+          <a:ext cx="0" cy="0"/>
+          <a:chOff x="0" y="0"/>
+          <a:chExt cx="0" cy="0"/>
+        </a:xfrm>
+      </p:grpSpPr>
+      <p:sp>
+        <p:nvSpPr>
+          <p:cNvPr id="4" name="矩形 3"/>
+          <p:cNvSpPr/>
+          <p:nvPr/>
+        </p:nvSpPr>
+        <p:spPr>
+          <a:xfrm>
+            <a:off x="348916" y="258679"/>
+            <a:ext cx="11538284" cy="6304547"/>
+          </a:xfrm>
+          <a:prstGeom prst="rect">
+            <a:avLst/>
+          </a:prstGeom>
+          <a:noFill/>
+          <a:ln w="57150">
+            <a:solidFill>
+              <a:schemeClr val="accent5">
+                <a:lumMod val="60000"/>
+                <a:lumOff val="40000"/>
+              </a:schemeClr>
+            </a:solidFill>
+          </a:ln>
+        </p:spPr>
+        <p:style>
+          <a:lnRef idx="2">
+            <a:schemeClr val="accent1">
+              <a:shade val="50000"/>
+            </a:schemeClr>
+          </a:lnRef>
+          <a:fillRef idx="1">
+            <a:schemeClr val="accent1"/>
+          </a:fillRef>
+          <a:effectRef idx="0">
+            <a:schemeClr val="accent1"/>
+          </a:effectRef>
+          <a:fontRef idx="minor">
+            <a:schemeClr val="lt1"/>
+          </a:fontRef>
+        </p:style>
+        <p:txBody>
+          <a:bodyPr rtlCol="0" anchor="ctr"/>
+          <a:lstStyle/>
+          <a:p>
+            <a:pPr algn="ctr"/>
+            <a:endParaRPr lang="zh-CN" altLang="en-US">
+              <a:ln>
+                <a:solidFill>
+                  <a:srgbClr val="FFFFFF"/>
+                </a:solidFill>
+              </a:ln>
+            </a:endParaRPr>
+          </a:p>
+        </p:txBody>
+      </p:sp>
+      <p:sp>
+        <p:nvSpPr>
+          <p:cNvPr id="5" name="直角三角形 4"/>
+          <p:cNvSpPr/>
+          <p:nvPr/>
+        </p:nvSpPr>
+        <p:spPr>
+          <a:xfrm rot="16200000">
+            <a:off x="11369842" y="6081962"/>
+            <a:ext cx="385011" cy="385011"/>
+          </a:xfrm>
+          <a:prstGeom prst="rtTriangle">
+            <a:avLst/>
+          </a:prstGeom>
+          <a:solidFill>
+            <a:schemeClr val="tx2"/>
+          </a:solidFill>
+          <a:ln>
+            <a:noFill/>
+          </a:ln>
+        </p:spPr>
+        <p:style>
+          <a:lnRef idx="2">
+            <a:schemeClr val="accent1">
+              <a:shade val="50000"/>
+            </a:schemeClr>
+          </a:lnRef>
+          <a:fillRef idx="1">
+            <a:schemeClr val="accent1"/>
+          </a:fillRef>
+          <a:effectRef idx="0">
+            <a:schemeClr val="accent1"/>
+          </a:effectRef>
+          <a:fontRef idx="minor">
+            <a:schemeClr val="lt1"/>
+          </a:fontRef>
+        </p:style>
+        <p:txBody>
+          <a:bodyPr rtlCol="0" anchor="ctr"/>
+          <a:lstStyle/>
+          <a:p>
+            <a:pPr algn="ctr"/>
+            <a:endParaRPr lang="zh-CN" altLang="en-US"/>
+          </a:p>
+        </p:txBody>
+      </p:sp>
+      <p:sp>
+        <p:nvSpPr>
+          <p:cNvPr id="6" name="直角三角形 5"/>
+          <p:cNvSpPr/>
+          <p:nvPr/>
+        </p:nvSpPr>
+        <p:spPr>
+          <a:xfrm rot="5400000">
+            <a:off x="459205" y="356936"/>
+            <a:ext cx="385011" cy="385011"/>
+          </a:xfrm>
+          <a:prstGeom prst="rtTriangle">
+            <a:avLst/>
+          </a:prstGeom>
+          <a:solidFill>
+            <a:schemeClr val="tx2"/>
+          </a:solidFill>
+          <a:ln>
+            <a:noFill/>
+          </a:ln>
+        </p:spPr>
+        <p:style>
+          <a:lnRef idx="2">
+            <a:schemeClr val="accent1">
+              <a:shade val="50000"/>
+            </a:schemeClr>
+          </a:lnRef>
+          <a:fillRef idx="1">
+            <a:schemeClr val="accent1"/>
+          </a:fillRef>
+          <a:effectRef idx="0">
+            <a:schemeClr val="accent1"/>
+          </a:effectRef>
+          <a:fontRef idx="minor">
+            <a:schemeClr val="lt1"/>
+          </a:fontRef>
+        </p:style>
+        <p:txBody>
+          <a:bodyPr rtlCol="0" anchor="ctr"/>
+          <a:lstStyle/>
+          <a:p>
+            <a:pPr algn="ctr"/>
+            <a:endParaRPr lang="zh-CN" altLang="en-US"/>
+          </a:p>
+        </p:txBody>
+      </p:sp>
+      <p:sp>
+        <p:nvSpPr>
+          <p:cNvPr id="7" name="文本框 6"/>
+          <p:cNvSpPr txBox="1"/>
+          <p:nvPr/>
+        </p:nvSpPr>
+        <p:spPr>
+          <a:xfrm>
             <a:off x="1128676" y="741947"/>
             <a:ext cx="4345283" cy="646331"/>
           </a:xfrm>
@@ -13282,7 +15607,7 @@
 </p:sld>
 </file>
 
-<file path=ppt/slides/slide13.xml><?xml version="1.0" encoding="utf-8"?>
+<file path=ppt/slides/slide17.xml><?xml version="1.0" encoding="utf-8"?>
 <p:sld xmlns:a="http://schemas.openxmlformats.org/drawingml/2006/main" xmlns:r="http://schemas.openxmlformats.org/officeDocument/2006/relationships" xmlns:p="http://schemas.openxmlformats.org/presentationml/2006/main">
   <p:cSld>
     <p:spTree>
@@ -14202,7 +16527,7 @@
 </p:sld>
 </file>
 
-<file path=ppt/slides/slide14.xml><?xml version="1.0" encoding="utf-8"?>
+<file path=ppt/slides/slide18.xml><?xml version="1.0" encoding="utf-8"?>
 <p:sld xmlns:a="http://schemas.openxmlformats.org/drawingml/2006/main" xmlns:r="http://schemas.openxmlformats.org/officeDocument/2006/relationships" xmlns:p="http://schemas.openxmlformats.org/presentationml/2006/main">
   <p:cSld>
     <p:spTree>
@@ -15020,7 +17345,7 @@
 </p:sld>
 </file>
 
-<file path=ppt/slides/slide15.xml><?xml version="1.0" encoding="utf-8"?>
+<file path=ppt/slides/slide19.xml><?xml version="1.0" encoding="utf-8"?>
 <p:sld xmlns:a="http://schemas.openxmlformats.org/drawingml/2006/main" xmlns:r="http://schemas.openxmlformats.org/officeDocument/2006/relationships" xmlns:p="http://schemas.openxmlformats.org/presentationml/2006/main">
   <p:cSld>
     <p:spTree>
@@ -16066,8 +18391,8 @@
         </p:nvSpPr>
         <p:spPr>
           <a:xfrm>
-            <a:off x="2777412" y="3112950"/>
-            <a:ext cx="6096000" cy="646331"/>
+            <a:off x="2270125" y="356870"/>
+            <a:ext cx="7695565" cy="645160"/>
           </a:xfrm>
           <a:prstGeom prst="rect">
             <a:avLst/>
@@ -16092,7 +18417,7 @@
                 <a:latin typeface="微软雅黑" panose="020B0503020204020204" pitchFamily="34" charset="-122"/>
                 <a:ea typeface="微软雅黑" panose="020B0503020204020204" pitchFamily="34" charset="-122"/>
               </a:rPr>
-              <a:t>二、软件价值分析</a:t>
+              <a:t>未来需要实现的页面（草图）</a:t>
             </a:r>
             <a:endParaRPr lang="zh-CN" altLang="en-US" sz="3600" b="1" dirty="0">
               <a:solidFill>
@@ -16100,6 +18425,140 @@
                   <a:lumMod val="60000"/>
                   <a:lumOff val="40000"/>
                 </a:schemeClr>
+              </a:solidFill>
+              <a:latin typeface="微软雅黑" panose="020B0503020204020204" pitchFamily="34" charset="-122"/>
+              <a:ea typeface="微软雅黑" panose="020B0503020204020204" pitchFamily="34" charset="-122"/>
+            </a:endParaRPr>
+          </a:p>
+        </p:txBody>
+      </p:sp>
+      <p:pic>
+        <p:nvPicPr>
+          <p:cNvPr id="8" name="图片 7"/>
+          <p:cNvPicPr>
+            <a:picLocks noChangeAspect="1"/>
+          </p:cNvPicPr>
+          <p:nvPr/>
+        </p:nvPicPr>
+        <p:blipFill>
+          <a:blip r:embed="rId1"/>
+          <a:stretch>
+            <a:fillRect/>
+          </a:stretch>
+        </p:blipFill>
+        <p:spPr>
+          <a:xfrm>
+            <a:off x="546735" y="1089025"/>
+            <a:ext cx="5717540" cy="4303395"/>
+          </a:xfrm>
+          <a:prstGeom prst="rect">
+            <a:avLst/>
+          </a:prstGeom>
+        </p:spPr>
+      </p:pic>
+      <p:pic>
+        <p:nvPicPr>
+          <p:cNvPr id="11" name="图片 10"/>
+          <p:cNvPicPr>
+            <a:picLocks noChangeAspect="1"/>
+          </p:cNvPicPr>
+          <p:nvPr/>
+        </p:nvPicPr>
+        <p:blipFill>
+          <a:blip r:embed="rId2"/>
+          <a:stretch>
+            <a:fillRect/>
+          </a:stretch>
+        </p:blipFill>
+        <p:spPr>
+          <a:xfrm>
+            <a:off x="6304915" y="1089025"/>
+            <a:ext cx="5461635" cy="4302760"/>
+          </a:xfrm>
+          <a:prstGeom prst="rect">
+            <a:avLst/>
+          </a:prstGeom>
+        </p:spPr>
+      </p:pic>
+      <p:sp>
+        <p:nvSpPr>
+          <p:cNvPr id="18" name="文本框 17"/>
+          <p:cNvSpPr txBox="1"/>
+          <p:nvPr/>
+        </p:nvSpPr>
+        <p:spPr>
+          <a:xfrm>
+            <a:off x="2453736" y="5479306"/>
+            <a:ext cx="1904474" cy="368300"/>
+          </a:xfrm>
+          <a:prstGeom prst="rect">
+            <a:avLst/>
+          </a:prstGeom>
+          <a:noFill/>
+        </p:spPr>
+        <p:txBody>
+          <a:bodyPr wrap="square" rtlCol="0">
+            <a:spAutoFit/>
+          </a:bodyPr>
+          <a:lstStyle/>
+          <a:p>
+            <a:pPr algn="ctr"/>
+            <a:r>
+              <a:rPr lang="zh-CN" altLang="en-US" b="1" dirty="0">
+                <a:solidFill>
+                  <a:srgbClr val="44546A"/>
+                </a:solidFill>
+                <a:latin typeface="微软雅黑" panose="020B0503020204020204" pitchFamily="34" charset="-122"/>
+                <a:ea typeface="微软雅黑" panose="020B0503020204020204" pitchFamily="34" charset="-122"/>
+              </a:rPr>
+              <a:t>广场界面</a:t>
+            </a:r>
+            <a:endParaRPr lang="zh-CN" altLang="en-US" b="1" dirty="0">
+              <a:solidFill>
+                <a:srgbClr val="44546A"/>
+              </a:solidFill>
+              <a:latin typeface="微软雅黑" panose="020B0503020204020204" pitchFamily="34" charset="-122"/>
+              <a:ea typeface="微软雅黑" panose="020B0503020204020204" pitchFamily="34" charset="-122"/>
+            </a:endParaRPr>
+          </a:p>
+        </p:txBody>
+      </p:sp>
+      <p:sp>
+        <p:nvSpPr>
+          <p:cNvPr id="12" name="文本框 11"/>
+          <p:cNvSpPr txBox="1"/>
+          <p:nvPr/>
+        </p:nvSpPr>
+        <p:spPr>
+          <a:xfrm>
+            <a:off x="7865745" y="5392420"/>
+            <a:ext cx="2340610" cy="368300"/>
+          </a:xfrm>
+          <a:prstGeom prst="rect">
+            <a:avLst/>
+          </a:prstGeom>
+          <a:noFill/>
+        </p:spPr>
+        <p:txBody>
+          <a:bodyPr wrap="square" rtlCol="0">
+            <a:spAutoFit/>
+          </a:bodyPr>
+          <a:lstStyle/>
+          <a:p>
+            <a:pPr algn="ctr"/>
+            <a:r>
+              <a:rPr lang="zh-CN" altLang="en-US" b="1" dirty="0">
+                <a:solidFill>
+                  <a:srgbClr val="44546A"/>
+                </a:solidFill>
+                <a:latin typeface="微软雅黑" panose="020B0503020204020204" pitchFamily="34" charset="-122"/>
+                <a:ea typeface="微软雅黑" panose="020B0503020204020204" pitchFamily="34" charset="-122"/>
+              </a:rPr>
+              <a:t>用户个人主页界面</a:t>
+            </a:r>
+            <a:endParaRPr lang="zh-CN" altLang="en-US" b="1" dirty="0">
+              <a:solidFill>
+                <a:srgbClr val="44546A"/>
               </a:solidFill>
               <a:latin typeface="微软雅黑" panose="020B0503020204020204" pitchFamily="34" charset="-122"/>
               <a:ea typeface="微软雅黑" panose="020B0503020204020204" pitchFamily="34" charset="-122"/>
@@ -16279,813 +18738,6 @@
           </a:p>
         </p:txBody>
       </p:sp>
-      <p:sp>
-        <p:nvSpPr>
-          <p:cNvPr id="7" name="文本框 6"/>
-          <p:cNvSpPr txBox="1"/>
-          <p:nvPr/>
-        </p:nvSpPr>
-        <p:spPr>
-          <a:xfrm>
-            <a:off x="723286" y="1957083"/>
-            <a:ext cx="3729417" cy="4198393"/>
-          </a:xfrm>
-          <a:prstGeom prst="rect">
-            <a:avLst/>
-          </a:prstGeom>
-          <a:noFill/>
-        </p:spPr>
-        <p:txBody>
-          <a:bodyPr wrap="square">
-            <a:spAutoFit/>
-          </a:bodyPr>
-          <a:lstStyle/>
-          <a:p>
-            <a:pPr algn="l">
-              <a:lnSpc>
-                <a:spcPct val="150000"/>
-              </a:lnSpc>
-            </a:pPr>
-            <a:r>
-              <a:rPr lang="en-US" altLang="zh-CN" b="1" i="0" u="sng" dirty="0">
-                <a:solidFill>
-                  <a:srgbClr val="44546A"/>
-                </a:solidFill>
-                <a:effectLst/>
-                <a:latin typeface="微软雅黑" panose="020B0503020204020204" pitchFamily="34" charset="-122"/>
-                <a:ea typeface="微软雅黑" panose="020B0503020204020204" pitchFamily="34" charset="-122"/>
-              </a:rPr>
-              <a:t>1</a:t>
-            </a:r>
-            <a:r>
-              <a:rPr lang="zh-CN" altLang="en-US" b="1" i="0" u="sng" dirty="0">
-                <a:solidFill>
-                  <a:srgbClr val="44546A"/>
-                </a:solidFill>
-                <a:effectLst/>
-                <a:latin typeface="微软雅黑" panose="020B0503020204020204" pitchFamily="34" charset="-122"/>
-                <a:ea typeface="微软雅黑" panose="020B0503020204020204" pitchFamily="34" charset="-122"/>
-              </a:rPr>
-              <a:t>、信赖度问题：</a:t>
-            </a:r>
-            <a:endParaRPr lang="en-US" altLang="zh-CN" b="1" i="0" u="sng" dirty="0">
-              <a:solidFill>
-                <a:srgbClr val="44546A"/>
-              </a:solidFill>
-              <a:effectLst/>
-              <a:latin typeface="微软雅黑" panose="020B0503020204020204" pitchFamily="34" charset="-122"/>
-              <a:ea typeface="微软雅黑" panose="020B0503020204020204" pitchFamily="34" charset="-122"/>
-            </a:endParaRPr>
-          </a:p>
-          <a:p>
-            <a:pPr algn="l">
-              <a:lnSpc>
-                <a:spcPct val="150000"/>
-              </a:lnSpc>
-            </a:pPr>
-            <a:r>
-              <a:rPr lang="zh-CN" altLang="en-US" b="0" i="0" dirty="0">
-                <a:solidFill>
-                  <a:schemeClr val="accent1"/>
-                </a:solidFill>
-                <a:effectLst/>
-                <a:latin typeface="微软雅黑" panose="020B0503020204020204" pitchFamily="34" charset="-122"/>
-                <a:ea typeface="微软雅黑" panose="020B0503020204020204" pitchFamily="34" charset="-122"/>
-              </a:rPr>
-              <a:t>       缺乏可</a:t>
-            </a:r>
-            <a:r>
-              <a:rPr lang="zh-CN" altLang="en-US" b="1" i="0" dirty="0">
-                <a:solidFill>
-                  <a:srgbClr val="44546A"/>
-                </a:solidFill>
-                <a:effectLst/>
-                <a:latin typeface="微软雅黑" panose="020B0503020204020204" pitchFamily="34" charset="-122"/>
-                <a:ea typeface="微软雅黑" panose="020B0503020204020204" pitchFamily="34" charset="-122"/>
-              </a:rPr>
-              <a:t>信赖</a:t>
-            </a:r>
-            <a:r>
-              <a:rPr lang="zh-CN" altLang="en-US" b="0" i="0" dirty="0">
-                <a:solidFill>
-                  <a:schemeClr val="accent1"/>
-                </a:solidFill>
-                <a:effectLst/>
-                <a:latin typeface="微软雅黑" panose="020B0503020204020204" pitchFamily="34" charset="-122"/>
-                <a:ea typeface="微软雅黑" panose="020B0503020204020204" pitchFamily="34" charset="-122"/>
-              </a:rPr>
-              <a:t>的在线咨询平台，难以找到合适的专业人士解决问题。</a:t>
-            </a:r>
-            <a:endParaRPr lang="zh-CN" altLang="en-US" b="0" i="0" dirty="0">
-              <a:solidFill>
-                <a:schemeClr val="accent1"/>
-              </a:solidFill>
-              <a:effectLst/>
-              <a:latin typeface="微软雅黑" panose="020B0503020204020204" pitchFamily="34" charset="-122"/>
-              <a:ea typeface="微软雅黑" panose="020B0503020204020204" pitchFamily="34" charset="-122"/>
-            </a:endParaRPr>
-          </a:p>
-          <a:p>
-            <a:pPr algn="l">
-              <a:lnSpc>
-                <a:spcPct val="150000"/>
-              </a:lnSpc>
-            </a:pPr>
-            <a:r>
-              <a:rPr lang="en-US" altLang="zh-CN" b="1" i="0" u="sng" dirty="0">
-                <a:solidFill>
-                  <a:srgbClr val="44546A"/>
-                </a:solidFill>
-                <a:effectLst/>
-                <a:latin typeface="微软雅黑" panose="020B0503020204020204" pitchFamily="34" charset="-122"/>
-                <a:ea typeface="微软雅黑" panose="020B0503020204020204" pitchFamily="34" charset="-122"/>
-              </a:rPr>
-              <a:t>2</a:t>
-            </a:r>
-            <a:r>
-              <a:rPr lang="zh-CN" altLang="en-US" b="1" i="0" u="sng" dirty="0">
-                <a:solidFill>
-                  <a:srgbClr val="44546A"/>
-                </a:solidFill>
-                <a:effectLst/>
-                <a:latin typeface="微软雅黑" panose="020B0503020204020204" pitchFamily="34" charset="-122"/>
-                <a:ea typeface="微软雅黑" panose="020B0503020204020204" pitchFamily="34" charset="-122"/>
-              </a:rPr>
-              <a:t>、专业背景问题：</a:t>
-            </a:r>
-            <a:endParaRPr lang="en-US" altLang="zh-CN" b="1" i="0" u="sng" dirty="0">
-              <a:solidFill>
-                <a:srgbClr val="44546A"/>
-              </a:solidFill>
-              <a:effectLst/>
-              <a:latin typeface="微软雅黑" panose="020B0503020204020204" pitchFamily="34" charset="-122"/>
-              <a:ea typeface="微软雅黑" panose="020B0503020204020204" pitchFamily="34" charset="-122"/>
-            </a:endParaRPr>
-          </a:p>
-          <a:p>
-            <a:pPr algn="l">
-              <a:lnSpc>
-                <a:spcPct val="150000"/>
-              </a:lnSpc>
-            </a:pPr>
-            <a:r>
-              <a:rPr lang="zh-CN" altLang="en-US" b="0" i="0" dirty="0">
-                <a:solidFill>
-                  <a:schemeClr val="accent1"/>
-                </a:solidFill>
-                <a:effectLst/>
-                <a:latin typeface="微软雅黑" panose="020B0503020204020204" pitchFamily="34" charset="-122"/>
-                <a:ea typeface="微软雅黑" panose="020B0503020204020204" pitchFamily="34" charset="-122"/>
-              </a:rPr>
-              <a:t>       对于一些特定领域的问题，很难找到可靠的、具有</a:t>
-            </a:r>
-            <a:r>
-              <a:rPr lang="zh-CN" altLang="en-US" b="1" i="0" dirty="0">
-                <a:solidFill>
-                  <a:srgbClr val="44546A"/>
-                </a:solidFill>
-                <a:effectLst/>
-                <a:latin typeface="微软雅黑" panose="020B0503020204020204" pitchFamily="34" charset="-122"/>
-                <a:ea typeface="微软雅黑" panose="020B0503020204020204" pitchFamily="34" charset="-122"/>
-              </a:rPr>
-              <a:t>专业背景</a:t>
-            </a:r>
-            <a:r>
-              <a:rPr lang="zh-CN" altLang="en-US" b="0" i="0" dirty="0">
-                <a:solidFill>
-                  <a:schemeClr val="accent1"/>
-                </a:solidFill>
-                <a:effectLst/>
-                <a:latin typeface="微软雅黑" panose="020B0503020204020204" pitchFamily="34" charset="-122"/>
-                <a:ea typeface="微软雅黑" panose="020B0503020204020204" pitchFamily="34" charset="-122"/>
-              </a:rPr>
-              <a:t>的专家进行咨询。</a:t>
-            </a:r>
-            <a:endParaRPr lang="zh-CN" altLang="en-US" b="0" i="0" dirty="0">
-              <a:solidFill>
-                <a:schemeClr val="accent1"/>
-              </a:solidFill>
-              <a:effectLst/>
-              <a:latin typeface="微软雅黑" panose="020B0503020204020204" pitchFamily="34" charset="-122"/>
-              <a:ea typeface="微软雅黑" panose="020B0503020204020204" pitchFamily="34" charset="-122"/>
-            </a:endParaRPr>
-          </a:p>
-          <a:p>
-            <a:pPr algn="l">
-              <a:lnSpc>
-                <a:spcPct val="150000"/>
-              </a:lnSpc>
-            </a:pPr>
-            <a:r>
-              <a:rPr lang="en-US" altLang="zh-CN" b="1" u="sng" dirty="0">
-                <a:solidFill>
-                  <a:srgbClr val="44546A"/>
-                </a:solidFill>
-                <a:latin typeface="微软雅黑" panose="020B0503020204020204" pitchFamily="34" charset="-122"/>
-                <a:ea typeface="微软雅黑" panose="020B0503020204020204" pitchFamily="34" charset="-122"/>
-              </a:rPr>
-              <a:t>3</a:t>
-            </a:r>
-            <a:r>
-              <a:rPr lang="zh-CN" altLang="en-US" b="1" i="0" u="sng" dirty="0">
-                <a:solidFill>
-                  <a:srgbClr val="44546A"/>
-                </a:solidFill>
-                <a:effectLst/>
-                <a:latin typeface="微软雅黑" panose="020B0503020204020204" pitchFamily="34" charset="-122"/>
-                <a:ea typeface="微软雅黑" panose="020B0503020204020204" pitchFamily="34" charset="-122"/>
-              </a:rPr>
-              <a:t>、真实性问题：</a:t>
-            </a:r>
-            <a:endParaRPr lang="en-US" altLang="zh-CN" b="1" i="0" u="sng" dirty="0">
-              <a:solidFill>
-                <a:srgbClr val="44546A"/>
-              </a:solidFill>
-              <a:effectLst/>
-              <a:latin typeface="微软雅黑" panose="020B0503020204020204" pitchFamily="34" charset="-122"/>
-              <a:ea typeface="微软雅黑" panose="020B0503020204020204" pitchFamily="34" charset="-122"/>
-            </a:endParaRPr>
-          </a:p>
-          <a:p>
-            <a:pPr algn="l">
-              <a:lnSpc>
-                <a:spcPct val="150000"/>
-              </a:lnSpc>
-            </a:pPr>
-            <a:r>
-              <a:rPr lang="zh-CN" altLang="en-US" b="0" i="0" dirty="0">
-                <a:solidFill>
-                  <a:schemeClr val="accent1"/>
-                </a:solidFill>
-                <a:effectLst/>
-                <a:latin typeface="微软雅黑" panose="020B0503020204020204" pitchFamily="34" charset="-122"/>
-                <a:ea typeface="微软雅黑" panose="020B0503020204020204" pitchFamily="34" charset="-122"/>
-              </a:rPr>
-              <a:t>       难以分辨社交网络上获取信息的</a:t>
-            </a:r>
-            <a:r>
-              <a:rPr lang="zh-CN" altLang="en-US" b="1" i="0" dirty="0">
-                <a:solidFill>
-                  <a:srgbClr val="44546A"/>
-                </a:solidFill>
-                <a:effectLst/>
-                <a:latin typeface="微软雅黑" panose="020B0503020204020204" pitchFamily="34" charset="-122"/>
-                <a:ea typeface="微软雅黑" panose="020B0503020204020204" pitchFamily="34" charset="-122"/>
-              </a:rPr>
-              <a:t>真实性</a:t>
-            </a:r>
-            <a:r>
-              <a:rPr lang="zh-CN" altLang="en-US" b="0" i="0" dirty="0">
-                <a:solidFill>
-                  <a:schemeClr val="accent1"/>
-                </a:solidFill>
-                <a:effectLst/>
-                <a:latin typeface="微软雅黑" panose="020B0503020204020204" pitchFamily="34" charset="-122"/>
-                <a:ea typeface="微软雅黑" panose="020B0503020204020204" pitchFamily="34" charset="-122"/>
-              </a:rPr>
-              <a:t>和可信度。</a:t>
-            </a:r>
-            <a:endParaRPr lang="zh-CN" altLang="en-US" b="0" i="0" dirty="0">
-              <a:solidFill>
-                <a:schemeClr val="accent1"/>
-              </a:solidFill>
-              <a:effectLst/>
-              <a:latin typeface="微软雅黑" panose="020B0503020204020204" pitchFamily="34" charset="-122"/>
-              <a:ea typeface="微软雅黑" panose="020B0503020204020204" pitchFamily="34" charset="-122"/>
-            </a:endParaRPr>
-          </a:p>
-        </p:txBody>
-      </p:sp>
-      <p:sp>
-        <p:nvSpPr>
-          <p:cNvPr id="8" name="文本框 7"/>
-          <p:cNvSpPr txBox="1"/>
-          <p:nvPr/>
-        </p:nvSpPr>
-        <p:spPr>
-          <a:xfrm>
-            <a:off x="7923936" y="2202813"/>
-            <a:ext cx="3906712" cy="3782895"/>
-          </a:xfrm>
-          <a:prstGeom prst="rect">
-            <a:avLst/>
-          </a:prstGeom>
-          <a:noFill/>
-        </p:spPr>
-        <p:txBody>
-          <a:bodyPr wrap="square">
-            <a:spAutoFit/>
-          </a:bodyPr>
-          <a:lstStyle/>
-          <a:p>
-            <a:pPr>
-              <a:lnSpc>
-                <a:spcPct val="150000"/>
-              </a:lnSpc>
-            </a:pPr>
-            <a:r>
-              <a:rPr lang="en-US" altLang="zh-CN" b="1" u="sng" dirty="0">
-                <a:solidFill>
-                  <a:srgbClr val="44546A"/>
-                </a:solidFill>
-                <a:latin typeface="微软雅黑" panose="020B0503020204020204" pitchFamily="34" charset="-122"/>
-                <a:ea typeface="微软雅黑" panose="020B0503020204020204" pitchFamily="34" charset="-122"/>
-              </a:rPr>
-              <a:t>1</a:t>
-            </a:r>
-            <a:r>
-              <a:rPr lang="zh-CN" altLang="en-US" b="1" u="sng" dirty="0">
-                <a:solidFill>
-                  <a:srgbClr val="44546A"/>
-                </a:solidFill>
-                <a:latin typeface="微软雅黑" panose="020B0503020204020204" pitchFamily="34" charset="-122"/>
-                <a:ea typeface="微软雅黑" panose="020B0503020204020204" pitchFamily="34" charset="-122"/>
-              </a:rPr>
-              <a:t>、专业知识分享：</a:t>
-            </a:r>
-            <a:endParaRPr lang="en-US" altLang="zh-CN" b="1" u="sng" dirty="0">
-              <a:solidFill>
-                <a:srgbClr val="44546A"/>
-              </a:solidFill>
-              <a:latin typeface="微软雅黑" panose="020B0503020204020204" pitchFamily="34" charset="-122"/>
-              <a:ea typeface="微软雅黑" panose="020B0503020204020204" pitchFamily="34" charset="-122"/>
-            </a:endParaRPr>
-          </a:p>
-          <a:p>
-            <a:pPr>
-              <a:lnSpc>
-                <a:spcPct val="150000"/>
-              </a:lnSpc>
-            </a:pPr>
-            <a:r>
-              <a:rPr lang="zh-CN" altLang="en-US" b="0" i="0" dirty="0">
-                <a:solidFill>
-                  <a:schemeClr val="accent1"/>
-                </a:solidFill>
-                <a:effectLst/>
-                <a:latin typeface="微软雅黑" panose="020B0503020204020204" pitchFamily="34" charset="-122"/>
-                <a:ea typeface="微软雅黑" panose="020B0503020204020204" pitchFamily="34" charset="-122"/>
-              </a:rPr>
-              <a:t>       缺乏一个</a:t>
-            </a:r>
-            <a:r>
-              <a:rPr lang="zh-CN" altLang="en-US" b="1" i="0" dirty="0">
-                <a:solidFill>
-                  <a:srgbClr val="44546A"/>
-                </a:solidFill>
-                <a:effectLst/>
-                <a:latin typeface="微软雅黑" panose="020B0503020204020204" pitchFamily="34" charset="-122"/>
-                <a:ea typeface="微软雅黑" panose="020B0503020204020204" pitchFamily="34" charset="-122"/>
-              </a:rPr>
-              <a:t>专业、可靠的平台</a:t>
-            </a:r>
-            <a:r>
-              <a:rPr lang="zh-CN" altLang="en-US" b="0" i="0" dirty="0">
-                <a:solidFill>
-                  <a:schemeClr val="accent1"/>
-                </a:solidFill>
-                <a:effectLst/>
-                <a:latin typeface="微软雅黑" panose="020B0503020204020204" pitchFamily="34" charset="-122"/>
-                <a:ea typeface="微软雅黑" panose="020B0503020204020204" pitchFamily="34" charset="-122"/>
-              </a:rPr>
-              <a:t>来分享自己的专业知识和技能。</a:t>
-            </a:r>
-            <a:endParaRPr lang="zh-CN" altLang="en-US" b="0" i="0" dirty="0">
-              <a:solidFill>
-                <a:schemeClr val="accent1"/>
-              </a:solidFill>
-              <a:effectLst/>
-              <a:latin typeface="微软雅黑" panose="020B0503020204020204" pitchFamily="34" charset="-122"/>
-              <a:ea typeface="微软雅黑" panose="020B0503020204020204" pitchFamily="34" charset="-122"/>
-            </a:endParaRPr>
-          </a:p>
-          <a:p>
-            <a:pPr>
-              <a:lnSpc>
-                <a:spcPct val="150000"/>
-              </a:lnSpc>
-            </a:pPr>
-            <a:r>
-              <a:rPr lang="en-US" altLang="zh-CN" b="1" u="sng" dirty="0">
-                <a:solidFill>
-                  <a:srgbClr val="44546A"/>
-                </a:solidFill>
-                <a:latin typeface="微软雅黑" panose="020B0503020204020204" pitchFamily="34" charset="-122"/>
-                <a:ea typeface="微软雅黑" panose="020B0503020204020204" pitchFamily="34" charset="-122"/>
-              </a:rPr>
-              <a:t>2</a:t>
-            </a:r>
-            <a:r>
-              <a:rPr lang="zh-CN" altLang="en-US" b="1" u="sng" dirty="0">
-                <a:solidFill>
-                  <a:srgbClr val="44546A"/>
-                </a:solidFill>
-                <a:latin typeface="微软雅黑" panose="020B0503020204020204" pitchFamily="34" charset="-122"/>
-                <a:ea typeface="微软雅黑" panose="020B0503020204020204" pitchFamily="34" charset="-122"/>
-              </a:rPr>
-              <a:t>、品牌建设困难：</a:t>
-            </a:r>
-            <a:endParaRPr lang="zh-CN" altLang="en-US" b="1" u="sng" dirty="0">
-              <a:solidFill>
-                <a:srgbClr val="44546A"/>
-              </a:solidFill>
-              <a:latin typeface="微软雅黑" panose="020B0503020204020204" pitchFamily="34" charset="-122"/>
-              <a:ea typeface="微软雅黑" panose="020B0503020204020204" pitchFamily="34" charset="-122"/>
-            </a:endParaRPr>
-          </a:p>
-          <a:p>
-            <a:pPr algn="l">
-              <a:lnSpc>
-                <a:spcPct val="150000"/>
-              </a:lnSpc>
-            </a:pPr>
-            <a:r>
-              <a:rPr lang="zh-CN" altLang="en-US" b="0" i="0" dirty="0">
-                <a:solidFill>
-                  <a:schemeClr val="accent1"/>
-                </a:solidFill>
-                <a:effectLst/>
-                <a:latin typeface="微软雅黑" panose="020B0503020204020204" pitchFamily="34" charset="-122"/>
-                <a:ea typeface="微软雅黑" panose="020B0503020204020204" pitchFamily="34" charset="-122"/>
-              </a:rPr>
-              <a:t>       难以建立个人</a:t>
-            </a:r>
-            <a:r>
-              <a:rPr lang="zh-CN" altLang="en-US" b="1" i="0" dirty="0">
-                <a:solidFill>
-                  <a:srgbClr val="44546A"/>
-                </a:solidFill>
-                <a:effectLst/>
-                <a:latin typeface="微软雅黑" panose="020B0503020204020204" pitchFamily="34" charset="-122"/>
-                <a:ea typeface="微软雅黑" panose="020B0503020204020204" pitchFamily="34" charset="-122"/>
-              </a:rPr>
-              <a:t>品牌和专业形象</a:t>
-            </a:r>
-            <a:r>
-              <a:rPr lang="zh-CN" altLang="en-US" b="0" i="0" dirty="0">
-                <a:solidFill>
-                  <a:schemeClr val="accent1"/>
-                </a:solidFill>
-                <a:effectLst/>
-                <a:latin typeface="微软雅黑" panose="020B0503020204020204" pitchFamily="34" charset="-122"/>
-                <a:ea typeface="微软雅黑" panose="020B0503020204020204" pitchFamily="34" charset="-122"/>
-              </a:rPr>
-              <a:t>，缺乏有效的展示和推广渠道。</a:t>
-            </a:r>
-            <a:endParaRPr lang="en-US" altLang="zh-CN" b="0" i="0" dirty="0">
-              <a:solidFill>
-                <a:schemeClr val="accent1"/>
-              </a:solidFill>
-              <a:effectLst/>
-              <a:latin typeface="微软雅黑" panose="020B0503020204020204" pitchFamily="34" charset="-122"/>
-              <a:ea typeface="微软雅黑" panose="020B0503020204020204" pitchFamily="34" charset="-122"/>
-            </a:endParaRPr>
-          </a:p>
-          <a:p>
-            <a:pPr>
-              <a:lnSpc>
-                <a:spcPct val="150000"/>
-              </a:lnSpc>
-            </a:pPr>
-            <a:r>
-              <a:rPr lang="en-US" altLang="zh-CN" b="1" u="sng" dirty="0">
-                <a:solidFill>
-                  <a:srgbClr val="44546A"/>
-                </a:solidFill>
-                <a:latin typeface="微软雅黑" panose="020B0503020204020204" pitchFamily="34" charset="-122"/>
-                <a:ea typeface="微软雅黑" panose="020B0503020204020204" pitchFamily="34" charset="-122"/>
-              </a:rPr>
-              <a:t>3</a:t>
-            </a:r>
-            <a:r>
-              <a:rPr lang="zh-CN" altLang="en-US" b="1" u="sng" dirty="0">
-                <a:solidFill>
-                  <a:srgbClr val="44546A"/>
-                </a:solidFill>
-                <a:latin typeface="微软雅黑" panose="020B0503020204020204" pitchFamily="34" charset="-122"/>
-                <a:ea typeface="微软雅黑" panose="020B0503020204020204" pitchFamily="34" charset="-122"/>
-              </a:rPr>
-              <a:t>、信息噪音问题：</a:t>
-            </a:r>
-            <a:endParaRPr lang="zh-CN" altLang="en-US" b="1" u="sng" dirty="0">
-              <a:solidFill>
-                <a:srgbClr val="44546A"/>
-              </a:solidFill>
-              <a:latin typeface="微软雅黑" panose="020B0503020204020204" pitchFamily="34" charset="-122"/>
-              <a:ea typeface="微软雅黑" panose="020B0503020204020204" pitchFamily="34" charset="-122"/>
-            </a:endParaRPr>
-          </a:p>
-          <a:p>
-            <a:pPr algn="l">
-              <a:lnSpc>
-                <a:spcPct val="150000"/>
-              </a:lnSpc>
-            </a:pPr>
-            <a:r>
-              <a:rPr lang="zh-CN" altLang="en-US" b="0" i="0" dirty="0">
-                <a:solidFill>
-                  <a:schemeClr val="accent1"/>
-                </a:solidFill>
-                <a:effectLst/>
-                <a:latin typeface="微软雅黑" panose="020B0503020204020204" pitchFamily="34" charset="-122"/>
-                <a:ea typeface="微软雅黑" panose="020B0503020204020204" pitchFamily="34" charset="-122"/>
-              </a:rPr>
-              <a:t>       互联网上存在</a:t>
-            </a:r>
-            <a:r>
-              <a:rPr lang="zh-CN" altLang="en-US" b="1" i="0" dirty="0">
-                <a:solidFill>
-                  <a:srgbClr val="44546A"/>
-                </a:solidFill>
-                <a:effectLst/>
-                <a:latin typeface="微软雅黑" panose="020B0503020204020204" pitchFamily="34" charset="-122"/>
-                <a:ea typeface="微软雅黑" panose="020B0503020204020204" pitchFamily="34" charset="-122"/>
-              </a:rPr>
-              <a:t>信息噪音</a:t>
-            </a:r>
-            <a:r>
-              <a:rPr lang="zh-CN" altLang="en-US" b="0" i="0" dirty="0">
-                <a:solidFill>
-                  <a:schemeClr val="accent1"/>
-                </a:solidFill>
-                <a:effectLst/>
-                <a:latin typeface="微软雅黑" panose="020B0503020204020204" pitchFamily="34" charset="-122"/>
-                <a:ea typeface="微软雅黑" panose="020B0503020204020204" pitchFamily="34" charset="-122"/>
-              </a:rPr>
-              <a:t>过大的问题，难以凸显个人专业性。</a:t>
-            </a:r>
-            <a:endParaRPr lang="zh-CN" altLang="en-US" b="0" i="0" dirty="0">
-              <a:solidFill>
-                <a:schemeClr val="accent1"/>
-              </a:solidFill>
-              <a:effectLst/>
-              <a:latin typeface="微软雅黑" panose="020B0503020204020204" pitchFamily="34" charset="-122"/>
-              <a:ea typeface="微软雅黑" panose="020B0503020204020204" pitchFamily="34" charset="-122"/>
-            </a:endParaRPr>
-          </a:p>
-        </p:txBody>
-      </p:sp>
-      <p:sp>
-        <p:nvSpPr>
-          <p:cNvPr id="10" name="文本框 9"/>
-          <p:cNvSpPr txBox="1"/>
-          <p:nvPr/>
-        </p:nvSpPr>
-        <p:spPr>
-          <a:xfrm>
-            <a:off x="1723053" y="1131198"/>
-            <a:ext cx="2730761" cy="646331"/>
-          </a:xfrm>
-          <a:prstGeom prst="rect">
-            <a:avLst/>
-          </a:prstGeom>
-          <a:noFill/>
-        </p:spPr>
-        <p:txBody>
-          <a:bodyPr wrap="square">
-            <a:spAutoFit/>
-          </a:bodyPr>
-          <a:lstStyle/>
-          <a:p>
-            <a:pPr algn="ctr"/>
-            <a:r>
-              <a:rPr lang="zh-CN" altLang="en-US" sz="3600" b="1" dirty="0">
-                <a:solidFill>
-                  <a:schemeClr val="accent2">
-                    <a:lumMod val="60000"/>
-                    <a:lumOff val="40000"/>
-                  </a:schemeClr>
-                </a:solidFill>
-                <a:latin typeface="微软雅黑" panose="020B0503020204020204" pitchFamily="34" charset="-122"/>
-                <a:ea typeface="微软雅黑" panose="020B0503020204020204" pitchFamily="34" charset="-122"/>
-              </a:rPr>
-              <a:t>用户痛点</a:t>
-            </a:r>
-            <a:endParaRPr lang="zh-CN" altLang="en-US" sz="3600" b="1" dirty="0">
-              <a:solidFill>
-                <a:schemeClr val="accent2">
-                  <a:lumMod val="60000"/>
-                  <a:lumOff val="40000"/>
-                </a:schemeClr>
-              </a:solidFill>
-              <a:latin typeface="微软雅黑" panose="020B0503020204020204" pitchFamily="34" charset="-122"/>
-              <a:ea typeface="微软雅黑" panose="020B0503020204020204" pitchFamily="34" charset="-122"/>
-            </a:endParaRPr>
-          </a:p>
-        </p:txBody>
-      </p:sp>
-      <p:cxnSp>
-        <p:nvCxnSpPr>
-          <p:cNvPr id="11" name="直接连接符 10"/>
-          <p:cNvCxnSpPr/>
-          <p:nvPr/>
-        </p:nvCxnSpPr>
-        <p:spPr>
-          <a:xfrm>
-            <a:off x="1331169" y="1884934"/>
-            <a:ext cx="3601616" cy="0"/>
-          </a:xfrm>
-          <a:prstGeom prst="line">
-            <a:avLst/>
-          </a:prstGeom>
-          <a:ln w="28575">
-            <a:solidFill>
-              <a:srgbClr val="9DC3E6"/>
-            </a:solidFill>
-          </a:ln>
-        </p:spPr>
-        <p:style>
-          <a:lnRef idx="1">
-            <a:schemeClr val="accent1"/>
-          </a:lnRef>
-          <a:fillRef idx="0">
-            <a:schemeClr val="accent1"/>
-          </a:fillRef>
-          <a:effectRef idx="0">
-            <a:schemeClr val="accent1"/>
-          </a:effectRef>
-          <a:fontRef idx="minor">
-            <a:schemeClr val="tx1"/>
-          </a:fontRef>
-        </p:style>
-      </p:cxnSp>
-      <p:sp>
-        <p:nvSpPr>
-          <p:cNvPr id="12" name="文本框 11"/>
-          <p:cNvSpPr txBox="1"/>
-          <p:nvPr/>
-        </p:nvSpPr>
-        <p:spPr>
-          <a:xfrm>
-            <a:off x="7651106" y="1131198"/>
-            <a:ext cx="2730761" cy="646331"/>
-          </a:xfrm>
-          <a:prstGeom prst="rect">
-            <a:avLst/>
-          </a:prstGeom>
-          <a:noFill/>
-        </p:spPr>
-        <p:txBody>
-          <a:bodyPr wrap="square">
-            <a:spAutoFit/>
-          </a:bodyPr>
-          <a:lstStyle/>
-          <a:p>
-            <a:pPr algn="ctr"/>
-            <a:r>
-              <a:rPr lang="zh-CN" altLang="en-US" sz="3600" b="1" dirty="0">
-                <a:solidFill>
-                  <a:schemeClr val="accent2">
-                    <a:lumMod val="60000"/>
-                    <a:lumOff val="40000"/>
-                  </a:schemeClr>
-                </a:solidFill>
-                <a:latin typeface="微软雅黑" panose="020B0503020204020204" pitchFamily="34" charset="-122"/>
-                <a:ea typeface="微软雅黑" panose="020B0503020204020204" pitchFamily="34" charset="-122"/>
-              </a:rPr>
-              <a:t>专家痛点</a:t>
-            </a:r>
-            <a:endParaRPr lang="zh-CN" altLang="en-US" sz="3600" b="1" dirty="0">
-              <a:solidFill>
-                <a:schemeClr val="accent2">
-                  <a:lumMod val="60000"/>
-                  <a:lumOff val="40000"/>
-                </a:schemeClr>
-              </a:solidFill>
-              <a:latin typeface="微软雅黑" panose="020B0503020204020204" pitchFamily="34" charset="-122"/>
-              <a:ea typeface="微软雅黑" panose="020B0503020204020204" pitchFamily="34" charset="-122"/>
-            </a:endParaRPr>
-          </a:p>
-        </p:txBody>
-      </p:sp>
-      <p:cxnSp>
-        <p:nvCxnSpPr>
-          <p:cNvPr id="13" name="直接连接符 12"/>
-          <p:cNvCxnSpPr/>
-          <p:nvPr/>
-        </p:nvCxnSpPr>
-        <p:spPr>
-          <a:xfrm>
-            <a:off x="7277883" y="1884934"/>
-            <a:ext cx="3601616" cy="0"/>
-          </a:xfrm>
-          <a:prstGeom prst="line">
-            <a:avLst/>
-          </a:prstGeom>
-          <a:ln w="28575">
-            <a:solidFill>
-              <a:srgbClr val="9DC3E6"/>
-            </a:solidFill>
-          </a:ln>
-        </p:spPr>
-        <p:style>
-          <a:lnRef idx="1">
-            <a:schemeClr val="accent1"/>
-          </a:lnRef>
-          <a:fillRef idx="0">
-            <a:schemeClr val="accent1"/>
-          </a:fillRef>
-          <a:effectRef idx="0">
-            <a:schemeClr val="accent1"/>
-          </a:effectRef>
-          <a:fontRef idx="minor">
-            <a:schemeClr val="tx1"/>
-          </a:fontRef>
-        </p:style>
-      </p:cxnSp>
-      <p:sp>
-        <p:nvSpPr>
-          <p:cNvPr id="2" name="文本框 1"/>
-          <p:cNvSpPr txBox="1"/>
-          <p:nvPr/>
-        </p:nvSpPr>
-        <p:spPr>
-          <a:xfrm>
-            <a:off x="5165821" y="4862086"/>
-            <a:ext cx="1904474" cy="369332"/>
-          </a:xfrm>
-          <a:prstGeom prst="rect">
-            <a:avLst/>
-          </a:prstGeom>
-          <a:noFill/>
-        </p:spPr>
-        <p:txBody>
-          <a:bodyPr wrap="square" rtlCol="0">
-            <a:spAutoFit/>
-          </a:bodyPr>
-          <a:lstStyle/>
-          <a:p>
-            <a:pPr algn="ctr"/>
-            <a:r>
-              <a:rPr lang="zh-CN" altLang="en-US" b="1" dirty="0">
-                <a:solidFill>
-                  <a:srgbClr val="44546A"/>
-                </a:solidFill>
-                <a:latin typeface="微软雅黑" panose="020B0503020204020204" pitchFamily="34" charset="-122"/>
-                <a:ea typeface="微软雅黑" panose="020B0503020204020204" pitchFamily="34" charset="-122"/>
-              </a:rPr>
-              <a:t>专家搜索页面</a:t>
-            </a:r>
-            <a:endParaRPr lang="zh-CN" altLang="en-US" b="1" dirty="0">
-              <a:solidFill>
-                <a:srgbClr val="44546A"/>
-              </a:solidFill>
-              <a:latin typeface="微软雅黑" panose="020B0503020204020204" pitchFamily="34" charset="-122"/>
-              <a:ea typeface="微软雅黑" panose="020B0503020204020204" pitchFamily="34" charset="-122"/>
-            </a:endParaRPr>
-          </a:p>
-        </p:txBody>
-      </p:sp>
-      <p:sp>
-        <p:nvSpPr>
-          <p:cNvPr id="3" name="加号 2"/>
-          <p:cNvSpPr/>
-          <p:nvPr/>
-        </p:nvSpPr>
-        <p:spPr>
-          <a:xfrm>
-            <a:off x="5912779" y="1278679"/>
-            <a:ext cx="410557" cy="410557"/>
-          </a:xfrm>
-          <a:prstGeom prst="mathPlus">
-            <a:avLst/>
-          </a:prstGeom>
-          <a:solidFill>
-            <a:srgbClr val="44546A"/>
-          </a:solidFill>
-          <a:ln>
-            <a:noFill/>
-          </a:ln>
-        </p:spPr>
-        <p:style>
-          <a:lnRef idx="2">
-            <a:schemeClr val="accent1">
-              <a:shade val="50000"/>
-            </a:schemeClr>
-          </a:lnRef>
-          <a:fillRef idx="1">
-            <a:schemeClr val="accent1"/>
-          </a:fillRef>
-          <a:effectRef idx="0">
-            <a:schemeClr val="accent1"/>
-          </a:effectRef>
-          <a:fontRef idx="minor">
-            <a:schemeClr val="lt1"/>
-          </a:fontRef>
-        </p:style>
-        <p:txBody>
-          <a:bodyPr rtlCol="0" anchor="ctr"/>
-          <a:lstStyle/>
-          <a:p>
-            <a:pPr algn="ctr"/>
-            <a:endParaRPr lang="zh-CN" altLang="en-US">
-              <a:solidFill>
-                <a:srgbClr val="44546A"/>
-              </a:solidFill>
-            </a:endParaRPr>
-          </a:p>
-        </p:txBody>
-      </p:sp>
       <p:pic>
         <p:nvPicPr>
           <p:cNvPr id="9" name="图片 8"/>
@@ -17102,14 +18754,171 @@
         </p:blipFill>
         <p:spPr>
           <a:xfrm>
-            <a:off x="4525010" y="3192145"/>
-            <a:ext cx="3327400" cy="1596390"/>
+            <a:off x="6454775" y="1605280"/>
+            <a:ext cx="5300345" cy="3978275"/>
           </a:xfrm>
           <a:prstGeom prst="rect">
             <a:avLst/>
           </a:prstGeom>
         </p:spPr>
       </p:pic>
+      <p:pic>
+        <p:nvPicPr>
+          <p:cNvPr id="10" name="图片 9"/>
+          <p:cNvPicPr>
+            <a:picLocks noChangeAspect="1"/>
+          </p:cNvPicPr>
+          <p:nvPr/>
+        </p:nvPicPr>
+        <p:blipFill>
+          <a:blip r:embed="rId2"/>
+          <a:stretch>
+            <a:fillRect/>
+          </a:stretch>
+        </p:blipFill>
+        <p:spPr>
+          <a:xfrm>
+            <a:off x="546735" y="1605280"/>
+            <a:ext cx="5252085" cy="3906520"/>
+          </a:xfrm>
+          <a:prstGeom prst="rect">
+            <a:avLst/>
+          </a:prstGeom>
+        </p:spPr>
+      </p:pic>
+      <p:sp>
+        <p:nvSpPr>
+          <p:cNvPr id="18" name="文本框 17"/>
+          <p:cNvSpPr txBox="1"/>
+          <p:nvPr/>
+        </p:nvSpPr>
+        <p:spPr>
+          <a:xfrm>
+            <a:off x="2220691" y="5582811"/>
+            <a:ext cx="1904474" cy="368300"/>
+          </a:xfrm>
+          <a:prstGeom prst="rect">
+            <a:avLst/>
+          </a:prstGeom>
+          <a:noFill/>
+        </p:spPr>
+        <p:txBody>
+          <a:bodyPr wrap="square" rtlCol="0">
+            <a:spAutoFit/>
+          </a:bodyPr>
+          <a:p>
+            <a:pPr algn="ctr"/>
+            <a:r>
+              <a:rPr lang="zh-CN" altLang="en-US" b="1" dirty="0">
+                <a:solidFill>
+                  <a:srgbClr val="44546A"/>
+                </a:solidFill>
+                <a:latin typeface="微软雅黑" panose="020B0503020204020204" pitchFamily="34" charset="-122"/>
+                <a:ea typeface="微软雅黑" panose="020B0503020204020204" pitchFamily="34" charset="-122"/>
+              </a:rPr>
+              <a:t>专家申请界面</a:t>
+            </a:r>
+            <a:endParaRPr lang="zh-CN" altLang="en-US" b="1" dirty="0">
+              <a:solidFill>
+                <a:srgbClr val="44546A"/>
+              </a:solidFill>
+              <a:latin typeface="微软雅黑" panose="020B0503020204020204" pitchFamily="34" charset="-122"/>
+              <a:ea typeface="微软雅黑" panose="020B0503020204020204" pitchFamily="34" charset="-122"/>
+            </a:endParaRPr>
+          </a:p>
+        </p:txBody>
+      </p:sp>
+      <p:sp>
+        <p:nvSpPr>
+          <p:cNvPr id="2" name="文本框 1"/>
+          <p:cNvSpPr txBox="1"/>
+          <p:nvPr/>
+        </p:nvSpPr>
+        <p:spPr>
+          <a:xfrm>
+            <a:off x="8152861" y="5712351"/>
+            <a:ext cx="1904474" cy="368300"/>
+          </a:xfrm>
+          <a:prstGeom prst="rect">
+            <a:avLst/>
+          </a:prstGeom>
+          <a:noFill/>
+        </p:spPr>
+        <p:txBody>
+          <a:bodyPr wrap="square" rtlCol="0">
+            <a:spAutoFit/>
+          </a:bodyPr>
+          <a:lstStyle/>
+          <a:p>
+            <a:pPr algn="ctr"/>
+            <a:r>
+              <a:rPr lang="zh-CN" altLang="en-US" b="1" dirty="0">
+                <a:solidFill>
+                  <a:srgbClr val="44546A"/>
+                </a:solidFill>
+                <a:latin typeface="微软雅黑" panose="020B0503020204020204" pitchFamily="34" charset="-122"/>
+                <a:ea typeface="微软雅黑" panose="020B0503020204020204" pitchFamily="34" charset="-122"/>
+              </a:rPr>
+              <a:t>动态发布界面</a:t>
+            </a:r>
+            <a:endParaRPr lang="zh-CN" altLang="en-US" b="1" dirty="0">
+              <a:solidFill>
+                <a:srgbClr val="44546A"/>
+              </a:solidFill>
+              <a:latin typeface="微软雅黑" panose="020B0503020204020204" pitchFamily="34" charset="-122"/>
+              <a:ea typeface="微软雅黑" panose="020B0503020204020204" pitchFamily="34" charset="-122"/>
+            </a:endParaRPr>
+          </a:p>
+        </p:txBody>
+      </p:sp>
+      <p:sp>
+        <p:nvSpPr>
+          <p:cNvPr id="3" name="文本框 2"/>
+          <p:cNvSpPr txBox="1"/>
+          <p:nvPr/>
+        </p:nvSpPr>
+        <p:spPr>
+          <a:xfrm>
+            <a:off x="2270125" y="356870"/>
+            <a:ext cx="7695565" cy="645160"/>
+          </a:xfrm>
+          <a:prstGeom prst="rect">
+            <a:avLst/>
+          </a:prstGeom>
+          <a:noFill/>
+        </p:spPr>
+        <p:txBody>
+          <a:bodyPr wrap="square">
+            <a:spAutoFit/>
+          </a:bodyPr>
+          <a:p>
+            <a:pPr algn="ctr"/>
+            <a:r>
+              <a:rPr lang="zh-CN" altLang="en-US" sz="3600" b="1" dirty="0">
+                <a:solidFill>
+                  <a:schemeClr val="accent2">
+                    <a:lumMod val="60000"/>
+                    <a:lumOff val="40000"/>
+                  </a:schemeClr>
+                </a:solidFill>
+                <a:latin typeface="微软雅黑" panose="020B0503020204020204" pitchFamily="34" charset="-122"/>
+                <a:ea typeface="微软雅黑" panose="020B0503020204020204" pitchFamily="34" charset="-122"/>
+              </a:rPr>
+              <a:t>未来需要实现的页面（草图）</a:t>
+            </a:r>
+            <a:endParaRPr lang="zh-CN" altLang="en-US" sz="3600" b="1" dirty="0">
+              <a:solidFill>
+                <a:schemeClr val="accent2">
+                  <a:lumMod val="60000"/>
+                  <a:lumOff val="40000"/>
+                </a:schemeClr>
+              </a:solidFill>
+              <a:latin typeface="微软雅黑" panose="020B0503020204020204" pitchFamily="34" charset="-122"/>
+              <a:ea typeface="微软雅黑" panose="020B0503020204020204" pitchFamily="34" charset="-122"/>
+            </a:endParaRPr>
+          </a:p>
+        </p:txBody>
+      </p:sp>
     </p:spTree>
   </p:cSld>
   <p:clrMapOvr>
@@ -17290,8 +19099,8 @@
         </p:nvSpPr>
         <p:spPr>
           <a:xfrm>
-            <a:off x="622900" y="2439165"/>
-            <a:ext cx="3758559" cy="2951898"/>
+            <a:off x="843280" y="1585595"/>
+            <a:ext cx="4891405" cy="4661535"/>
           </a:xfrm>
           <a:prstGeom prst="rect">
             <a:avLst/>
@@ -17304,13 +19113,13 @@
           </a:bodyPr>
           <a:lstStyle/>
           <a:p>
-            <a:pPr>
+            <a:pPr algn="l">
               <a:lnSpc>
                 <a:spcPct val="150000"/>
               </a:lnSpc>
             </a:pPr>
             <a:r>
-              <a:rPr lang="en-US" altLang="zh-CN" b="1" i="0" u="sng" dirty="0">
+              <a:rPr lang="zh-CN" altLang="en-US" b="1" i="0" u="sng" dirty="0">
                 <a:solidFill>
                   <a:srgbClr val="44546A"/>
                 </a:solidFill>
@@ -17318,18 +19127,7 @@
                 <a:latin typeface="微软雅黑" panose="020B0503020204020204" pitchFamily="34" charset="-122"/>
                 <a:ea typeface="微软雅黑" panose="020B0503020204020204" pitchFamily="34" charset="-122"/>
               </a:rPr>
-              <a:t>1</a:t>
-            </a:r>
-            <a:r>
-              <a:rPr lang="zh-CN" altLang="en-US" b="1" i="0" u="sng" dirty="0">
-                <a:solidFill>
-                  <a:srgbClr val="44546A"/>
-                </a:solidFill>
-                <a:effectLst/>
-                <a:latin typeface="微软雅黑" panose="020B0503020204020204" pitchFamily="34" charset="-122"/>
-                <a:ea typeface="微软雅黑" panose="020B0503020204020204" pitchFamily="34" charset="-122"/>
-              </a:rPr>
-              <a:t>、信赖度、真实性问题：</a:t>
+              <a:t>现有技术栈的问题：</a:t>
             </a:r>
             <a:endParaRPr lang="en-US" altLang="zh-CN" b="1" i="0" u="sng" dirty="0">
               <a:solidFill>
@@ -17355,18 +19153,18 @@
                 <a:latin typeface="微软雅黑" panose="020B0503020204020204" pitchFamily="34" charset="-122"/>
                 <a:ea typeface="微软雅黑" panose="020B0503020204020204" pitchFamily="34" charset="-122"/>
               </a:rPr>
-              <a:t>       提供</a:t>
-            </a:r>
-            <a:r>
-              <a:rPr lang="zh-CN" altLang="en-US" b="1" i="0" dirty="0">
-                <a:solidFill>
-                  <a:srgbClr val="44546A"/>
+              <a:t>      原有流程大致为：提出对页面设计和功能实现的需求</a:t>
+            </a:r>
+            <a:r>
+              <a:rPr lang="en-US" altLang="zh-CN" b="0" i="0" dirty="0">
+                <a:solidFill>
+                  <a:schemeClr val="accent1"/>
                 </a:solidFill>
                 <a:effectLst/>
                 <a:latin typeface="微软雅黑" panose="020B0503020204020204" pitchFamily="34" charset="-122"/>
                 <a:ea typeface="微软雅黑" panose="020B0503020204020204" pitchFamily="34" charset="-122"/>
               </a:rPr>
-              <a:t>有保障的权威</a:t>
+              <a:t> -&gt; </a:t>
             </a:r>
             <a:r>
               <a:rPr lang="zh-CN" altLang="en-US" b="0" i="0" dirty="0">
@@ -17377,44 +19175,51 @@
                 <a:latin typeface="微软雅黑" panose="020B0503020204020204" pitchFamily="34" charset="-122"/>
                 <a:ea typeface="微软雅黑" panose="020B0503020204020204" pitchFamily="34" charset="-122"/>
               </a:rPr>
-              <a:t>来源，解决用户的咨询需求。</a:t>
-            </a:r>
-            <a:endParaRPr lang="en-US" altLang="zh-CN" b="0" i="0" dirty="0">
-              <a:solidFill>
-                <a:schemeClr val="accent1"/>
-              </a:solidFill>
-              <a:effectLst/>
-              <a:latin typeface="微软雅黑" panose="020B0503020204020204" pitchFamily="34" charset="-122"/>
-              <a:ea typeface="微软雅黑" panose="020B0503020204020204" pitchFamily="34" charset="-122"/>
-            </a:endParaRPr>
-          </a:p>
-          <a:p>
-            <a:pPr>
-              <a:lnSpc>
-                <a:spcPct val="150000"/>
-              </a:lnSpc>
-            </a:pPr>
-            <a:r>
-              <a:rPr lang="en-US" altLang="zh-CN" b="1" i="0" u="sng" dirty="0">
-                <a:solidFill>
-                  <a:srgbClr val="44546A"/>
+              <a:t>根据页面设计协商画出页面草图（</a:t>
+            </a:r>
+            <a:r>
+              <a:rPr lang="en-US" altLang="zh-CN" b="0" i="0" dirty="0">
+                <a:solidFill>
+                  <a:schemeClr val="accent1"/>
                 </a:solidFill>
                 <a:effectLst/>
                 <a:latin typeface="微软雅黑" panose="020B0503020204020204" pitchFamily="34" charset="-122"/>
                 <a:ea typeface="微软雅黑" panose="020B0503020204020204" pitchFamily="34" charset="-122"/>
               </a:rPr>
-              <a:t>2</a:t>
-            </a:r>
-            <a:r>
-              <a:rPr lang="zh-CN" altLang="en-US" b="1" i="0" u="sng" dirty="0">
-                <a:solidFill>
-                  <a:srgbClr val="44546A"/>
+              <a:t>PDF</a:t>
+            </a:r>
+            <a:r>
+              <a:rPr lang="zh-CN" altLang="en-US" b="0" i="0" dirty="0">
+                <a:solidFill>
+                  <a:schemeClr val="accent1"/>
                 </a:solidFill>
                 <a:effectLst/>
                 <a:latin typeface="微软雅黑" panose="020B0503020204020204" pitchFamily="34" charset="-122"/>
                 <a:ea typeface="微软雅黑" panose="020B0503020204020204" pitchFamily="34" charset="-122"/>
               </a:rPr>
-              <a:t>、专业背景问题：</a:t>
+              <a:t>文件）</a:t>
+            </a:r>
+            <a:r>
+              <a:rPr lang="en-US" altLang="zh-CN" b="0" i="0" dirty="0">
+                <a:solidFill>
+                  <a:schemeClr val="accent1"/>
+                </a:solidFill>
+                <a:effectLst/>
+                <a:latin typeface="微软雅黑" panose="020B0503020204020204" pitchFamily="34" charset="-122"/>
+                <a:ea typeface="微软雅黑" panose="020B0503020204020204" pitchFamily="34" charset="-122"/>
+              </a:rPr>
+              <a:t>-&gt; </a:t>
+            </a:r>
+            <a:r>
+              <a:rPr lang="zh-CN" altLang="en-US" b="0" i="0" dirty="0">
+                <a:solidFill>
+                  <a:schemeClr val="accent1"/>
+                </a:solidFill>
+                <a:effectLst/>
+                <a:latin typeface="微软雅黑" panose="020B0503020204020204" pitchFamily="34" charset="-122"/>
+                <a:ea typeface="微软雅黑" panose="020B0503020204020204" pitchFamily="34" charset="-122"/>
+              </a:rPr>
+              <a:t>根据页面草图进行代码的撰写，包括调整布局、设计组件、实现响应式和组件功能等。</a:t>
             </a:r>
             <a:endParaRPr lang="zh-CN" altLang="en-US" b="0" i="0" dirty="0">
               <a:solidFill>
@@ -17426,7 +19231,7 @@
             </a:endParaRPr>
           </a:p>
           <a:p>
-            <a:pPr algn="l">
+            <a:pPr indent="457200" algn="l">
               <a:lnSpc>
                 <a:spcPct val="150000"/>
               </a:lnSpc>
@@ -17440,18 +19245,18 @@
                 <a:latin typeface="微软雅黑" panose="020B0503020204020204" pitchFamily="34" charset="-122"/>
                 <a:ea typeface="微软雅黑" panose="020B0503020204020204" pitchFamily="34" charset="-122"/>
               </a:rPr>
-              <a:t>       提供</a:t>
-            </a:r>
-            <a:r>
-              <a:rPr lang="zh-CN" altLang="en-US" b="1" i="0" dirty="0">
-                <a:solidFill>
-                  <a:srgbClr val="44546A"/>
+              <a:t> 基于</a:t>
+            </a:r>
+            <a:r>
+              <a:rPr lang="en-US" altLang="zh-CN" b="0" i="0" dirty="0">
+                <a:solidFill>
+                  <a:schemeClr val="accent1"/>
                 </a:solidFill>
                 <a:effectLst/>
                 <a:latin typeface="微软雅黑" panose="020B0503020204020204" pitchFamily="34" charset="-122"/>
                 <a:ea typeface="微软雅黑" panose="020B0503020204020204" pitchFamily="34" charset="-122"/>
               </a:rPr>
-              <a:t>多样化且专业化</a:t>
+              <a:t>antd+react</a:t>
             </a:r>
             <a:r>
               <a:rPr lang="zh-CN" altLang="en-US" b="0" i="0" dirty="0">
@@ -17462,7 +19267,7 @@
                 <a:latin typeface="微软雅黑" panose="020B0503020204020204" pitchFamily="34" charset="-122"/>
                 <a:ea typeface="微软雅黑" panose="020B0503020204020204" pitchFamily="34" charset="-122"/>
               </a:rPr>
-              <a:t>的咨询功能，包括语音咨询、悬赏咨询、智能咨询等，以满足用户不同的需求。</a:t>
+              <a:t>框架的前端页面实现，需要针对页面的设计草图手动实现各个组件，并调整样式布局等等，技术较为原始，流程较繁琐。</a:t>
             </a:r>
             <a:endParaRPr lang="zh-CN" altLang="en-US" b="0" i="0" dirty="0">
               <a:solidFill>
@@ -17473,18 +19278,33 @@
               <a:ea typeface="微软雅黑" panose="020B0503020204020204" pitchFamily="34" charset="-122"/>
             </a:endParaRPr>
           </a:p>
+          <a:p>
+            <a:pPr algn="l">
+              <a:lnSpc>
+                <a:spcPct val="150000"/>
+              </a:lnSpc>
+            </a:pPr>
+            <a:endParaRPr lang="zh-CN" altLang="en-US" b="0" i="0" dirty="0">
+              <a:solidFill>
+                <a:schemeClr val="accent1"/>
+              </a:solidFill>
+              <a:effectLst/>
+              <a:latin typeface="微软雅黑" panose="020B0503020204020204" pitchFamily="34" charset="-122"/>
+              <a:ea typeface="微软雅黑" panose="020B0503020204020204" pitchFamily="34" charset="-122"/>
+            </a:endParaRPr>
+          </a:p>
         </p:txBody>
       </p:sp>
       <p:sp>
         <p:nvSpPr>
-          <p:cNvPr id="8" name="文本框 7"/>
+          <p:cNvPr id="10" name="文本框 9"/>
           <p:cNvSpPr txBox="1"/>
           <p:nvPr/>
         </p:nvSpPr>
         <p:spPr>
           <a:xfrm>
-            <a:off x="7854657" y="2412189"/>
-            <a:ext cx="3900196" cy="2951898"/>
+            <a:off x="4731048" y="432063"/>
+            <a:ext cx="2730761" cy="645160"/>
           </a:xfrm>
           <a:prstGeom prst="rect">
             <a:avLst/>
@@ -17497,195 +19317,6 @@
           </a:bodyPr>
           <a:lstStyle/>
           <a:p>
-            <a:pPr>
-              <a:lnSpc>
-                <a:spcPct val="150000"/>
-              </a:lnSpc>
-            </a:pPr>
-            <a:r>
-              <a:rPr lang="en-US" altLang="zh-CN" b="1" u="sng" dirty="0">
-                <a:solidFill>
-                  <a:srgbClr val="44546A"/>
-                </a:solidFill>
-                <a:latin typeface="微软雅黑" panose="020B0503020204020204" pitchFamily="34" charset="-122"/>
-                <a:ea typeface="微软雅黑" panose="020B0503020204020204" pitchFamily="34" charset="-122"/>
-              </a:rPr>
-              <a:t>1</a:t>
-            </a:r>
-            <a:r>
-              <a:rPr lang="zh-CN" altLang="en-US" b="1" u="sng" dirty="0">
-                <a:solidFill>
-                  <a:srgbClr val="44546A"/>
-                </a:solidFill>
-                <a:latin typeface="微软雅黑" panose="020B0503020204020204" pitchFamily="34" charset="-122"/>
-                <a:ea typeface="微软雅黑" panose="020B0503020204020204" pitchFamily="34" charset="-122"/>
-              </a:rPr>
-              <a:t>、专业知识分享、品牌建设困难：</a:t>
-            </a:r>
-            <a:endParaRPr lang="en-US" altLang="zh-CN" b="0" i="0" dirty="0">
-              <a:solidFill>
-                <a:schemeClr val="accent1"/>
-              </a:solidFill>
-              <a:effectLst/>
-              <a:latin typeface="微软雅黑" panose="020B0503020204020204" pitchFamily="34" charset="-122"/>
-              <a:ea typeface="微软雅黑" panose="020B0503020204020204" pitchFamily="34" charset="-122"/>
-            </a:endParaRPr>
-          </a:p>
-          <a:p>
-            <a:pPr algn="l">
-              <a:lnSpc>
-                <a:spcPct val="150000"/>
-              </a:lnSpc>
-            </a:pPr>
-            <a:r>
-              <a:rPr lang="zh-CN" altLang="en-US" b="0" i="0" dirty="0">
-                <a:solidFill>
-                  <a:schemeClr val="accent1"/>
-                </a:solidFill>
-                <a:effectLst/>
-                <a:latin typeface="微软雅黑" panose="020B0503020204020204" pitchFamily="34" charset="-122"/>
-                <a:ea typeface="微软雅黑" panose="020B0503020204020204" pitchFamily="34" charset="-122"/>
-              </a:rPr>
-              <a:t>       提供一个传播专业知识、提供专业咨询的平台，让专家能够</a:t>
-            </a:r>
-            <a:r>
-              <a:rPr lang="zh-CN" altLang="en-US" b="1" i="0" dirty="0">
-                <a:solidFill>
-                  <a:srgbClr val="44546A"/>
-                </a:solidFill>
-                <a:effectLst/>
-                <a:latin typeface="微软雅黑" panose="020B0503020204020204" pitchFamily="34" charset="-122"/>
-                <a:ea typeface="微软雅黑" panose="020B0503020204020204" pitchFamily="34" charset="-122"/>
-              </a:rPr>
-              <a:t>分享专业知识</a:t>
-            </a:r>
-            <a:r>
-              <a:rPr lang="zh-CN" altLang="en-US" b="0" i="0" dirty="0">
-                <a:solidFill>
-                  <a:schemeClr val="accent1"/>
-                </a:solidFill>
-                <a:effectLst/>
-                <a:latin typeface="微软雅黑" panose="020B0503020204020204" pitchFamily="34" charset="-122"/>
-                <a:ea typeface="微软雅黑" panose="020B0503020204020204" pitchFamily="34" charset="-122"/>
-              </a:rPr>
-              <a:t>并提供专业咨询服务。</a:t>
-            </a:r>
-            <a:endParaRPr lang="en-US" altLang="zh-CN" b="0" i="0" dirty="0">
-              <a:solidFill>
-                <a:schemeClr val="accent1"/>
-              </a:solidFill>
-              <a:effectLst/>
-              <a:latin typeface="微软雅黑" panose="020B0503020204020204" pitchFamily="34" charset="-122"/>
-              <a:ea typeface="微软雅黑" panose="020B0503020204020204" pitchFamily="34" charset="-122"/>
-            </a:endParaRPr>
-          </a:p>
-          <a:p>
-            <a:pPr>
-              <a:lnSpc>
-                <a:spcPct val="150000"/>
-              </a:lnSpc>
-            </a:pPr>
-            <a:r>
-              <a:rPr lang="en-US" altLang="zh-CN" b="1" u="sng" dirty="0">
-                <a:solidFill>
-                  <a:srgbClr val="44546A"/>
-                </a:solidFill>
-                <a:latin typeface="微软雅黑" panose="020B0503020204020204" pitchFamily="34" charset="-122"/>
-                <a:ea typeface="微软雅黑" panose="020B0503020204020204" pitchFamily="34" charset="-122"/>
-              </a:rPr>
-              <a:t>2</a:t>
-            </a:r>
-            <a:r>
-              <a:rPr lang="zh-CN" altLang="en-US" b="1" u="sng" dirty="0">
-                <a:solidFill>
-                  <a:srgbClr val="44546A"/>
-                </a:solidFill>
-                <a:latin typeface="微软雅黑" panose="020B0503020204020204" pitchFamily="34" charset="-122"/>
-                <a:ea typeface="微软雅黑" panose="020B0503020204020204" pitchFamily="34" charset="-122"/>
-              </a:rPr>
-              <a:t>、信息噪音问题：</a:t>
-            </a:r>
-            <a:endParaRPr lang="zh-CN" altLang="en-US" b="0" i="0" dirty="0">
-              <a:solidFill>
-                <a:schemeClr val="accent1"/>
-              </a:solidFill>
-              <a:effectLst/>
-              <a:latin typeface="微软雅黑" panose="020B0503020204020204" pitchFamily="34" charset="-122"/>
-              <a:ea typeface="微软雅黑" panose="020B0503020204020204" pitchFamily="34" charset="-122"/>
-            </a:endParaRPr>
-          </a:p>
-          <a:p>
-            <a:pPr algn="l">
-              <a:lnSpc>
-                <a:spcPct val="150000"/>
-              </a:lnSpc>
-            </a:pPr>
-            <a:r>
-              <a:rPr lang="zh-CN" altLang="en-US" b="0" i="0" dirty="0">
-                <a:solidFill>
-                  <a:schemeClr val="accent1"/>
-                </a:solidFill>
-                <a:effectLst/>
-                <a:latin typeface="微软雅黑" panose="020B0503020204020204" pitchFamily="34" charset="-122"/>
-                <a:ea typeface="微软雅黑" panose="020B0503020204020204" pitchFamily="34" charset="-122"/>
-              </a:rPr>
-              <a:t>       审核入驻专家的资料，确保平台提供可靠的专业服务、</a:t>
-            </a:r>
-            <a:r>
-              <a:rPr lang="zh-CN" altLang="en-US" b="1" i="0" dirty="0">
-                <a:solidFill>
-                  <a:srgbClr val="44546A"/>
-                </a:solidFill>
-                <a:effectLst/>
-                <a:latin typeface="微软雅黑" panose="020B0503020204020204" pitchFamily="34" charset="-122"/>
-                <a:ea typeface="微软雅黑" panose="020B0503020204020204" pitchFamily="34" charset="-122"/>
-              </a:rPr>
-              <a:t>减少信息噪音</a:t>
-            </a:r>
-            <a:r>
-              <a:rPr lang="zh-CN" altLang="en-US" b="0" i="0" dirty="0">
-                <a:solidFill>
-                  <a:schemeClr val="accent1"/>
-                </a:solidFill>
-                <a:effectLst/>
-                <a:latin typeface="微软雅黑" panose="020B0503020204020204" pitchFamily="34" charset="-122"/>
-                <a:ea typeface="微软雅黑" panose="020B0503020204020204" pitchFamily="34" charset="-122"/>
-              </a:rPr>
-              <a:t>。</a:t>
-            </a:r>
-            <a:endParaRPr lang="zh-CN" altLang="en-US" b="0" i="0" dirty="0">
-              <a:solidFill>
-                <a:schemeClr val="accent1"/>
-              </a:solidFill>
-              <a:effectLst/>
-              <a:latin typeface="微软雅黑" panose="020B0503020204020204" pitchFamily="34" charset="-122"/>
-              <a:ea typeface="微软雅黑" panose="020B0503020204020204" pitchFamily="34" charset="-122"/>
-            </a:endParaRPr>
-          </a:p>
-        </p:txBody>
-      </p:sp>
-      <p:sp>
-        <p:nvSpPr>
-          <p:cNvPr id="10" name="文本框 9"/>
-          <p:cNvSpPr txBox="1"/>
-          <p:nvPr/>
-        </p:nvSpPr>
-        <p:spPr>
-          <a:xfrm>
-            <a:off x="1685732" y="1156078"/>
-            <a:ext cx="2730761" cy="646331"/>
-          </a:xfrm>
-          <a:prstGeom prst="rect">
-            <a:avLst/>
-          </a:prstGeom>
-          <a:noFill/>
-        </p:spPr>
-        <p:txBody>
-          <a:bodyPr wrap="square">
-            <a:spAutoFit/>
-          </a:bodyPr>
-          <a:lstStyle/>
-          <a:p>
             <a:pPr algn="ctr"/>
             <a:r>
               <a:rPr lang="zh-CN" altLang="en-US" sz="3600" b="1" dirty="0">
@@ -17698,7 +19329,7 @@
                 <a:latin typeface="微软雅黑" panose="020B0503020204020204" pitchFamily="34" charset="-122"/>
                 <a:ea typeface="微软雅黑" panose="020B0503020204020204" pitchFamily="34" charset="-122"/>
               </a:rPr>
-              <a:t>用户需求</a:t>
+              <a:t>技术栈更新</a:t>
             </a:r>
             <a:endParaRPr lang="zh-CN" altLang="en-US" sz="3600" b="1" dirty="0">
               <a:solidFill>
@@ -17713,51 +19344,16 @@
           </a:p>
         </p:txBody>
       </p:sp>
-      <p:cxnSp>
-        <p:nvCxnSpPr>
-          <p:cNvPr id="11" name="直接连接符 10"/>
-          <p:cNvCxnSpPr/>
-          <p:nvPr/>
-        </p:nvCxnSpPr>
-        <p:spPr>
-          <a:xfrm>
-            <a:off x="1293848" y="1909814"/>
-            <a:ext cx="3601616" cy="0"/>
-          </a:xfrm>
-          <a:prstGeom prst="line">
-            <a:avLst/>
-          </a:prstGeom>
-          <a:ln w="28575">
-            <a:solidFill>
-              <a:srgbClr val="9DC3E6"/>
-            </a:solidFill>
-          </a:ln>
-        </p:spPr>
-        <p:style>
-          <a:lnRef idx="1">
-            <a:schemeClr val="accent1"/>
-          </a:lnRef>
-          <a:fillRef idx="0">
-            <a:schemeClr val="accent1"/>
-          </a:fillRef>
-          <a:effectRef idx="0">
-            <a:schemeClr val="accent1"/>
-          </a:effectRef>
-          <a:fontRef idx="minor">
-            <a:schemeClr val="tx1"/>
-          </a:fontRef>
-        </p:style>
-      </p:cxnSp>
       <p:sp>
         <p:nvSpPr>
-          <p:cNvPr id="12" name="文本框 11"/>
+          <p:cNvPr id="17" name="文本框 16"/>
           <p:cNvSpPr txBox="1"/>
           <p:nvPr/>
         </p:nvSpPr>
         <p:spPr>
           <a:xfrm>
-            <a:off x="7613785" y="1156078"/>
-            <a:ext cx="2730761" cy="646331"/>
+            <a:off x="6106160" y="1585595"/>
+            <a:ext cx="5263515" cy="5093970"/>
           </a:xfrm>
           <a:prstGeom prst="rect">
             <a:avLst/>
@@ -17766,185 +19362,253 @@
         </p:spPr>
         <p:txBody>
           <a:bodyPr wrap="square">
-            <a:spAutoFit/>
+            <a:noAutofit/>
           </a:bodyPr>
-          <a:lstStyle/>
-          <a:p>
-            <a:pPr algn="ctr"/>
-            <a:r>
-              <a:rPr lang="zh-CN" altLang="en-US" sz="3600" b="1" dirty="0">
-                <a:solidFill>
-                  <a:schemeClr val="accent2">
-                    <a:lumMod val="60000"/>
-                    <a:lumOff val="40000"/>
-                  </a:schemeClr>
-                </a:solidFill>
+          <a:p>
+            <a:pPr algn="l">
+              <a:lnSpc>
+                <a:spcPct val="150000"/>
+              </a:lnSpc>
+            </a:pPr>
+            <a:r>
+              <a:rPr lang="zh-CN" altLang="en-US" b="1" i="0" u="sng" dirty="0">
+                <a:solidFill>
+                  <a:srgbClr val="44546A"/>
+                </a:solidFill>
+                <a:effectLst/>
                 <a:latin typeface="微软雅黑" panose="020B0503020204020204" pitchFamily="34" charset="-122"/>
                 <a:ea typeface="微软雅黑" panose="020B0503020204020204" pitchFamily="34" charset="-122"/>
               </a:rPr>
-              <a:t>专家需求</a:t>
-            </a:r>
-            <a:endParaRPr lang="zh-CN" altLang="en-US" sz="3600" b="1" dirty="0">
+              <a:t>新技术栈的实现流程：</a:t>
+            </a:r>
+            <a:endParaRPr lang="en-US" altLang="zh-CN" b="1" i="0" u="sng" dirty="0">
               <a:solidFill>
-                <a:schemeClr val="accent2">
-                  <a:lumMod val="60000"/>
-                  <a:lumOff val="40000"/>
-                </a:schemeClr>
+                <a:srgbClr val="44546A"/>
               </a:solidFill>
+              <a:effectLst/>
               <a:latin typeface="微软雅黑" panose="020B0503020204020204" pitchFamily="34" charset="-122"/>
               <a:ea typeface="微软雅黑" panose="020B0503020204020204" pitchFamily="34" charset="-122"/>
             </a:endParaRPr>
           </a:p>
-        </p:txBody>
-      </p:sp>
-      <p:cxnSp>
-        <p:nvCxnSpPr>
-          <p:cNvPr id="13" name="直接连接符 12"/>
-          <p:cNvCxnSpPr/>
-          <p:nvPr/>
-        </p:nvCxnSpPr>
-        <p:spPr>
-          <a:xfrm>
-            <a:off x="7240562" y="1909814"/>
-            <a:ext cx="3601616" cy="0"/>
-          </a:xfrm>
-          <a:prstGeom prst="line">
-            <a:avLst/>
-          </a:prstGeom>
-          <a:ln w="28575">
-            <a:solidFill>
-              <a:srgbClr val="9DC3E6"/>
-            </a:solidFill>
-          </a:ln>
-        </p:spPr>
-        <p:style>
-          <a:lnRef idx="1">
-            <a:schemeClr val="accent1"/>
-          </a:lnRef>
-          <a:fillRef idx="0">
-            <a:schemeClr val="accent1"/>
-          </a:fillRef>
-          <a:effectRef idx="0">
-            <a:schemeClr val="accent1"/>
-          </a:effectRef>
-          <a:fontRef idx="minor">
-            <a:schemeClr val="tx1"/>
-          </a:fontRef>
-        </p:style>
-      </p:cxnSp>
-      <p:sp>
-        <p:nvSpPr>
-          <p:cNvPr id="18" name="文本框 17"/>
-          <p:cNvSpPr txBox="1"/>
-          <p:nvPr/>
-        </p:nvSpPr>
-        <p:spPr>
-          <a:xfrm>
-            <a:off x="5165821" y="4862086"/>
-            <a:ext cx="1904474" cy="369332"/>
-          </a:xfrm>
-          <a:prstGeom prst="rect">
-            <a:avLst/>
-          </a:prstGeom>
-          <a:noFill/>
-        </p:spPr>
-        <p:txBody>
-          <a:bodyPr wrap="square" rtlCol="0">
-            <a:spAutoFit/>
-          </a:bodyPr>
-          <a:lstStyle/>
-          <a:p>
-            <a:pPr algn="ctr"/>
-            <a:r>
-              <a:rPr lang="zh-CN" altLang="en-US" b="1" dirty="0">
-                <a:solidFill>
-                  <a:srgbClr val="44546A"/>
-                </a:solidFill>
+          <a:p>
+            <a:pPr indent="457200" algn="l">
+              <a:lnSpc>
+                <a:spcPct val="150000"/>
+              </a:lnSpc>
+            </a:pPr>
+            <a:r>
+              <a:rPr lang="zh-CN" altLang="en-US" b="0" i="0" dirty="0">
+                <a:solidFill>
+                  <a:schemeClr val="accent1"/>
+                </a:solidFill>
+                <a:effectLst/>
                 <a:latin typeface="微软雅黑" panose="020B0503020204020204" pitchFamily="34" charset="-122"/>
                 <a:ea typeface="微软雅黑" panose="020B0503020204020204" pitchFamily="34" charset="-122"/>
               </a:rPr>
-              <a:t>聊天咨询界面</a:t>
-            </a:r>
-            <a:endParaRPr lang="zh-CN" altLang="en-US" b="1" dirty="0">
+              <a:t>加入</a:t>
+            </a:r>
+            <a:r>
+              <a:rPr lang="en-US" altLang="zh-CN" b="0" i="0" dirty="0">
+                <a:solidFill>
+                  <a:schemeClr val="accent1"/>
+                </a:solidFill>
+                <a:effectLst/>
+                <a:latin typeface="微软雅黑" panose="020B0503020204020204" pitchFamily="34" charset="-122"/>
+                <a:ea typeface="微软雅黑" panose="020B0503020204020204" pitchFamily="34" charset="-122"/>
+              </a:rPr>
+              <a:t>figma</a:t>
+            </a:r>
+            <a:r>
+              <a:rPr lang="zh-CN" altLang="en-US" b="0" i="0" dirty="0">
+                <a:solidFill>
+                  <a:schemeClr val="accent1"/>
+                </a:solidFill>
+                <a:effectLst/>
+                <a:latin typeface="微软雅黑" panose="020B0503020204020204" pitchFamily="34" charset="-122"/>
+                <a:ea typeface="微软雅黑" panose="020B0503020204020204" pitchFamily="34" charset="-122"/>
+              </a:rPr>
+              <a:t>、</a:t>
+            </a:r>
+            <a:r>
+              <a:rPr lang="en-US" altLang="zh-CN" b="0" i="0" dirty="0">
+                <a:solidFill>
+                  <a:schemeClr val="accent1"/>
+                </a:solidFill>
+                <a:effectLst/>
+                <a:latin typeface="微软雅黑" panose="020B0503020204020204" pitchFamily="34" charset="-122"/>
+                <a:ea typeface="微软雅黑" panose="020B0503020204020204" pitchFamily="34" charset="-122"/>
+              </a:rPr>
+              <a:t>builder.io</a:t>
+            </a:r>
+            <a:r>
+              <a:rPr lang="zh-CN" altLang="en-US" b="0" i="0" dirty="0">
+                <a:solidFill>
+                  <a:schemeClr val="accent1"/>
+                </a:solidFill>
+                <a:effectLst/>
+                <a:latin typeface="微软雅黑" panose="020B0503020204020204" pitchFamily="34" charset="-122"/>
+                <a:ea typeface="微软雅黑" panose="020B0503020204020204" pitchFamily="34" charset="-122"/>
+              </a:rPr>
+              <a:t>和</a:t>
+            </a:r>
+            <a:r>
+              <a:rPr lang="en-US" altLang="zh-CN" b="0" i="0" dirty="0">
+                <a:solidFill>
+                  <a:schemeClr val="accent1"/>
+                </a:solidFill>
+                <a:effectLst/>
+                <a:latin typeface="微软雅黑" panose="020B0503020204020204" pitchFamily="34" charset="-122"/>
+                <a:ea typeface="微软雅黑" panose="020B0503020204020204" pitchFamily="34" charset="-122"/>
+              </a:rPr>
+              <a:t>tailwindcss</a:t>
+            </a:r>
+            <a:r>
+              <a:rPr lang="zh-CN" altLang="en-US" b="0" i="0" dirty="0">
+                <a:solidFill>
+                  <a:schemeClr val="accent1"/>
+                </a:solidFill>
+                <a:effectLst/>
+                <a:latin typeface="微软雅黑" panose="020B0503020204020204" pitchFamily="34" charset="-122"/>
+                <a:ea typeface="微软雅黑" panose="020B0503020204020204" pitchFamily="34" charset="-122"/>
+              </a:rPr>
+              <a:t>的技术栈，在设计阶段就使用</a:t>
+            </a:r>
+            <a:r>
+              <a:rPr lang="en-US" altLang="zh-CN" b="0" i="0" dirty="0">
+                <a:solidFill>
+                  <a:schemeClr val="accent1"/>
+                </a:solidFill>
+                <a:effectLst/>
+                <a:latin typeface="微软雅黑" panose="020B0503020204020204" pitchFamily="34" charset="-122"/>
+                <a:ea typeface="微软雅黑" panose="020B0503020204020204" pitchFamily="34" charset="-122"/>
+              </a:rPr>
+              <a:t>figma</a:t>
+            </a:r>
+            <a:r>
+              <a:rPr lang="zh-CN" altLang="en-US" b="0" i="0" dirty="0">
+                <a:solidFill>
+                  <a:schemeClr val="accent1"/>
+                </a:solidFill>
+                <a:effectLst/>
+                <a:latin typeface="微软雅黑" panose="020B0503020204020204" pitchFamily="34" charset="-122"/>
+                <a:ea typeface="微软雅黑" panose="020B0503020204020204" pitchFamily="34" charset="-122"/>
+              </a:rPr>
+              <a:t>平台进行界面的规划，这其中包括利用社区提供的美观实用的组件直接进行布局，然后通过</a:t>
+            </a:r>
+            <a:r>
+              <a:rPr lang="en-US" altLang="zh-CN" b="0" i="0" dirty="0">
+                <a:solidFill>
+                  <a:schemeClr val="accent1"/>
+                </a:solidFill>
+                <a:effectLst/>
+                <a:latin typeface="微软雅黑" panose="020B0503020204020204" pitchFamily="34" charset="-122"/>
+                <a:ea typeface="微软雅黑" panose="020B0503020204020204" pitchFamily="34" charset="-122"/>
+              </a:rPr>
+              <a:t>builder.io</a:t>
+            </a:r>
+            <a:r>
+              <a:rPr lang="zh-CN" altLang="en-US" b="0" i="0" dirty="0">
+                <a:solidFill>
+                  <a:schemeClr val="accent1"/>
+                </a:solidFill>
+                <a:effectLst/>
+                <a:latin typeface="微软雅黑" panose="020B0503020204020204" pitchFamily="34" charset="-122"/>
+                <a:ea typeface="微软雅黑" panose="020B0503020204020204" pitchFamily="34" charset="-122"/>
+              </a:rPr>
+              <a:t>平台进行从设计到代码的转换，产出使用</a:t>
+            </a:r>
+            <a:r>
+              <a:rPr lang="en-US" altLang="zh-CN" b="0" i="0" dirty="0">
+                <a:solidFill>
+                  <a:schemeClr val="accent1"/>
+                </a:solidFill>
+                <a:effectLst/>
+                <a:latin typeface="微软雅黑" panose="020B0503020204020204" pitchFamily="34" charset="-122"/>
+                <a:ea typeface="微软雅黑" panose="020B0503020204020204" pitchFamily="34" charset="-122"/>
+              </a:rPr>
+              <a:t>tailwind</a:t>
+            </a:r>
+            <a:r>
+              <a:rPr lang="zh-CN" altLang="en-US" b="0" i="0" dirty="0">
+                <a:solidFill>
+                  <a:schemeClr val="accent1"/>
+                </a:solidFill>
+                <a:effectLst/>
+                <a:latin typeface="微软雅黑" panose="020B0503020204020204" pitchFamily="34" charset="-122"/>
+                <a:ea typeface="微软雅黑" panose="020B0503020204020204" pitchFamily="34" charset="-122"/>
+              </a:rPr>
+              <a:t>设计样式的组件代码，最后在原有的</a:t>
+            </a:r>
+            <a:r>
+              <a:rPr lang="en-US" altLang="zh-CN" b="0" i="0" dirty="0">
+                <a:solidFill>
+                  <a:schemeClr val="accent1"/>
+                </a:solidFill>
+                <a:effectLst/>
+                <a:latin typeface="微软雅黑" panose="020B0503020204020204" pitchFamily="34" charset="-122"/>
+                <a:ea typeface="微软雅黑" panose="020B0503020204020204" pitchFamily="34" charset="-122"/>
+              </a:rPr>
+              <a:t>antd+react</a:t>
+            </a:r>
+            <a:r>
+              <a:rPr lang="zh-CN" altLang="en-US" b="0" i="0" dirty="0">
+                <a:solidFill>
+                  <a:schemeClr val="accent1"/>
+                </a:solidFill>
+                <a:effectLst/>
+                <a:latin typeface="微软雅黑" panose="020B0503020204020204" pitchFamily="34" charset="-122"/>
+                <a:ea typeface="微软雅黑" panose="020B0503020204020204" pitchFamily="34" charset="-122"/>
+              </a:rPr>
+              <a:t>框架下的页面布局设计中嵌入组件或者选用适合的</a:t>
+            </a:r>
+            <a:r>
+              <a:rPr lang="en-US" altLang="zh-CN" b="0" i="0" dirty="0">
+                <a:solidFill>
+                  <a:schemeClr val="accent1"/>
+                </a:solidFill>
+                <a:effectLst/>
+                <a:latin typeface="微软雅黑" panose="020B0503020204020204" pitchFamily="34" charset="-122"/>
+                <a:ea typeface="微软雅黑" panose="020B0503020204020204" pitchFamily="34" charset="-122"/>
+              </a:rPr>
+              <a:t>tailwind</a:t>
+            </a:r>
+            <a:r>
+              <a:rPr lang="zh-CN" altLang="en-US" b="0" i="0" dirty="0">
+                <a:solidFill>
+                  <a:schemeClr val="accent1"/>
+                </a:solidFill>
+                <a:effectLst/>
+                <a:latin typeface="微软雅黑" panose="020B0503020204020204" pitchFamily="34" charset="-122"/>
+                <a:ea typeface="微软雅黑" panose="020B0503020204020204" pitchFamily="34" charset="-122"/>
+              </a:rPr>
+              <a:t>样式进行更新，使前端实现的流程更加现代化、模式化。       </a:t>
+            </a:r>
+            <a:endParaRPr lang="zh-CN" altLang="en-US" b="0" i="0" dirty="0">
               <a:solidFill>
-                <a:srgbClr val="44546A"/>
+                <a:schemeClr val="accent1"/>
               </a:solidFill>
+              <a:effectLst/>
               <a:latin typeface="微软雅黑" panose="020B0503020204020204" pitchFamily="34" charset="-122"/>
               <a:ea typeface="微软雅黑" panose="020B0503020204020204" pitchFamily="34" charset="-122"/>
             </a:endParaRPr>
           </a:p>
+          <a:p>
+            <a:pPr algn="l">
+              <a:lnSpc>
+                <a:spcPct val="150000"/>
+              </a:lnSpc>
+            </a:pPr>
+            <a:endParaRPr lang="zh-CN" altLang="en-US" b="0" i="0" dirty="0">
+              <a:solidFill>
+                <a:schemeClr val="accent1"/>
+              </a:solidFill>
+              <a:effectLst/>
+              <a:latin typeface="微软雅黑" panose="020B0503020204020204" pitchFamily="34" charset="-122"/>
+              <a:ea typeface="微软雅黑" panose="020B0503020204020204" pitchFamily="34" charset="-122"/>
+            </a:endParaRPr>
+          </a:p>
         </p:txBody>
       </p:sp>
-      <p:sp>
-        <p:nvSpPr>
-          <p:cNvPr id="19" name="加号 18"/>
-          <p:cNvSpPr/>
-          <p:nvPr/>
-        </p:nvSpPr>
-        <p:spPr>
-          <a:xfrm>
-            <a:off x="5875458" y="1303559"/>
-            <a:ext cx="410557" cy="410557"/>
-          </a:xfrm>
-          <a:prstGeom prst="mathPlus">
-            <a:avLst/>
-          </a:prstGeom>
-          <a:solidFill>
-            <a:srgbClr val="44546A"/>
-          </a:solidFill>
-          <a:ln>
-            <a:noFill/>
-          </a:ln>
-        </p:spPr>
-        <p:style>
-          <a:lnRef idx="2">
-            <a:schemeClr val="accent1">
-              <a:shade val="50000"/>
-            </a:schemeClr>
-          </a:lnRef>
-          <a:fillRef idx="1">
-            <a:schemeClr val="accent1"/>
-          </a:fillRef>
-          <a:effectRef idx="0">
-            <a:schemeClr val="accent1"/>
-          </a:effectRef>
-          <a:fontRef idx="minor">
-            <a:schemeClr val="lt1"/>
-          </a:fontRef>
-        </p:style>
-        <p:txBody>
-          <a:bodyPr rtlCol="0" anchor="ctr"/>
-          <a:lstStyle/>
-          <a:p>
-            <a:pPr algn="ctr"/>
-            <a:endParaRPr lang="zh-CN" altLang="en-US"/>
-          </a:p>
-        </p:txBody>
-      </p:sp>
-      <p:pic>
-        <p:nvPicPr>
-          <p:cNvPr id="2" name="图片 1"/>
-          <p:cNvPicPr>
-            <a:picLocks noChangeAspect="1"/>
-          </p:cNvPicPr>
-          <p:nvPr/>
-        </p:nvPicPr>
-        <p:blipFill>
-          <a:blip r:embed="rId1"/>
-          <a:stretch>
-            <a:fillRect/>
-          </a:stretch>
-        </p:blipFill>
-        <p:spPr>
-          <a:xfrm>
-            <a:off x="4462145" y="3199765"/>
-            <a:ext cx="3312795" cy="1597025"/>
-          </a:xfrm>
-          <a:prstGeom prst="rect">
-            <a:avLst/>
-          </a:prstGeom>
-        </p:spPr>
-      </p:pic>
     </p:spTree>
   </p:cSld>
   <p:clrMapOvr>
@@ -18119,14 +19783,14 @@
       </p:sp>
       <p:sp>
         <p:nvSpPr>
-          <p:cNvPr id="7" name="文本框 6"/>
+          <p:cNvPr id="10" name="文本框 9"/>
           <p:cNvSpPr txBox="1"/>
           <p:nvPr/>
         </p:nvSpPr>
         <p:spPr>
           <a:xfrm>
-            <a:off x="6034017" y="1883568"/>
-            <a:ext cx="5243370" cy="4198393"/>
+            <a:off x="4731048" y="432063"/>
+            <a:ext cx="2730761" cy="645160"/>
           </a:xfrm>
           <a:prstGeom prst="rect">
             <a:avLst/>
@@ -18139,275 +19803,6 @@
           </a:bodyPr>
           <a:lstStyle/>
           <a:p>
-            <a:pPr>
-              <a:lnSpc>
-                <a:spcPct val="150000"/>
-              </a:lnSpc>
-            </a:pPr>
-            <a:r>
-              <a:rPr lang="en-US" altLang="zh-CN" b="1" u="sng" dirty="0">
-                <a:solidFill>
-                  <a:srgbClr val="44546A"/>
-                </a:solidFill>
-                <a:latin typeface="微软雅黑" panose="020B0503020204020204" pitchFamily="34" charset="-122"/>
-                <a:ea typeface="微软雅黑" panose="020B0503020204020204" pitchFamily="34" charset="-122"/>
-              </a:rPr>
-              <a:t>1</a:t>
-            </a:r>
-            <a:r>
-              <a:rPr lang="zh-CN" altLang="en-US" b="1" u="sng" dirty="0">
-                <a:solidFill>
-                  <a:srgbClr val="44546A"/>
-                </a:solidFill>
-                <a:latin typeface="微软雅黑" panose="020B0503020204020204" pitchFamily="34" charset="-122"/>
-                <a:ea typeface="微软雅黑" panose="020B0503020204020204" pitchFamily="34" charset="-122"/>
-              </a:rPr>
-              <a:t>、多领域专业性填补：</a:t>
-            </a:r>
-            <a:endParaRPr lang="en-US" altLang="zh-CN" b="1" u="sng" dirty="0">
-              <a:solidFill>
-                <a:srgbClr val="44546A"/>
-              </a:solidFill>
-              <a:latin typeface="微软雅黑" panose="020B0503020204020204" pitchFamily="34" charset="-122"/>
-              <a:ea typeface="微软雅黑" panose="020B0503020204020204" pitchFamily="34" charset="-122"/>
-            </a:endParaRPr>
-          </a:p>
-          <a:p>
-            <a:pPr algn="l">
-              <a:lnSpc>
-                <a:spcPct val="150000"/>
-              </a:lnSpc>
-            </a:pPr>
-            <a:r>
-              <a:rPr lang="zh-CN" altLang="en-US" b="0" i="0" dirty="0">
-                <a:solidFill>
-                  <a:schemeClr val="accent1"/>
-                </a:solidFill>
-                <a:effectLst/>
-                <a:latin typeface="微软雅黑" panose="020B0503020204020204" pitchFamily="34" charset="-122"/>
-                <a:ea typeface="微软雅黑" panose="020B0503020204020204" pitchFamily="34" charset="-122"/>
-              </a:rPr>
-              <a:t>       成为一个</a:t>
-            </a:r>
-            <a:r>
-              <a:rPr lang="zh-CN" altLang="en-US" b="1" i="0" dirty="0">
-                <a:solidFill>
-                  <a:srgbClr val="44546A"/>
-                </a:solidFill>
-                <a:effectLst/>
-                <a:latin typeface="微软雅黑" panose="020B0503020204020204" pitchFamily="34" charset="-122"/>
-                <a:ea typeface="微软雅黑" panose="020B0503020204020204" pitchFamily="34" charset="-122"/>
-              </a:rPr>
-              <a:t>多领域、强专业性</a:t>
-            </a:r>
-            <a:r>
-              <a:rPr lang="zh-CN" altLang="en-US" b="0" i="0" dirty="0">
-                <a:solidFill>
-                  <a:schemeClr val="accent1"/>
-                </a:solidFill>
-                <a:effectLst/>
-                <a:latin typeface="微软雅黑" panose="020B0503020204020204" pitchFamily="34" charset="-122"/>
-                <a:ea typeface="微软雅黑" panose="020B0503020204020204" pitchFamily="34" charset="-122"/>
-              </a:rPr>
-              <a:t>的线上咨询平台，填补市场对这类平台的空白。</a:t>
-            </a:r>
-            <a:endParaRPr lang="en-US" altLang="zh-CN" b="0" i="0" dirty="0">
-              <a:solidFill>
-                <a:schemeClr val="accent1"/>
-              </a:solidFill>
-              <a:effectLst/>
-              <a:latin typeface="微软雅黑" panose="020B0503020204020204" pitchFamily="34" charset="-122"/>
-              <a:ea typeface="微软雅黑" panose="020B0503020204020204" pitchFamily="34" charset="-122"/>
-            </a:endParaRPr>
-          </a:p>
-          <a:p>
-            <a:pPr>
-              <a:lnSpc>
-                <a:spcPct val="150000"/>
-              </a:lnSpc>
-            </a:pPr>
-            <a:r>
-              <a:rPr lang="en-US" altLang="zh-CN" b="1" u="sng" dirty="0">
-                <a:solidFill>
-                  <a:srgbClr val="44546A"/>
-                </a:solidFill>
-                <a:latin typeface="微软雅黑" panose="020B0503020204020204" pitchFamily="34" charset="-122"/>
-                <a:ea typeface="微软雅黑" panose="020B0503020204020204" pitchFamily="34" charset="-122"/>
-              </a:rPr>
-              <a:t>2</a:t>
-            </a:r>
-            <a:r>
-              <a:rPr lang="zh-CN" altLang="en-US" b="1" u="sng" dirty="0">
-                <a:solidFill>
-                  <a:srgbClr val="44546A"/>
-                </a:solidFill>
-                <a:latin typeface="微软雅黑" panose="020B0503020204020204" pitchFamily="34" charset="-122"/>
-                <a:ea typeface="微软雅黑" panose="020B0503020204020204" pitchFamily="34" charset="-122"/>
-              </a:rPr>
-              <a:t>、优质咨询体验：</a:t>
-            </a:r>
-            <a:endParaRPr lang="zh-CN" altLang="en-US" b="1" u="sng" dirty="0">
-              <a:solidFill>
-                <a:srgbClr val="44546A"/>
-              </a:solidFill>
-              <a:latin typeface="微软雅黑" panose="020B0503020204020204" pitchFamily="34" charset="-122"/>
-              <a:ea typeface="微软雅黑" panose="020B0503020204020204" pitchFamily="34" charset="-122"/>
-            </a:endParaRPr>
-          </a:p>
-          <a:p>
-            <a:pPr algn="l">
-              <a:lnSpc>
-                <a:spcPct val="150000"/>
-              </a:lnSpc>
-            </a:pPr>
-            <a:r>
-              <a:rPr lang="zh-CN" altLang="en-US" b="0" i="0" dirty="0">
-                <a:solidFill>
-                  <a:schemeClr val="accent1"/>
-                </a:solidFill>
-                <a:effectLst/>
-                <a:latin typeface="微软雅黑" panose="020B0503020204020204" pitchFamily="34" charset="-122"/>
-                <a:ea typeface="微软雅黑" panose="020B0503020204020204" pitchFamily="34" charset="-122"/>
-              </a:rPr>
-              <a:t>      满足用户对专业性咨询的需求，持续优化和创新，提供更</a:t>
-            </a:r>
-            <a:r>
-              <a:rPr lang="zh-CN" altLang="en-US" b="1" i="0" dirty="0">
-                <a:solidFill>
-                  <a:srgbClr val="44546A"/>
-                </a:solidFill>
-                <a:effectLst/>
-                <a:latin typeface="微软雅黑" panose="020B0503020204020204" pitchFamily="34" charset="-122"/>
-                <a:ea typeface="微软雅黑" panose="020B0503020204020204" pitchFamily="34" charset="-122"/>
-              </a:rPr>
-              <a:t>优质的咨询体验</a:t>
-            </a:r>
-            <a:r>
-              <a:rPr lang="zh-CN" altLang="en-US" b="0" i="0" dirty="0">
-                <a:solidFill>
-                  <a:schemeClr val="accent1"/>
-                </a:solidFill>
-                <a:effectLst/>
-                <a:latin typeface="微软雅黑" panose="020B0503020204020204" pitchFamily="34" charset="-122"/>
-                <a:ea typeface="微软雅黑" panose="020B0503020204020204" pitchFamily="34" charset="-122"/>
-              </a:rPr>
-              <a:t>，成为用户信赖的知识分享平台之一。</a:t>
-            </a:r>
-            <a:endParaRPr lang="en-US" altLang="zh-CN" b="0" i="0" dirty="0">
-              <a:solidFill>
-                <a:schemeClr val="accent1"/>
-              </a:solidFill>
-              <a:effectLst/>
-              <a:latin typeface="微软雅黑" panose="020B0503020204020204" pitchFamily="34" charset="-122"/>
-              <a:ea typeface="微软雅黑" panose="020B0503020204020204" pitchFamily="34" charset="-122"/>
-            </a:endParaRPr>
-          </a:p>
-          <a:p>
-            <a:pPr>
-              <a:lnSpc>
-                <a:spcPct val="150000"/>
-              </a:lnSpc>
-            </a:pPr>
-            <a:r>
-              <a:rPr lang="en-US" altLang="zh-CN" b="1" u="sng" dirty="0">
-                <a:solidFill>
-                  <a:srgbClr val="44546A"/>
-                </a:solidFill>
-                <a:latin typeface="微软雅黑" panose="020B0503020204020204" pitchFamily="34" charset="-122"/>
-                <a:ea typeface="微软雅黑" panose="020B0503020204020204" pitchFamily="34" charset="-122"/>
-              </a:rPr>
-              <a:t>3</a:t>
-            </a:r>
-            <a:r>
-              <a:rPr lang="zh-CN" altLang="en-US" b="1" u="sng" dirty="0">
-                <a:solidFill>
-                  <a:srgbClr val="44546A"/>
-                </a:solidFill>
-                <a:latin typeface="微软雅黑" panose="020B0503020204020204" pitchFamily="34" charset="-122"/>
-                <a:ea typeface="微软雅黑" panose="020B0503020204020204" pitchFamily="34" charset="-122"/>
-              </a:rPr>
-              <a:t>、专家合作推广：</a:t>
-            </a:r>
-            <a:endParaRPr lang="zh-CN" altLang="en-US" b="1" u="sng" dirty="0">
-              <a:solidFill>
-                <a:srgbClr val="44546A"/>
-              </a:solidFill>
-              <a:latin typeface="微软雅黑" panose="020B0503020204020204" pitchFamily="34" charset="-122"/>
-              <a:ea typeface="微软雅黑" panose="020B0503020204020204" pitchFamily="34" charset="-122"/>
-            </a:endParaRPr>
-          </a:p>
-          <a:p>
-            <a:pPr algn="l">
-              <a:lnSpc>
-                <a:spcPct val="150000"/>
-              </a:lnSpc>
-            </a:pPr>
-            <a:r>
-              <a:rPr lang="zh-CN" altLang="en-US" b="0" i="0" dirty="0">
-                <a:solidFill>
-                  <a:schemeClr val="accent1"/>
-                </a:solidFill>
-                <a:effectLst/>
-                <a:latin typeface="微软雅黑" panose="020B0503020204020204" pitchFamily="34" charset="-122"/>
-                <a:ea typeface="微软雅黑" panose="020B0503020204020204" pitchFamily="34" charset="-122"/>
-              </a:rPr>
-              <a:t>       与专业领域的专家和机构建立</a:t>
-            </a:r>
-            <a:r>
-              <a:rPr lang="zh-CN" altLang="en-US" b="1" i="0" dirty="0">
-                <a:solidFill>
-                  <a:srgbClr val="44546A"/>
-                </a:solidFill>
-                <a:effectLst/>
-                <a:latin typeface="微软雅黑" panose="020B0503020204020204" pitchFamily="34" charset="-122"/>
-                <a:ea typeface="微软雅黑" panose="020B0503020204020204" pitchFamily="34" charset="-122"/>
-              </a:rPr>
-              <a:t>合作关系</a:t>
-            </a:r>
-            <a:r>
-              <a:rPr lang="zh-CN" altLang="en-US" b="0" i="0" dirty="0">
-                <a:solidFill>
-                  <a:schemeClr val="accent1"/>
-                </a:solidFill>
-                <a:effectLst/>
-                <a:latin typeface="微软雅黑" panose="020B0503020204020204" pitchFamily="34" charset="-122"/>
-                <a:ea typeface="微软雅黑" panose="020B0503020204020204" pitchFamily="34" charset="-122"/>
-              </a:rPr>
-              <a:t>，共同推进知识的传播和分享。</a:t>
-            </a:r>
-            <a:endParaRPr lang="zh-CN" altLang="en-US" b="0" i="0" dirty="0">
-              <a:solidFill>
-                <a:schemeClr val="accent1"/>
-              </a:solidFill>
-              <a:effectLst/>
-              <a:latin typeface="微软雅黑" panose="020B0503020204020204" pitchFamily="34" charset="-122"/>
-              <a:ea typeface="微软雅黑" panose="020B0503020204020204" pitchFamily="34" charset="-122"/>
-            </a:endParaRPr>
-          </a:p>
-        </p:txBody>
-      </p:sp>
-      <p:sp>
-        <p:nvSpPr>
-          <p:cNvPr id="12" name="文本框 11"/>
-          <p:cNvSpPr txBox="1"/>
-          <p:nvPr/>
-        </p:nvSpPr>
-        <p:spPr>
-          <a:xfrm>
-            <a:off x="7209452" y="978322"/>
-            <a:ext cx="2730761" cy="646331"/>
-          </a:xfrm>
-          <a:prstGeom prst="rect">
-            <a:avLst/>
-          </a:prstGeom>
-          <a:noFill/>
-        </p:spPr>
-        <p:txBody>
-          <a:bodyPr wrap="square">
-            <a:spAutoFit/>
-          </a:bodyPr>
-          <a:lstStyle/>
-          <a:p>
             <a:pPr algn="ctr"/>
             <a:r>
               <a:rPr lang="zh-CN" altLang="en-US" sz="3600" b="1" dirty="0">
@@ -18420,7 +19815,7 @@
                 <a:latin typeface="微软雅黑" panose="020B0503020204020204" pitchFamily="34" charset="-122"/>
                 <a:ea typeface="微软雅黑" panose="020B0503020204020204" pitchFamily="34" charset="-122"/>
               </a:rPr>
-              <a:t>产品目标</a:t>
+              <a:t>技术栈更新</a:t>
             </a:r>
             <a:endParaRPr lang="zh-CN" altLang="en-US" sz="3600" b="1" dirty="0">
               <a:solidFill>
@@ -18435,87 +19830,9 @@
           </a:p>
         </p:txBody>
       </p:sp>
-      <p:cxnSp>
-        <p:nvCxnSpPr>
-          <p:cNvPr id="13" name="直接连接符 12"/>
-          <p:cNvCxnSpPr/>
-          <p:nvPr/>
-        </p:nvCxnSpPr>
-        <p:spPr>
-          <a:xfrm>
-            <a:off x="6854894" y="1674151"/>
-            <a:ext cx="3601616" cy="0"/>
-          </a:xfrm>
-          <a:prstGeom prst="line">
-            <a:avLst/>
-          </a:prstGeom>
-          <a:ln w="28575">
-            <a:solidFill>
-              <a:srgbClr val="9DC3E6"/>
-            </a:solidFill>
-          </a:ln>
-        </p:spPr>
-        <p:style>
-          <a:lnRef idx="1">
-            <a:schemeClr val="accent1"/>
-          </a:lnRef>
-          <a:fillRef idx="0">
-            <a:schemeClr val="accent1"/>
-          </a:fillRef>
-          <a:effectRef idx="0">
-            <a:schemeClr val="accent1"/>
-          </a:effectRef>
-          <a:fontRef idx="minor">
-            <a:schemeClr val="tx1"/>
-          </a:fontRef>
-        </p:style>
-      </p:cxnSp>
-      <p:sp>
-        <p:nvSpPr>
-          <p:cNvPr id="14" name="文本框 13"/>
-          <p:cNvSpPr txBox="1"/>
-          <p:nvPr/>
-        </p:nvSpPr>
-        <p:spPr>
-          <a:xfrm>
-            <a:off x="1968632" y="5514655"/>
-            <a:ext cx="1904474" cy="369332"/>
-          </a:xfrm>
-          <a:prstGeom prst="rect">
-            <a:avLst/>
-          </a:prstGeom>
-          <a:noFill/>
-        </p:spPr>
-        <p:txBody>
-          <a:bodyPr wrap="square" rtlCol="0">
-            <a:spAutoFit/>
-          </a:bodyPr>
-          <a:lstStyle/>
-          <a:p>
-            <a:pPr algn="ctr"/>
-            <a:r>
-              <a:rPr lang="zh-CN" altLang="en-US" b="1" dirty="0">
-                <a:solidFill>
-                  <a:srgbClr val="44546A"/>
-                </a:solidFill>
-                <a:latin typeface="微软雅黑" panose="020B0503020204020204" pitchFamily="34" charset="-122"/>
-                <a:ea typeface="微软雅黑" panose="020B0503020204020204" pitchFamily="34" charset="-122"/>
-              </a:rPr>
-              <a:t>产品界面展示</a:t>
-            </a:r>
-            <a:endParaRPr lang="zh-CN" altLang="en-US" b="1" dirty="0">
-              <a:solidFill>
-                <a:srgbClr val="44546A"/>
-              </a:solidFill>
-              <a:latin typeface="微软雅黑" panose="020B0503020204020204" pitchFamily="34" charset="-122"/>
-              <a:ea typeface="微软雅黑" panose="020B0503020204020204" pitchFamily="34" charset="-122"/>
-            </a:endParaRPr>
-          </a:p>
-        </p:txBody>
-      </p:sp>
       <p:pic>
         <p:nvPicPr>
-          <p:cNvPr id="16" name="图片 15"/>
+          <p:cNvPr id="14" name="图片 13"/>
           <p:cNvPicPr>
             <a:picLocks noChangeAspect="1"/>
           </p:cNvPicPr>
@@ -18529,86 +19846,56 @@
         </p:blipFill>
         <p:spPr>
           <a:xfrm>
-            <a:off x="907415" y="1569085"/>
-            <a:ext cx="2965450" cy="1934210"/>
+            <a:off x="1551940" y="1219835"/>
+            <a:ext cx="9087485" cy="4407535"/>
           </a:xfrm>
           <a:prstGeom prst="rect">
             <a:avLst/>
           </a:prstGeom>
         </p:spPr>
       </p:pic>
-      <p:pic>
-        <p:nvPicPr>
-          <p:cNvPr id="15" name="图片 14"/>
-          <p:cNvPicPr>
-            <a:picLocks noChangeAspect="1"/>
-          </p:cNvPicPr>
+      <p:sp>
+        <p:nvSpPr>
+          <p:cNvPr id="18" name="文本框 17"/>
+          <p:cNvSpPr txBox="1"/>
           <p:nvPr/>
-        </p:nvPicPr>
-        <p:blipFill>
-          <a:blip r:embed="rId2"/>
-          <a:stretch>
-            <a:fillRect/>
-          </a:stretch>
-        </p:blipFill>
+        </p:nvSpPr>
         <p:spPr>
           <a:xfrm>
-            <a:off x="1431290" y="2223770"/>
-            <a:ext cx="2978785" cy="1934210"/>
+            <a:off x="3808730" y="5713730"/>
+            <a:ext cx="4618355" cy="368300"/>
           </a:xfrm>
           <a:prstGeom prst="rect">
             <a:avLst/>
           </a:prstGeom>
+          <a:noFill/>
         </p:spPr>
-      </p:pic>
-      <p:pic>
-        <p:nvPicPr>
-          <p:cNvPr id="3" name="图片 2"/>
-          <p:cNvPicPr>
-            <a:picLocks noChangeAspect="1"/>
-          </p:cNvPicPr>
-          <p:nvPr/>
-        </p:nvPicPr>
-        <p:blipFill>
-          <a:blip r:embed="rId3"/>
-          <a:stretch>
-            <a:fillRect/>
-          </a:stretch>
-        </p:blipFill>
-        <p:spPr>
-          <a:xfrm>
-            <a:off x="2068830" y="2800985"/>
-            <a:ext cx="2956560" cy="1925955"/>
-          </a:xfrm>
-          <a:prstGeom prst="rect">
-            <a:avLst/>
-          </a:prstGeom>
-        </p:spPr>
-      </p:pic>
-      <p:pic>
-        <p:nvPicPr>
-          <p:cNvPr id="2" name="图片 1"/>
-          <p:cNvPicPr>
-            <a:picLocks noChangeAspect="1"/>
-          </p:cNvPicPr>
-          <p:nvPr/>
-        </p:nvPicPr>
-        <p:blipFill>
-          <a:blip r:embed="rId4"/>
-          <a:stretch>
-            <a:fillRect/>
-          </a:stretch>
-        </p:blipFill>
-        <p:spPr>
-          <a:xfrm>
-            <a:off x="2837815" y="3415665"/>
-            <a:ext cx="2955925" cy="1940560"/>
-          </a:xfrm>
-          <a:prstGeom prst="rect">
-            <a:avLst/>
-          </a:prstGeom>
-        </p:spPr>
-      </p:pic>
+        <p:txBody>
+          <a:bodyPr wrap="square" rtlCol="0">
+            <a:spAutoFit/>
+          </a:bodyPr>
+          <a:p>
+            <a:pPr algn="ctr"/>
+            <a:r>
+              <a:rPr lang="zh-CN" altLang="en-US" b="1" dirty="0">
+                <a:solidFill>
+                  <a:srgbClr val="44546A"/>
+                </a:solidFill>
+                <a:latin typeface="微软雅黑" panose="020B0503020204020204" pitchFamily="34" charset="-122"/>
+                <a:ea typeface="微软雅黑" panose="020B0503020204020204" pitchFamily="34" charset="-122"/>
+              </a:rPr>
+              <a:t>利用新技术栈初步制作的静态界面</a:t>
+            </a:r>
+            <a:endParaRPr lang="zh-CN" altLang="en-US" b="1" dirty="0">
+              <a:solidFill>
+                <a:srgbClr val="44546A"/>
+              </a:solidFill>
+              <a:latin typeface="微软雅黑" panose="020B0503020204020204" pitchFamily="34" charset="-122"/>
+              <a:ea typeface="微软雅黑" panose="020B0503020204020204" pitchFamily="34" charset="-122"/>
+            </a:endParaRPr>
+          </a:p>
+        </p:txBody>
+      </p:sp>
     </p:spTree>
   </p:cSld>
   <p:clrMapOvr>
@@ -18789,7 +20076,7 @@
         </p:nvSpPr>
         <p:spPr>
           <a:xfrm>
-            <a:off x="3048000" y="3105834"/>
+            <a:off x="2777412" y="3112950"/>
             <a:ext cx="6096000" cy="646331"/>
           </a:xfrm>
           <a:prstGeom prst="rect">
@@ -18815,7 +20102,7 @@
                 <a:latin typeface="微软雅黑" panose="020B0503020204020204" pitchFamily="34" charset="-122"/>
                 <a:ea typeface="微软雅黑" panose="020B0503020204020204" pitchFamily="34" charset="-122"/>
               </a:rPr>
-              <a:t>三、软件功能特性</a:t>
+              <a:t>二、软件价值分析</a:t>
             </a:r>
             <a:endParaRPr lang="zh-CN" altLang="en-US" sz="3600" b="1" dirty="0">
               <a:solidFill>
@@ -19004,14 +20291,14 @@
       </p:sp>
       <p:sp>
         <p:nvSpPr>
-          <p:cNvPr id="8" name="文本框 7"/>
+          <p:cNvPr id="7" name="文本框 6"/>
           <p:cNvSpPr txBox="1"/>
           <p:nvPr/>
         </p:nvSpPr>
         <p:spPr>
           <a:xfrm>
-            <a:off x="5359533" y="1840532"/>
-            <a:ext cx="6096000" cy="3782895"/>
+            <a:off x="723286" y="1957083"/>
+            <a:ext cx="3729417" cy="4198393"/>
           </a:xfrm>
           <a:prstGeom prst="rect">
             <a:avLst/>
@@ -19049,7 +20336,7 @@
                 <a:latin typeface="微软雅黑" panose="020B0503020204020204" pitchFamily="34" charset="-122"/>
                 <a:ea typeface="微软雅黑" panose="020B0503020204020204" pitchFamily="34" charset="-122"/>
               </a:rPr>
-              <a:t>、提供专业咨询服务：</a:t>
+              <a:t>、信赖度问题：</a:t>
             </a:r>
             <a:endParaRPr lang="en-US" altLang="zh-CN" b="1" i="0" u="sng" dirty="0">
               <a:solidFill>
@@ -19075,7 +20362,7 @@
                 <a:latin typeface="微软雅黑" panose="020B0503020204020204" pitchFamily="34" charset="-122"/>
                 <a:ea typeface="微软雅黑" panose="020B0503020204020204" pitchFamily="34" charset="-122"/>
               </a:rPr>
-              <a:t>       平台上认证的专家可提供</a:t>
+              <a:t>       缺乏可</a:t>
             </a:r>
             <a:r>
               <a:rPr lang="zh-CN" altLang="en-US" b="1" i="0" dirty="0">
@@ -19086,7 +20373,7 @@
                 <a:latin typeface="微软雅黑" panose="020B0503020204020204" pitchFamily="34" charset="-122"/>
                 <a:ea typeface="微软雅黑" panose="020B0503020204020204" pitchFamily="34" charset="-122"/>
               </a:rPr>
-              <a:t>可靠的收费咨询</a:t>
+              <a:t>信赖</a:t>
             </a:r>
             <a:r>
               <a:rPr lang="zh-CN" altLang="en-US" b="0" i="0" dirty="0">
@@ -19097,7 +20384,7 @@
                 <a:latin typeface="微软雅黑" panose="020B0503020204020204" pitchFamily="34" charset="-122"/>
                 <a:ea typeface="微软雅黑" panose="020B0503020204020204" pitchFamily="34" charset="-122"/>
               </a:rPr>
-              <a:t>，满足用户在多领域的需求。</a:t>
+              <a:t>的在线咨询平台，难以找到合适的专业人士解决问题。</a:t>
             </a:r>
             <a:endParaRPr lang="zh-CN" altLang="en-US" b="0" i="0" dirty="0">
               <a:solidFill>
@@ -19134,7 +20421,7 @@
                 <a:latin typeface="微软雅黑" panose="020B0503020204020204" pitchFamily="34" charset="-122"/>
                 <a:ea typeface="微软雅黑" panose="020B0503020204020204" pitchFamily="34" charset="-122"/>
               </a:rPr>
-              <a:t>、便于用户交流：</a:t>
+              <a:t>、专业背景问题：</a:t>
             </a:r>
             <a:endParaRPr lang="en-US" altLang="zh-CN" b="1" i="0" u="sng" dirty="0">
               <a:solidFill>
@@ -19160,7 +20447,7 @@
                 <a:latin typeface="微软雅黑" panose="020B0503020204020204" pitchFamily="34" charset="-122"/>
                 <a:ea typeface="微软雅黑" panose="020B0503020204020204" pitchFamily="34" charset="-122"/>
               </a:rPr>
-              <a:t>       平台提供</a:t>
+              <a:t>       对于一些特定领域的问题，很难找到可靠的、具有</a:t>
             </a:r>
             <a:r>
               <a:rPr lang="zh-CN" altLang="en-US" b="1" i="0" dirty="0">
@@ -19171,7 +20458,7 @@
                 <a:latin typeface="微软雅黑" panose="020B0503020204020204" pitchFamily="34" charset="-122"/>
                 <a:ea typeface="微软雅黑" panose="020B0503020204020204" pitchFamily="34" charset="-122"/>
               </a:rPr>
-              <a:t>动态功能和私信</a:t>
+              <a:t>专业背景</a:t>
             </a:r>
             <a:r>
               <a:rPr lang="zh-CN" altLang="en-US" b="0" i="0" dirty="0">
@@ -19182,7 +20469,7 @@
                 <a:latin typeface="微软雅黑" panose="020B0503020204020204" pitchFamily="34" charset="-122"/>
                 <a:ea typeface="微软雅黑" panose="020B0503020204020204" pitchFamily="34" charset="-122"/>
               </a:rPr>
-              <a:t>交流功能，方便用户之间进行互动和一对一交流。</a:t>
+              <a:t>的专家进行咨询。</a:t>
             </a:r>
             <a:endParaRPr lang="zh-CN" altLang="en-US" b="0" i="0" dirty="0">
               <a:solidFill>
@@ -19200,7 +20487,17 @@
               </a:lnSpc>
             </a:pPr>
             <a:r>
-              <a:rPr lang="en-US" altLang="zh-CN" b="1" i="0" u="sng" dirty="0">
+              <a:rPr lang="en-US" altLang="zh-CN" b="1" u="sng" dirty="0">
+                <a:solidFill>
+                  <a:srgbClr val="44546A"/>
+                </a:solidFill>
+                <a:latin typeface="微软雅黑" panose="020B0503020204020204" pitchFamily="34" charset="-122"/>
+                <a:ea typeface="微软雅黑" panose="020B0503020204020204" pitchFamily="34" charset="-122"/>
+              </a:rPr>
+              <a:t>3</a:t>
+            </a:r>
+            <a:r>
+              <a:rPr lang="zh-CN" altLang="en-US" b="1" i="0" u="sng" dirty="0">
                 <a:solidFill>
                   <a:srgbClr val="44546A"/>
                 </a:solidFill>
@@ -19208,18 +20505,7 @@
                 <a:latin typeface="微软雅黑" panose="020B0503020204020204" pitchFamily="34" charset="-122"/>
                 <a:ea typeface="微软雅黑" panose="020B0503020204020204" pitchFamily="34" charset="-122"/>
               </a:rPr>
-              <a:t>3</a:t>
-            </a:r>
-            <a:r>
-              <a:rPr lang="zh-CN" altLang="en-US" b="1" i="0" u="sng" dirty="0">
-                <a:solidFill>
-                  <a:srgbClr val="44546A"/>
-                </a:solidFill>
-                <a:effectLst/>
-                <a:latin typeface="微软雅黑" panose="020B0503020204020204" pitchFamily="34" charset="-122"/>
-                <a:ea typeface="微软雅黑" panose="020B0503020204020204" pitchFamily="34" charset="-122"/>
-              </a:rPr>
-              <a:t>、专家知识传播：</a:t>
+              <a:t>、真实性问题：</a:t>
             </a:r>
             <a:endParaRPr lang="en-US" altLang="zh-CN" b="1" i="0" u="sng" dirty="0">
               <a:solidFill>
@@ -19245,7 +20531,7 @@
                 <a:latin typeface="微软雅黑" panose="020B0503020204020204" pitchFamily="34" charset="-122"/>
                 <a:ea typeface="微软雅黑" panose="020B0503020204020204" pitchFamily="34" charset="-122"/>
               </a:rPr>
-              <a:t>       专家可以通过发布动态在平台上</a:t>
+              <a:t>       难以分辨社交网络上获取信息的</a:t>
             </a:r>
             <a:r>
               <a:rPr lang="zh-CN" altLang="en-US" b="1" i="0" dirty="0">
@@ -19256,7 +20542,7 @@
                 <a:latin typeface="微软雅黑" panose="020B0503020204020204" pitchFamily="34" charset="-122"/>
                 <a:ea typeface="微软雅黑" panose="020B0503020204020204" pitchFamily="34" charset="-122"/>
               </a:rPr>
-              <a:t>传播专业知识</a:t>
+              <a:t>真实性</a:t>
             </a:r>
             <a:r>
               <a:rPr lang="zh-CN" altLang="en-US" b="0" i="0" dirty="0">
@@ -19267,9 +20553,278 @@
                 <a:latin typeface="微软雅黑" panose="020B0503020204020204" pitchFamily="34" charset="-122"/>
                 <a:ea typeface="微软雅黑" panose="020B0503020204020204" pitchFamily="34" charset="-122"/>
               </a:rPr>
-              <a:t>，并以专家标识进行展示。</a:t>
+              <a:t>和可信度。</a:t>
+            </a:r>
+            <a:endParaRPr lang="zh-CN" altLang="en-US" b="0" i="0" dirty="0">
+              <a:solidFill>
+                <a:schemeClr val="accent1"/>
+              </a:solidFill>
+              <a:effectLst/>
+              <a:latin typeface="微软雅黑" panose="020B0503020204020204" pitchFamily="34" charset="-122"/>
+              <a:ea typeface="微软雅黑" panose="020B0503020204020204" pitchFamily="34" charset="-122"/>
+            </a:endParaRPr>
+          </a:p>
+        </p:txBody>
+      </p:sp>
+      <p:sp>
+        <p:nvSpPr>
+          <p:cNvPr id="8" name="文本框 7"/>
+          <p:cNvSpPr txBox="1"/>
+          <p:nvPr/>
+        </p:nvSpPr>
+        <p:spPr>
+          <a:xfrm>
+            <a:off x="7923936" y="2202813"/>
+            <a:ext cx="3906712" cy="3782895"/>
+          </a:xfrm>
+          <a:prstGeom prst="rect">
+            <a:avLst/>
+          </a:prstGeom>
+          <a:noFill/>
+        </p:spPr>
+        <p:txBody>
+          <a:bodyPr wrap="square">
+            <a:spAutoFit/>
+          </a:bodyPr>
+          <a:lstStyle/>
+          <a:p>
+            <a:pPr>
+              <a:lnSpc>
+                <a:spcPct val="150000"/>
+              </a:lnSpc>
+            </a:pPr>
+            <a:r>
+              <a:rPr lang="en-US" altLang="zh-CN" b="1" u="sng" dirty="0">
+                <a:solidFill>
+                  <a:srgbClr val="44546A"/>
+                </a:solidFill>
+                <a:latin typeface="微软雅黑" panose="020B0503020204020204" pitchFamily="34" charset="-122"/>
+                <a:ea typeface="微软雅黑" panose="020B0503020204020204" pitchFamily="34" charset="-122"/>
+              </a:rPr>
+              <a:t>1</a:t>
+            </a:r>
+            <a:r>
+              <a:rPr lang="zh-CN" altLang="en-US" b="1" u="sng" dirty="0">
+                <a:solidFill>
+                  <a:srgbClr val="44546A"/>
+                </a:solidFill>
+                <a:latin typeface="微软雅黑" panose="020B0503020204020204" pitchFamily="34" charset="-122"/>
+                <a:ea typeface="微软雅黑" panose="020B0503020204020204" pitchFamily="34" charset="-122"/>
+              </a:rPr>
+              <a:t>、专业知识分享：</a:t>
+            </a:r>
+            <a:endParaRPr lang="en-US" altLang="zh-CN" b="1" u="sng" dirty="0">
+              <a:solidFill>
+                <a:srgbClr val="44546A"/>
+              </a:solidFill>
+              <a:latin typeface="微软雅黑" panose="020B0503020204020204" pitchFamily="34" charset="-122"/>
+              <a:ea typeface="微软雅黑" panose="020B0503020204020204" pitchFamily="34" charset="-122"/>
+            </a:endParaRPr>
+          </a:p>
+          <a:p>
+            <a:pPr>
+              <a:lnSpc>
+                <a:spcPct val="150000"/>
+              </a:lnSpc>
+            </a:pPr>
+            <a:r>
+              <a:rPr lang="zh-CN" altLang="en-US" b="0" i="0" dirty="0">
+                <a:solidFill>
+                  <a:schemeClr val="accent1"/>
+                </a:solidFill>
+                <a:effectLst/>
+                <a:latin typeface="微软雅黑" panose="020B0503020204020204" pitchFamily="34" charset="-122"/>
+                <a:ea typeface="微软雅黑" panose="020B0503020204020204" pitchFamily="34" charset="-122"/>
+              </a:rPr>
+              <a:t>       缺乏一个</a:t>
+            </a:r>
+            <a:r>
+              <a:rPr lang="zh-CN" altLang="en-US" b="1" i="0" dirty="0">
+                <a:solidFill>
+                  <a:srgbClr val="44546A"/>
+                </a:solidFill>
+                <a:effectLst/>
+                <a:latin typeface="微软雅黑" panose="020B0503020204020204" pitchFamily="34" charset="-122"/>
+                <a:ea typeface="微软雅黑" panose="020B0503020204020204" pitchFamily="34" charset="-122"/>
+              </a:rPr>
+              <a:t>专业、可靠的平台</a:t>
+            </a:r>
+            <a:r>
+              <a:rPr lang="zh-CN" altLang="en-US" b="0" i="0" dirty="0">
+                <a:solidFill>
+                  <a:schemeClr val="accent1"/>
+                </a:solidFill>
+                <a:effectLst/>
+                <a:latin typeface="微软雅黑" panose="020B0503020204020204" pitchFamily="34" charset="-122"/>
+                <a:ea typeface="微软雅黑" panose="020B0503020204020204" pitchFamily="34" charset="-122"/>
+              </a:rPr>
+              <a:t>来分享自己的专业知识和技能。</a:t>
+            </a:r>
+            <a:endParaRPr lang="zh-CN" altLang="en-US" b="0" i="0" dirty="0">
+              <a:solidFill>
+                <a:schemeClr val="accent1"/>
+              </a:solidFill>
+              <a:effectLst/>
+              <a:latin typeface="微软雅黑" panose="020B0503020204020204" pitchFamily="34" charset="-122"/>
+              <a:ea typeface="微软雅黑" panose="020B0503020204020204" pitchFamily="34" charset="-122"/>
+            </a:endParaRPr>
+          </a:p>
+          <a:p>
+            <a:pPr>
+              <a:lnSpc>
+                <a:spcPct val="150000"/>
+              </a:lnSpc>
+            </a:pPr>
+            <a:r>
+              <a:rPr lang="en-US" altLang="zh-CN" b="1" u="sng" dirty="0">
+                <a:solidFill>
+                  <a:srgbClr val="44546A"/>
+                </a:solidFill>
+                <a:latin typeface="微软雅黑" panose="020B0503020204020204" pitchFamily="34" charset="-122"/>
+                <a:ea typeface="微软雅黑" panose="020B0503020204020204" pitchFamily="34" charset="-122"/>
+              </a:rPr>
+              <a:t>2</a:t>
+            </a:r>
+            <a:r>
+              <a:rPr lang="zh-CN" altLang="en-US" b="1" u="sng" dirty="0">
+                <a:solidFill>
+                  <a:srgbClr val="44546A"/>
+                </a:solidFill>
+                <a:latin typeface="微软雅黑" panose="020B0503020204020204" pitchFamily="34" charset="-122"/>
+                <a:ea typeface="微软雅黑" panose="020B0503020204020204" pitchFamily="34" charset="-122"/>
+              </a:rPr>
+              <a:t>、品牌建设困难：</a:t>
+            </a:r>
+            <a:endParaRPr lang="zh-CN" altLang="en-US" b="1" u="sng" dirty="0">
+              <a:solidFill>
+                <a:srgbClr val="44546A"/>
+              </a:solidFill>
+              <a:latin typeface="微软雅黑" panose="020B0503020204020204" pitchFamily="34" charset="-122"/>
+              <a:ea typeface="微软雅黑" panose="020B0503020204020204" pitchFamily="34" charset="-122"/>
+            </a:endParaRPr>
+          </a:p>
+          <a:p>
+            <a:pPr algn="l">
+              <a:lnSpc>
+                <a:spcPct val="150000"/>
+              </a:lnSpc>
+            </a:pPr>
+            <a:r>
+              <a:rPr lang="zh-CN" altLang="en-US" b="0" i="0" dirty="0">
+                <a:solidFill>
+                  <a:schemeClr val="accent1"/>
+                </a:solidFill>
+                <a:effectLst/>
+                <a:latin typeface="微软雅黑" panose="020B0503020204020204" pitchFamily="34" charset="-122"/>
+                <a:ea typeface="微软雅黑" panose="020B0503020204020204" pitchFamily="34" charset="-122"/>
+              </a:rPr>
+              <a:t>       难以建立个人</a:t>
+            </a:r>
+            <a:r>
+              <a:rPr lang="zh-CN" altLang="en-US" b="1" i="0" dirty="0">
+                <a:solidFill>
+                  <a:srgbClr val="44546A"/>
+                </a:solidFill>
+                <a:effectLst/>
+                <a:latin typeface="微软雅黑" panose="020B0503020204020204" pitchFamily="34" charset="-122"/>
+                <a:ea typeface="微软雅黑" panose="020B0503020204020204" pitchFamily="34" charset="-122"/>
+              </a:rPr>
+              <a:t>品牌和专业形象</a:t>
+            </a:r>
+            <a:r>
+              <a:rPr lang="zh-CN" altLang="en-US" b="0" i="0" dirty="0">
+                <a:solidFill>
+                  <a:schemeClr val="accent1"/>
+                </a:solidFill>
+                <a:effectLst/>
+                <a:latin typeface="微软雅黑" panose="020B0503020204020204" pitchFamily="34" charset="-122"/>
+                <a:ea typeface="微软雅黑" panose="020B0503020204020204" pitchFamily="34" charset="-122"/>
+              </a:rPr>
+              <a:t>，缺乏有效的展示和推广渠道。</a:t>
             </a:r>
             <a:endParaRPr lang="en-US" altLang="zh-CN" b="0" i="0" dirty="0">
+              <a:solidFill>
+                <a:schemeClr val="accent1"/>
+              </a:solidFill>
+              <a:effectLst/>
+              <a:latin typeface="微软雅黑" panose="020B0503020204020204" pitchFamily="34" charset="-122"/>
+              <a:ea typeface="微软雅黑" panose="020B0503020204020204" pitchFamily="34" charset="-122"/>
+            </a:endParaRPr>
+          </a:p>
+          <a:p>
+            <a:pPr>
+              <a:lnSpc>
+                <a:spcPct val="150000"/>
+              </a:lnSpc>
+            </a:pPr>
+            <a:r>
+              <a:rPr lang="en-US" altLang="zh-CN" b="1" u="sng" dirty="0">
+                <a:solidFill>
+                  <a:srgbClr val="44546A"/>
+                </a:solidFill>
+                <a:latin typeface="微软雅黑" panose="020B0503020204020204" pitchFamily="34" charset="-122"/>
+                <a:ea typeface="微软雅黑" panose="020B0503020204020204" pitchFamily="34" charset="-122"/>
+              </a:rPr>
+              <a:t>3</a:t>
+            </a:r>
+            <a:r>
+              <a:rPr lang="zh-CN" altLang="en-US" b="1" u="sng" dirty="0">
+                <a:solidFill>
+                  <a:srgbClr val="44546A"/>
+                </a:solidFill>
+                <a:latin typeface="微软雅黑" panose="020B0503020204020204" pitchFamily="34" charset="-122"/>
+                <a:ea typeface="微软雅黑" panose="020B0503020204020204" pitchFamily="34" charset="-122"/>
+              </a:rPr>
+              <a:t>、信息噪音问题：</a:t>
+            </a:r>
+            <a:endParaRPr lang="zh-CN" altLang="en-US" b="1" u="sng" dirty="0">
+              <a:solidFill>
+                <a:srgbClr val="44546A"/>
+              </a:solidFill>
+              <a:latin typeface="微软雅黑" panose="020B0503020204020204" pitchFamily="34" charset="-122"/>
+              <a:ea typeface="微软雅黑" panose="020B0503020204020204" pitchFamily="34" charset="-122"/>
+            </a:endParaRPr>
+          </a:p>
+          <a:p>
+            <a:pPr algn="l">
+              <a:lnSpc>
+                <a:spcPct val="150000"/>
+              </a:lnSpc>
+            </a:pPr>
+            <a:r>
+              <a:rPr lang="zh-CN" altLang="en-US" b="0" i="0" dirty="0">
+                <a:solidFill>
+                  <a:schemeClr val="accent1"/>
+                </a:solidFill>
+                <a:effectLst/>
+                <a:latin typeface="微软雅黑" panose="020B0503020204020204" pitchFamily="34" charset="-122"/>
+                <a:ea typeface="微软雅黑" panose="020B0503020204020204" pitchFamily="34" charset="-122"/>
+              </a:rPr>
+              <a:t>       互联网上存在</a:t>
+            </a:r>
+            <a:r>
+              <a:rPr lang="zh-CN" altLang="en-US" b="1" i="0" dirty="0">
+                <a:solidFill>
+                  <a:srgbClr val="44546A"/>
+                </a:solidFill>
+                <a:effectLst/>
+                <a:latin typeface="微软雅黑" panose="020B0503020204020204" pitchFamily="34" charset="-122"/>
+                <a:ea typeface="微软雅黑" panose="020B0503020204020204" pitchFamily="34" charset="-122"/>
+              </a:rPr>
+              <a:t>信息噪音</a:t>
+            </a:r>
+            <a:r>
+              <a:rPr lang="zh-CN" altLang="en-US" b="0" i="0" dirty="0">
+                <a:solidFill>
+                  <a:schemeClr val="accent1"/>
+                </a:solidFill>
+                <a:effectLst/>
+                <a:latin typeface="微软雅黑" panose="020B0503020204020204" pitchFamily="34" charset="-122"/>
+                <a:ea typeface="微软雅黑" panose="020B0503020204020204" pitchFamily="34" charset="-122"/>
+              </a:rPr>
+              <a:t>过大的问题，难以凸显个人专业性。</a:t>
+            </a:r>
+            <a:endParaRPr lang="zh-CN" altLang="en-US" b="0" i="0" dirty="0">
               <a:solidFill>
                 <a:schemeClr val="accent1"/>
               </a:solidFill>
@@ -19288,7 +20843,7 @@
         </p:nvSpPr>
         <p:spPr>
           <a:xfrm>
-            <a:off x="7197012" y="860936"/>
+            <a:off x="1723053" y="1131198"/>
             <a:ext cx="2730761" cy="646331"/>
           </a:xfrm>
           <a:prstGeom prst="rect">
@@ -19314,7 +20869,7 @@
                 <a:latin typeface="微软雅黑" panose="020B0503020204020204" pitchFamily="34" charset="-122"/>
                 <a:ea typeface="微软雅黑" panose="020B0503020204020204" pitchFamily="34" charset="-122"/>
               </a:rPr>
-              <a:t>基本功能</a:t>
+              <a:t>用户痛点</a:t>
             </a:r>
             <a:endParaRPr lang="zh-CN" altLang="en-US" sz="3600" b="1" dirty="0">
               <a:solidFill>
@@ -19337,7 +20892,7 @@
         </p:nvCxnSpPr>
         <p:spPr>
           <a:xfrm>
-            <a:off x="6842454" y="1556765"/>
+            <a:off x="1331169" y="1884934"/>
             <a:ext cx="3601616" cy="0"/>
           </a:xfrm>
           <a:prstGeom prst="line">
@@ -19372,7 +20927,91 @@
         </p:nvSpPr>
         <p:spPr>
           <a:xfrm>
-            <a:off x="1819342" y="5017022"/>
+            <a:off x="7651106" y="1131198"/>
+            <a:ext cx="2730761" cy="646331"/>
+          </a:xfrm>
+          <a:prstGeom prst="rect">
+            <a:avLst/>
+          </a:prstGeom>
+          <a:noFill/>
+        </p:spPr>
+        <p:txBody>
+          <a:bodyPr wrap="square">
+            <a:spAutoFit/>
+          </a:bodyPr>
+          <a:lstStyle/>
+          <a:p>
+            <a:pPr algn="ctr"/>
+            <a:r>
+              <a:rPr lang="zh-CN" altLang="en-US" sz="3600" b="1" dirty="0">
+                <a:solidFill>
+                  <a:schemeClr val="accent2">
+                    <a:lumMod val="60000"/>
+                    <a:lumOff val="40000"/>
+                  </a:schemeClr>
+                </a:solidFill>
+                <a:latin typeface="微软雅黑" panose="020B0503020204020204" pitchFamily="34" charset="-122"/>
+                <a:ea typeface="微软雅黑" panose="020B0503020204020204" pitchFamily="34" charset="-122"/>
+              </a:rPr>
+              <a:t>专家痛点</a:t>
+            </a:r>
+            <a:endParaRPr lang="zh-CN" altLang="en-US" sz="3600" b="1" dirty="0">
+              <a:solidFill>
+                <a:schemeClr val="accent2">
+                  <a:lumMod val="60000"/>
+                  <a:lumOff val="40000"/>
+                </a:schemeClr>
+              </a:solidFill>
+              <a:latin typeface="微软雅黑" panose="020B0503020204020204" pitchFamily="34" charset="-122"/>
+              <a:ea typeface="微软雅黑" panose="020B0503020204020204" pitchFamily="34" charset="-122"/>
+            </a:endParaRPr>
+          </a:p>
+        </p:txBody>
+      </p:sp>
+      <p:cxnSp>
+        <p:nvCxnSpPr>
+          <p:cNvPr id="13" name="直接连接符 12"/>
+          <p:cNvCxnSpPr/>
+          <p:nvPr/>
+        </p:nvCxnSpPr>
+        <p:spPr>
+          <a:xfrm>
+            <a:off x="7277883" y="1884934"/>
+            <a:ext cx="3601616" cy="0"/>
+          </a:xfrm>
+          <a:prstGeom prst="line">
+            <a:avLst/>
+          </a:prstGeom>
+          <a:ln w="28575">
+            <a:solidFill>
+              <a:srgbClr val="9DC3E6"/>
+            </a:solidFill>
+          </a:ln>
+        </p:spPr>
+        <p:style>
+          <a:lnRef idx="1">
+            <a:schemeClr val="accent1"/>
+          </a:lnRef>
+          <a:fillRef idx="0">
+            <a:schemeClr val="accent1"/>
+          </a:fillRef>
+          <a:effectRef idx="0">
+            <a:schemeClr val="accent1"/>
+          </a:effectRef>
+          <a:fontRef idx="minor">
+            <a:schemeClr val="tx1"/>
+          </a:fontRef>
+        </p:style>
+      </p:cxnSp>
+      <p:sp>
+        <p:nvSpPr>
+          <p:cNvPr id="2" name="文本框 1"/>
+          <p:cNvSpPr txBox="1"/>
+          <p:nvPr/>
+        </p:nvSpPr>
+        <p:spPr>
+          <a:xfrm>
+            <a:off x="5165821" y="4862086"/>
             <a:ext cx="1904474" cy="369332"/>
           </a:xfrm>
           <a:prstGeom prst="rect">
@@ -19395,7 +21034,7 @@
                 <a:latin typeface="微软雅黑" panose="020B0503020204020204" pitchFamily="34" charset="-122"/>
                 <a:ea typeface="微软雅黑" panose="020B0503020204020204" pitchFamily="34" charset="-122"/>
               </a:rPr>
-              <a:t>热门话题页面</a:t>
+              <a:t>专家搜索页面</a:t>
             </a:r>
             <a:endParaRPr lang="zh-CN" altLang="en-US" b="1" dirty="0">
               <a:solidFill>
@@ -19407,9 +21046,59 @@
           </a:p>
         </p:txBody>
       </p:sp>
+      <p:sp>
+        <p:nvSpPr>
+          <p:cNvPr id="3" name="加号 2"/>
+          <p:cNvSpPr/>
+          <p:nvPr/>
+        </p:nvSpPr>
+        <p:spPr>
+          <a:xfrm>
+            <a:off x="5912779" y="1278679"/>
+            <a:ext cx="410557" cy="410557"/>
+          </a:xfrm>
+          <a:prstGeom prst="mathPlus">
+            <a:avLst/>
+          </a:prstGeom>
+          <a:solidFill>
+            <a:srgbClr val="44546A"/>
+          </a:solidFill>
+          <a:ln>
+            <a:noFill/>
+          </a:ln>
+        </p:spPr>
+        <p:style>
+          <a:lnRef idx="2">
+            <a:schemeClr val="accent1">
+              <a:shade val="50000"/>
+            </a:schemeClr>
+          </a:lnRef>
+          <a:fillRef idx="1">
+            <a:schemeClr val="accent1"/>
+          </a:fillRef>
+          <a:effectRef idx="0">
+            <a:schemeClr val="accent1"/>
+          </a:effectRef>
+          <a:fontRef idx="minor">
+            <a:schemeClr val="lt1"/>
+          </a:fontRef>
+        </p:style>
+        <p:txBody>
+          <a:bodyPr rtlCol="0" anchor="ctr"/>
+          <a:lstStyle/>
+          <a:p>
+            <a:pPr algn="ctr"/>
+            <a:endParaRPr lang="zh-CN" altLang="en-US">
+              <a:solidFill>
+                <a:srgbClr val="44546A"/>
+              </a:solidFill>
+            </a:endParaRPr>
+          </a:p>
+        </p:txBody>
+      </p:sp>
       <p:pic>
         <p:nvPicPr>
-          <p:cNvPr id="2" name="图片 1"/>
+          <p:cNvPr id="9" name="图片 8"/>
           <p:cNvPicPr>
             <a:picLocks noChangeAspect="1"/>
           </p:cNvPicPr>
@@ -19423,8 +21112,8 @@
         </p:blipFill>
         <p:spPr>
           <a:xfrm>
-            <a:off x="556260" y="2517775"/>
-            <a:ext cx="4567555" cy="2205355"/>
+            <a:off x="4525010" y="3192145"/>
+            <a:ext cx="3327400" cy="1596390"/>
           </a:xfrm>
           <a:prstGeom prst="rect">
             <a:avLst/>
